--- a/thesis/Pune-Nov2019/01AYUSH-Pune-Nov2019.pptx
+++ b/thesis/Pune-Nov2019/01AYUSH-Pune-Nov2019.pptx
@@ -5,7 +5,7 @@
     <p:sldMasterId id="2147483648" r:id="rId1"/>
   </p:sldMasterIdLst>
   <p:notesMasterIdLst>
-    <p:notesMasterId r:id="rId23"/>
+    <p:notesMasterId r:id="rId24"/>
   </p:notesMasterIdLst>
   <p:sldIdLst>
     <p:sldId id="257" r:id="rId2"/>
@@ -15,20 +15,21 @@
     <p:sldId id="271" r:id="rId6"/>
     <p:sldId id="273" r:id="rId7"/>
     <p:sldId id="268" r:id="rId8"/>
-    <p:sldId id="274" r:id="rId9"/>
-    <p:sldId id="267" r:id="rId10"/>
-    <p:sldId id="275" r:id="rId11"/>
-    <p:sldId id="276" r:id="rId12"/>
-    <p:sldId id="277" r:id="rId13"/>
-    <p:sldId id="278" r:id="rId14"/>
-    <p:sldId id="279" r:id="rId15"/>
-    <p:sldId id="280" r:id="rId16"/>
-    <p:sldId id="272" r:id="rId17"/>
-    <p:sldId id="260" r:id="rId18"/>
-    <p:sldId id="259" r:id="rId19"/>
-    <p:sldId id="261" r:id="rId20"/>
-    <p:sldId id="281" r:id="rId21"/>
-    <p:sldId id="263" r:id="rId22"/>
+    <p:sldId id="275" r:id="rId9"/>
+    <p:sldId id="276" r:id="rId10"/>
+    <p:sldId id="277" r:id="rId11"/>
+    <p:sldId id="278" r:id="rId12"/>
+    <p:sldId id="279" r:id="rId13"/>
+    <p:sldId id="272" r:id="rId14"/>
+    <p:sldId id="260" r:id="rId15"/>
+    <p:sldId id="259" r:id="rId16"/>
+    <p:sldId id="261" r:id="rId17"/>
+    <p:sldId id="281" r:id="rId18"/>
+    <p:sldId id="282" r:id="rId19"/>
+    <p:sldId id="283" r:id="rId20"/>
+    <p:sldId id="285" r:id="rId21"/>
+    <p:sldId id="284" r:id="rId22"/>
+    <p:sldId id="263" r:id="rId23"/>
   </p:sldIdLst>
   <p:sldSz cx="12192000" cy="6858000"/>
   <p:notesSz cx="6858000" cy="9144000"/>
@@ -3488,15 +3489,14 @@
         </p:spPr>
         <p:txBody>
           <a:bodyPr>
-            <a:normAutofit fontScale="90000"/>
+            <a:normAutofit/>
           </a:bodyPr>
           <a:lstStyle/>
           <a:p>
             <a:r>
-              <a:rPr lang="en-IN" b="1" dirty="0" smtClean="0"/>
-              <a:t>HMIS systems to clinical trends, pattern recognition, meaningful insights</a:t>
-            </a:r>
-            <a:endParaRPr lang="en-US" dirty="0"/>
+              <a:rPr lang="en-US" dirty="0"/>
+              <a:t>Insights generation using Health Management Information Systems</a:t>
+            </a:r>
           </a:p>
         </p:txBody>
       </p:sp>
@@ -3643,6 +3643,52 @@
       </p:grpSpPr>
       <p:sp>
         <p:nvSpPr>
+          <p:cNvPr id="2" name="Title 1"/>
+          <p:cNvSpPr>
+            <a:spLocks noGrp="1"/>
+          </p:cNvSpPr>
+          <p:nvPr>
+            <p:ph type="title"/>
+          </p:nvPr>
+        </p:nvSpPr>
+        <p:spPr>
+          <a:xfrm>
+            <a:off x="119735" y="103865"/>
+            <a:ext cx="10515600" cy="549275"/>
+          </a:xfrm>
+        </p:spPr>
+        <p:txBody>
+          <a:bodyPr>
+            <a:normAutofit fontScale="90000"/>
+          </a:bodyPr>
+          <a:lstStyle/>
+          <a:p>
+            <a:r>
+              <a:rPr lang="en-IN" sz="2800" dirty="0">
+                <a:latin typeface="+mn-lt"/>
+              </a:rPr>
+              <a:t>Example </a:t>
+            </a:r>
+            <a:r>
+              <a:rPr lang="en-IN" sz="2800" dirty="0" smtClean="0">
+                <a:latin typeface="+mn-lt"/>
+              </a:rPr>
+              <a:t>4: </a:t>
+            </a:r>
+            <a:r>
+              <a:rPr lang="en-US" sz="2800" dirty="0" smtClean="0">
+                <a:latin typeface="+mn-lt"/>
+              </a:rPr>
+              <a:t>Frequency count of patients for each disease by month by gender</a:t>
+            </a:r>
+            <a:endParaRPr lang="en-IN" sz="2800" dirty="0">
+              <a:latin typeface="+mn-lt"/>
+            </a:endParaRPr>
+          </a:p>
+        </p:txBody>
+      </p:sp>
+      <p:sp>
+        <p:nvSpPr>
           <p:cNvPr id="4" name="Slide Number Placeholder 3"/>
           <p:cNvSpPr>
             <a:spLocks noGrp="1"/>
@@ -3656,8 +3702,9 @@
           <a:bodyPr/>
           <a:lstStyle/>
           <a:p>
-            <a:fld id="{4104BD6A-D98C-43D1-B699-6CD60B7B8EED}" type="slidenum">
-              <a:rPr lang="en-US" smtClean="0"/>
+            <a:fld id="{991F777D-3D7E-4098-87B9-F0BD66693DB0}" type="slidenum">
+              <a:rPr lang="en-US" smtClean="0"/>
+              <a:pPr/>
               <a:t>10</a:t>
             </a:fld>
             <a:endParaRPr lang="en-US"/>
@@ -3667,84 +3714,114 @@
       <p:pic>
         <p:nvPicPr>
           <p:cNvPr id="5" name="Picture 4"/>
-          <p:cNvPicPr>
-            <a:picLocks noGrp="1" noChangeAspect="1" noChangeArrowheads="1"/>
-          </p:cNvPicPr>
+          <p:cNvPicPr/>
           <p:nvPr/>
         </p:nvPicPr>
         <p:blipFill>
           <a:blip r:embed="rId2"/>
-          <a:srcRect/>
           <a:stretch>
             <a:fillRect/>
           </a:stretch>
         </p:blipFill>
-        <p:spPr bwMode="auto">
-          <a:xfrm>
-            <a:off x="284994" y="1803751"/>
-            <a:ext cx="4781550" cy="3590925"/>
+        <p:spPr>
+          <a:xfrm>
+            <a:off x="315681" y="633730"/>
+            <a:ext cx="5943600" cy="2298700"/>
+          </a:xfrm>
+          <a:prstGeom prst="rect">
+            <a:avLst/>
+          </a:prstGeom>
+        </p:spPr>
+      </p:pic>
+      <p:pic>
+        <p:nvPicPr>
+          <p:cNvPr id="6" name="Picture 5"/>
+          <p:cNvPicPr/>
+          <p:nvPr/>
+        </p:nvPicPr>
+        <p:blipFill>
+          <a:blip r:embed="rId3"/>
+          <a:stretch>
+            <a:fillRect/>
+          </a:stretch>
+        </p:blipFill>
+        <p:spPr>
+          <a:xfrm>
+            <a:off x="1025652" y="3280083"/>
+            <a:ext cx="3739896" cy="402336"/>
+          </a:xfrm>
+          <a:prstGeom prst="rect">
+            <a:avLst/>
+          </a:prstGeom>
+        </p:spPr>
+      </p:pic>
+      <p:pic>
+        <p:nvPicPr>
+          <p:cNvPr id="7" name="Picture 6"/>
+          <p:cNvPicPr/>
+          <p:nvPr/>
+        </p:nvPicPr>
+        <p:blipFill>
+          <a:blip r:embed="rId4"/>
+          <a:stretch>
+            <a:fillRect/>
+          </a:stretch>
+        </p:blipFill>
+        <p:spPr>
+          <a:xfrm>
+            <a:off x="2693125" y="4118564"/>
+            <a:ext cx="5943600" cy="2252345"/>
+          </a:xfrm>
+          <a:prstGeom prst="rect">
+            <a:avLst/>
+          </a:prstGeom>
+        </p:spPr>
+      </p:pic>
+      <p:sp>
+        <p:nvSpPr>
+          <p:cNvPr id="8" name="TextBox 7"/>
+          <p:cNvSpPr txBox="1"/>
+          <p:nvPr/>
+        </p:nvSpPr>
+        <p:spPr>
+          <a:xfrm>
+            <a:off x="6818811" y="953589"/>
+            <a:ext cx="4781006" cy="923330"/>
           </a:xfrm>
           <a:prstGeom prst="rect">
             <a:avLst/>
           </a:prstGeom>
           <a:noFill/>
-          <a:ln w="9525">
-            <a:noFill/>
-            <a:miter lim="800000"/>
-            <a:headEnd/>
-            <a:tailEnd/>
-          </a:ln>
-          <a:effectLst/>
-        </p:spPr>
-      </p:pic>
-      <p:pic>
-        <p:nvPicPr>
-          <p:cNvPr id="6" name="Picture 5"/>
-          <p:cNvPicPr>
-            <a:picLocks noChangeAspect="1" noChangeArrowheads="1"/>
-          </p:cNvPicPr>
+        </p:spPr>
+        <p:txBody>
+          <a:bodyPr wrap="square" rtlCol="0">
+            <a:spAutoFit/>
+          </a:bodyPr>
+          <a:lstStyle/>
+          <a:p>
+            <a:r>
+              <a:rPr lang="en-US" dirty="0" smtClean="0"/>
+              <a:t>This visual opens for each day, by clicking on “+” sign on the x-axis, showing the operational as well as scientific usefulness.</a:t>
+            </a:r>
+            <a:endParaRPr lang="en-IN" dirty="0" smtClean="0"/>
+          </a:p>
+        </p:txBody>
+      </p:sp>
+      <p:sp>
+        <p:nvSpPr>
+          <p:cNvPr id="10" name="TextBox 9"/>
+          <p:cNvSpPr txBox="1"/>
           <p:nvPr/>
-        </p:nvPicPr>
-        <p:blipFill>
-          <a:blip r:embed="rId3"/>
-          <a:srcRect/>
-          <a:stretch>
-            <a:fillRect/>
-          </a:stretch>
-        </p:blipFill>
-        <p:spPr bwMode="auto">
-          <a:xfrm>
-            <a:off x="4416546" y="1463323"/>
-            <a:ext cx="7490460" cy="2689860"/>
+        </p:nvSpPr>
+        <p:spPr>
+          <a:xfrm>
+            <a:off x="8138160" y="2560320"/>
+            <a:ext cx="3331029" cy="1200329"/>
           </a:xfrm>
           <a:prstGeom prst="rect">
             <a:avLst/>
           </a:prstGeom>
           <a:noFill/>
-          <a:ln w="9525">
-            <a:noFill/>
-            <a:miter lim="800000"/>
-            <a:headEnd/>
-            <a:tailEnd/>
-          </a:ln>
-          <a:effectLst/>
-        </p:spPr>
-      </p:pic>
-      <p:sp>
-        <p:nvSpPr>
-          <p:cNvPr id="7" name="TextBox 6"/>
-          <p:cNvSpPr txBox="1"/>
-          <p:nvPr/>
-        </p:nvSpPr>
-        <p:spPr>
-          <a:xfrm>
-            <a:off x="493776" y="228600"/>
-            <a:ext cx="6611112" cy="369332"/>
-          </a:xfrm>
-          <a:prstGeom prst="rect">
-            <a:avLst/>
-          </a:prstGeom>
-          <a:noFill/>
         </p:spPr>
         <p:txBody>
           <a:bodyPr wrap="square" rtlCol="0">
@@ -3752,18 +3829,36 @@
           </a:bodyPr>
           <a:lstStyle/>
           <a:p>
-            <a:r>
-              <a:rPr lang="en-US" dirty="0" smtClean="0"/>
-              <a:t>Example 3: </a:t>
-            </a:r>
-            <a:r>
-              <a:rPr lang="en-IN" dirty="0"/>
-              <a:t>Relationship between diseases and </a:t>
-            </a:r>
+            <a:pPr marL="342900" indent="-342900">
+              <a:buFont typeface="+mj-lt"/>
+              <a:buAutoNum type="arabicPeriod"/>
+            </a:pPr>
             <a:r>
               <a:rPr lang="en-IN" dirty="0" smtClean="0"/>
-              <a:t>medicines</a:t>
-            </a:r>
+              <a:t>Seasonal variation, </a:t>
+            </a:r>
+          </a:p>
+          <a:p>
+            <a:pPr marL="342900" indent="-342900">
+              <a:buFont typeface="+mj-lt"/>
+              <a:buAutoNum type="arabicPeriod"/>
+            </a:pPr>
+            <a:r>
+              <a:rPr lang="en-IN" dirty="0" smtClean="0"/>
+              <a:t>Gender wise variation, </a:t>
+            </a:r>
+          </a:p>
+          <a:p>
+            <a:pPr marL="342900" indent="-342900">
+              <a:buFont typeface="+mj-lt"/>
+              <a:buAutoNum type="arabicPeriod"/>
+            </a:pPr>
+            <a:r>
+              <a:rPr lang="en-IN" dirty="0" smtClean="0"/>
+              <a:t>Disease variation</a:t>
+            </a:r>
+          </a:p>
+          <a:p>
             <a:endParaRPr lang="en-IN" dirty="0"/>
           </a:p>
         </p:txBody>
@@ -3771,13 +3866,20 @@
     </p:spTree>
     <p:extLst>
       <p:ext uri="{BB962C8B-B14F-4D97-AF65-F5344CB8AC3E}">
-        <p14:creationId xmlns:p14="http://schemas.microsoft.com/office/powerpoint/2010/main" val="621725748"/>
+        <p14:creationId xmlns:p14="http://schemas.microsoft.com/office/powerpoint/2010/main" val="1211721390"/>
       </p:ext>
     </p:extLst>
   </p:cSld>
   <p:clrMapOvr>
     <a:masterClrMapping/>
   </p:clrMapOvr>
+  <p:timing>
+    <p:tnLst>
+      <p:par>
+        <p:cTn id="1" dur="indefinite" restart="never" nodeType="tmRoot"/>
+      </p:par>
+    </p:tnLst>
+  </p:timing>
 </p:sld>
 </file>
 
@@ -3800,20 +3902,53 @@
       </p:grpSpPr>
       <p:sp>
         <p:nvSpPr>
-          <p:cNvPr id="3" name="Content Placeholder 2"/>
-          <p:cNvSpPr>
-            <a:spLocks noGrp="1"/>
-          </p:cNvSpPr>
-          <p:nvPr>
-            <p:ph idx="1"/>
-          </p:nvPr>
-        </p:nvSpPr>
-        <p:spPr/>
-        <p:txBody>
-          <a:bodyPr/>
-          <a:lstStyle/>
-          <a:p>
-            <a:endParaRPr lang="en-US"/>
+          <p:cNvPr id="2" name="Title 1"/>
+          <p:cNvSpPr>
+            <a:spLocks noGrp="1"/>
+          </p:cNvSpPr>
+          <p:nvPr>
+            <p:ph type="title"/>
+          </p:nvPr>
+        </p:nvSpPr>
+        <p:spPr>
+          <a:xfrm>
+            <a:off x="161544" y="118239"/>
+            <a:ext cx="5708904" cy="594993"/>
+          </a:xfrm>
+        </p:spPr>
+        <p:txBody>
+          <a:bodyPr>
+            <a:normAutofit/>
+          </a:bodyPr>
+          <a:lstStyle/>
+          <a:p>
+            <a:r>
+              <a:rPr lang="en-US" sz="2000" dirty="0" smtClean="0">
+                <a:latin typeface="+mn-lt"/>
+              </a:rPr>
+              <a:t>Example 5: pre </a:t>
+            </a:r>
+            <a:r>
+              <a:rPr lang="en-US" sz="2000" dirty="0">
+                <a:latin typeface="+mn-lt"/>
+              </a:rPr>
+              <a:t>and post </a:t>
+            </a:r>
+            <a:r>
+              <a:rPr lang="en-US" sz="2000" dirty="0" smtClean="0">
+                <a:latin typeface="+mn-lt"/>
+              </a:rPr>
+              <a:t>co-morbidities for </a:t>
+            </a:r>
+            <a:r>
+              <a:rPr lang="en-US" sz="2000" dirty="0" err="1" smtClean="0">
+                <a:latin typeface="+mn-lt"/>
+              </a:rPr>
+              <a:t>Prameha</a:t>
+            </a:r>
+            <a:endParaRPr lang="en-US" sz="2000" dirty="0">
+              <a:latin typeface="+mn-lt"/>
+            </a:endParaRPr>
           </a:p>
         </p:txBody>
       </p:sp>
@@ -3842,77 +3977,152 @@
       </p:sp>
       <p:pic>
         <p:nvPicPr>
-          <p:cNvPr id="5" name="Picture 4"/>
-          <p:cNvPicPr>
-            <a:picLocks noChangeAspect="1"/>
-          </p:cNvPicPr>
+          <p:cNvPr id="6" name="Picture 5"/>
+          <p:cNvPicPr/>
           <p:nvPr/>
         </p:nvPicPr>
         <p:blipFill>
           <a:blip r:embed="rId2"/>
+          <a:srcRect/>
           <a:stretch>
             <a:fillRect/>
           </a:stretch>
         </p:blipFill>
-        <p:spPr>
-          <a:xfrm>
-            <a:off x="91440" y="1346329"/>
-            <a:ext cx="12100560" cy="5448300"/>
+        <p:spPr bwMode="auto">
+          <a:xfrm>
+            <a:off x="292608" y="655700"/>
+            <a:ext cx="7754112" cy="2837308"/>
           </a:xfrm>
           <a:prstGeom prst="rect">
             <a:avLst/>
           </a:prstGeom>
+          <a:noFill/>
+          <a:ln w="9525">
+            <a:noFill/>
+            <a:miter lim="800000"/>
+            <a:headEnd/>
+            <a:tailEnd/>
+          </a:ln>
         </p:spPr>
       </p:pic>
       <p:sp>
         <p:nvSpPr>
-          <p:cNvPr id="6" name="Rectangle 5"/>
+          <p:cNvPr id="7" name="Rectangle 6"/>
           <p:cNvSpPr/>
           <p:nvPr/>
         </p:nvSpPr>
         <p:spPr>
           <a:xfrm>
-            <a:off x="167640" y="137185"/>
-            <a:ext cx="9552432" cy="369332"/>
+            <a:off x="292608" y="3766650"/>
+            <a:ext cx="6096000" cy="2031325"/>
           </a:xfrm>
           <a:prstGeom prst="rect">
             <a:avLst/>
           </a:prstGeom>
         </p:spPr>
         <p:txBody>
-          <a:bodyPr wrap="square">
+          <a:bodyPr>
             <a:spAutoFit/>
           </a:bodyPr>
           <a:lstStyle/>
           <a:p>
-            <a:r>
-              <a:rPr lang="en-IN" dirty="0"/>
-              <a:t>Example </a:t>
-            </a:r>
-            <a:r>
-              <a:rPr lang="en-IN" dirty="0" smtClean="0"/>
-              <a:t>4: </a:t>
-            </a:r>
-            <a:r>
-              <a:rPr lang="en-US" dirty="0" smtClean="0"/>
-              <a:t>Patients with </a:t>
-            </a:r>
-            <a:r>
-              <a:rPr lang="en-US" dirty="0" err="1" smtClean="0"/>
-              <a:t>Madhumeha</a:t>
-            </a:r>
-            <a:r>
-              <a:rPr lang="en-US" dirty="0" smtClean="0"/>
-              <a:t> and additional diseases reported</a:t>
-            </a:r>
-            <a:endParaRPr lang="en-US" dirty="0"/>
+            <a:pPr marL="342900" marR="0" lvl="0" indent="-342900">
+              <a:spcBef>
+                <a:spcPts val="0"/>
+              </a:spcBef>
+              <a:spcAft>
+                <a:spcPts val="0"/>
+              </a:spcAft>
+              <a:buFont typeface="+mj-lt"/>
+              <a:buAutoNum type="arabicPeriod"/>
+            </a:pPr>
+            <a:r>
+              <a:rPr lang="en-US" dirty="0" err="1">
+                <a:ea typeface="Times" panose="02020603050405020304" pitchFamily="18" charset="0"/>
+                <a:cs typeface="Times New Roman" panose="02020603050405020304" pitchFamily="18" charset="0"/>
+              </a:rPr>
+              <a:t>Prameha</a:t>
+            </a:r>
+            <a:r>
+              <a:rPr lang="en-US" dirty="0">
+                <a:ea typeface="Times" panose="02020603050405020304" pitchFamily="18" charset="0"/>
+                <a:cs typeface="Times New Roman" panose="02020603050405020304" pitchFamily="18" charset="0"/>
+              </a:rPr>
+              <a:t> has been reported by 1497 patients. Out of these 383 patients visit hospital within 1</a:t>
+            </a:r>
+            <a:r>
+              <a:rPr lang="en-US" baseline="30000" dirty="0">
+                <a:ea typeface="Times" panose="02020603050405020304" pitchFamily="18" charset="0"/>
+                <a:cs typeface="Times New Roman" panose="02020603050405020304" pitchFamily="18" charset="0"/>
+              </a:rPr>
+              <a:t>st</a:t>
+            </a:r>
+            <a:r>
+              <a:rPr lang="en-US" dirty="0">
+                <a:ea typeface="Times" panose="02020603050405020304" pitchFamily="18" charset="0"/>
+                <a:cs typeface="Times New Roman" panose="02020603050405020304" pitchFamily="18" charset="0"/>
+              </a:rPr>
+              <a:t> month, 231, 269, 167, 128, </a:t>
+            </a:r>
+            <a:r>
+              <a:rPr lang="en-US" dirty="0" err="1">
+                <a:ea typeface="Times" panose="02020603050405020304" pitchFamily="18" charset="0"/>
+                <a:cs typeface="Times New Roman" panose="02020603050405020304" pitchFamily="18" charset="0"/>
+              </a:rPr>
+              <a:t>etc</a:t>
+            </a:r>
+            <a:r>
+              <a:rPr lang="en-US" dirty="0">
+                <a:ea typeface="Times" panose="02020603050405020304" pitchFamily="18" charset="0"/>
+                <a:cs typeface="Times New Roman" panose="02020603050405020304" pitchFamily="18" charset="0"/>
+              </a:rPr>
+              <a:t> are in the following time points.</a:t>
+            </a:r>
+          </a:p>
+          <a:p>
+            <a:pPr marL="342900" marR="0" lvl="0" indent="-342900">
+              <a:spcBef>
+                <a:spcPts val="0"/>
+              </a:spcBef>
+              <a:spcAft>
+                <a:spcPts val="0"/>
+              </a:spcAft>
+              <a:buFont typeface="+mj-lt"/>
+              <a:buAutoNum type="arabicPeriod"/>
+            </a:pPr>
+            <a:r>
+              <a:rPr lang="en-US" dirty="0">
+                <a:ea typeface="Times" panose="02020603050405020304" pitchFamily="18" charset="0"/>
+                <a:cs typeface="Times New Roman" panose="02020603050405020304" pitchFamily="18" charset="0"/>
+              </a:rPr>
+              <a:t>Other lines in the table provide details about diseases reported by these 1497 patients.</a:t>
+            </a:r>
+          </a:p>
+          <a:p>
+            <a:pPr marL="342900" marR="0" lvl="0" indent="-342900">
+              <a:spcBef>
+                <a:spcPts val="0"/>
+              </a:spcBef>
+              <a:spcAft>
+                <a:spcPts val="0"/>
+              </a:spcAft>
+              <a:buFont typeface="+mj-lt"/>
+              <a:buAutoNum type="arabicPeriod"/>
+            </a:pPr>
+            <a:r>
+              <a:rPr lang="en-US" dirty="0">
+                <a:ea typeface="Times" panose="02020603050405020304" pitchFamily="18" charset="0"/>
+                <a:cs typeface="Times New Roman" panose="02020603050405020304" pitchFamily="18" charset="0"/>
+              </a:rPr>
+              <a:t>Bottom section of the table provides information about the treatment details for these patients.</a:t>
+            </a:r>
           </a:p>
         </p:txBody>
       </p:sp>
     </p:spTree>
     <p:extLst>
       <p:ext uri="{BB962C8B-B14F-4D97-AF65-F5344CB8AC3E}">
-        <p14:creationId xmlns:p14="http://schemas.microsoft.com/office/powerpoint/2010/main" val="2786075549"/>
+        <p14:creationId xmlns:p14="http://schemas.microsoft.com/office/powerpoint/2010/main" val="2313778932"/>
       </p:ext>
     </p:extLst>
   </p:cSld>
@@ -3941,48 +4151,6 @@
       </p:grpSpPr>
       <p:sp>
         <p:nvSpPr>
-          <p:cNvPr id="2" name="Title 1"/>
-          <p:cNvSpPr>
-            <a:spLocks noGrp="1"/>
-          </p:cNvSpPr>
-          <p:nvPr>
-            <p:ph type="title"/>
-          </p:nvPr>
-        </p:nvSpPr>
-        <p:spPr>
-          <a:xfrm>
-            <a:off x="119735" y="103865"/>
-            <a:ext cx="10515600" cy="549275"/>
-          </a:xfrm>
-        </p:spPr>
-        <p:txBody>
-          <a:bodyPr>
-            <a:normAutofit fontScale="90000"/>
-          </a:bodyPr>
-          <a:lstStyle/>
-          <a:p>
-            <a:r>
-              <a:rPr lang="en-IN" sz="2800" dirty="0"/>
-              <a:t>Example 5</a:t>
-            </a:r>
-            <a:r>
-              <a:rPr lang="en-IN" sz="2800" dirty="0" smtClean="0"/>
-              <a:t>: </a:t>
-            </a:r>
-            <a:r>
-              <a:rPr lang="en-US" sz="2800" dirty="0" smtClean="0"/>
-              <a:t>Frequency </a:t>
-            </a:r>
-            <a:r>
-              <a:rPr lang="en-US" sz="2800" dirty="0" smtClean="0"/>
-              <a:t>count of patients for each disease by month by gender</a:t>
-            </a:r>
-            <a:endParaRPr lang="en-IN" sz="2800" dirty="0"/>
-          </a:p>
-        </p:txBody>
-      </p:sp>
-      <p:sp>
-        <p:nvSpPr>
           <p:cNvPr id="4" name="Slide Number Placeholder 3"/>
           <p:cNvSpPr>
             <a:spLocks noGrp="1"/>
@@ -3996,9 +4164,8 @@
           <a:bodyPr/>
           <a:lstStyle/>
           <a:p>
-            <a:fld id="{991F777D-3D7E-4098-87B9-F0BD66693DB0}" type="slidenum">
-              <a:rPr lang="en-US" smtClean="0"/>
-              <a:pPr/>
+            <a:fld id="{4104BD6A-D98C-43D1-B699-6CD60B7B8EED}" type="slidenum">
+              <a:rPr lang="en-US" smtClean="0"/>
               <a:t>12</a:t>
             </a:fld>
             <a:endParaRPr lang="en-US"/>
@@ -4007,110 +4174,82 @@
       </p:sp>
       <p:pic>
         <p:nvPicPr>
-          <p:cNvPr id="5" name="Picture 4"/>
-          <p:cNvPicPr/>
-          <p:nvPr/>
+          <p:cNvPr id="5" name="Content Placeholder 4"/>
+          <p:cNvPicPr>
+            <a:picLocks noGrp="1"/>
+          </p:cNvPicPr>
+          <p:nvPr>
+            <p:ph idx="1"/>
+          </p:nvPr>
         </p:nvPicPr>
         <p:blipFill>
           <a:blip r:embed="rId2"/>
+          <a:srcRect/>
           <a:stretch>
             <a:fillRect/>
           </a:stretch>
         </p:blipFill>
-        <p:spPr>
-          <a:xfrm>
-            <a:off x="315681" y="633730"/>
-            <a:ext cx="5943600" cy="2298700"/>
-          </a:xfrm>
-          <a:prstGeom prst="rect">
-            <a:avLst/>
-          </a:prstGeom>
-        </p:spPr>
-      </p:pic>
-      <p:pic>
-        <p:nvPicPr>
-          <p:cNvPr id="6" name="Picture 5"/>
-          <p:cNvPicPr/>
-          <p:nvPr/>
-        </p:nvPicPr>
-        <p:blipFill>
-          <a:blip r:embed="rId3"/>
-          <a:stretch>
-            <a:fillRect/>
-          </a:stretch>
-        </p:blipFill>
-        <p:spPr>
-          <a:xfrm>
-            <a:off x="1025652" y="3280083"/>
-            <a:ext cx="3739896" cy="402336"/>
-          </a:xfrm>
-          <a:prstGeom prst="rect">
-            <a:avLst/>
-          </a:prstGeom>
-        </p:spPr>
-      </p:pic>
-      <p:pic>
-        <p:nvPicPr>
-          <p:cNvPr id="7" name="Picture 6"/>
-          <p:cNvPicPr/>
-          <p:nvPr/>
-        </p:nvPicPr>
-        <p:blipFill>
-          <a:blip r:embed="rId4"/>
-          <a:stretch>
-            <a:fillRect/>
-          </a:stretch>
-        </p:blipFill>
-        <p:spPr>
-          <a:xfrm>
-            <a:off x="2693125" y="4118564"/>
-            <a:ext cx="5943600" cy="2252345"/>
-          </a:xfrm>
-          <a:prstGeom prst="rect">
-            <a:avLst/>
-          </a:prstGeom>
-        </p:spPr>
-      </p:pic>
-      <p:sp>
-        <p:nvSpPr>
-          <p:cNvPr id="8" name="TextBox 7"/>
-          <p:cNvSpPr txBox="1"/>
-          <p:nvPr/>
-        </p:nvSpPr>
-        <p:spPr>
-          <a:xfrm>
-            <a:off x="6818811" y="953589"/>
-            <a:ext cx="4781006" cy="923330"/>
+        <p:spPr bwMode="auto">
+          <a:xfrm>
+            <a:off x="315159" y="688278"/>
+            <a:ext cx="7739489" cy="4351338"/>
           </a:xfrm>
           <a:prstGeom prst="rect">
             <a:avLst/>
           </a:prstGeom>
           <a:noFill/>
-        </p:spPr>
-        <p:txBody>
-          <a:bodyPr wrap="square" rtlCol="0">
-            <a:spAutoFit/>
+          <a:ln w="9525">
+            <a:noFill/>
+            <a:miter lim="800000"/>
+            <a:headEnd/>
+            <a:tailEnd/>
+          </a:ln>
+        </p:spPr>
+      </p:pic>
+      <p:sp>
+        <p:nvSpPr>
+          <p:cNvPr id="7" name="Title 1"/>
+          <p:cNvSpPr>
+            <a:spLocks noGrp="1"/>
+          </p:cNvSpPr>
+          <p:nvPr>
+            <p:ph type="title"/>
+          </p:nvPr>
+        </p:nvSpPr>
+        <p:spPr>
+          <a:xfrm>
+            <a:off x="161544" y="118239"/>
+            <a:ext cx="10463784" cy="594993"/>
+          </a:xfrm>
+        </p:spPr>
+        <p:txBody>
+          <a:bodyPr>
+            <a:normAutofit/>
           </a:bodyPr>
           <a:lstStyle/>
           <a:p>
             <a:r>
-              <a:rPr lang="en-US" dirty="0" smtClean="0"/>
-              <a:t>This visual opens for each day, by clicking on “+” sign on the x-axis, showing the operational as well as scientific usefulness.</a:t>
-            </a:r>
-            <a:endParaRPr lang="en-IN" dirty="0" smtClean="0"/>
-          </a:p>
-        </p:txBody>
-      </p:sp>
-      <p:sp>
-        <p:nvSpPr>
-          <p:cNvPr id="10" name="TextBox 9"/>
+              <a:rPr lang="en-US" sz="2000" dirty="0" smtClean="0">
+                <a:latin typeface="+mn-lt"/>
+              </a:rPr>
+              <a:t>Example 6: circular view representation of disease and medicine co-occurrences, pre and post</a:t>
+            </a:r>
+            <a:endParaRPr lang="en-US" sz="2000" dirty="0">
+              <a:latin typeface="+mn-lt"/>
+            </a:endParaRPr>
+          </a:p>
+        </p:txBody>
+      </p:sp>
+      <p:sp>
+        <p:nvSpPr>
+          <p:cNvPr id="8" name="TextBox 7"/>
           <p:cNvSpPr txBox="1"/>
           <p:nvPr/>
         </p:nvSpPr>
         <p:spPr>
           <a:xfrm>
-            <a:off x="8138160" y="2560320"/>
-            <a:ext cx="3331029" cy="1200329"/>
+            <a:off x="315159" y="5376672"/>
+            <a:ext cx="4421433" cy="923330"/>
           </a:xfrm>
           <a:prstGeom prst="rect">
             <a:avLst/>
@@ -4123,13 +4262,19 @@
           </a:bodyPr>
           <a:lstStyle/>
           <a:p>
+            <a:r>
+              <a:rPr lang="en-US" dirty="0" smtClean="0"/>
+              <a:t>Visualization of </a:t>
+            </a:r>
+          </a:p>
+          <a:p>
             <a:pPr marL="342900" indent="-342900">
               <a:buFont typeface="+mj-lt"/>
               <a:buAutoNum type="arabicPeriod"/>
             </a:pPr>
             <a:r>
-              <a:rPr lang="en-IN" dirty="0" smtClean="0"/>
-              <a:t>Seasonal variation, </a:t>
+              <a:rPr lang="en-US" dirty="0" smtClean="0"/>
+              <a:t>Co-occurrences of disease and medicine</a:t>
             </a:r>
           </a:p>
           <a:p>
@@ -4138,8 +4283,46 @@
               <a:buAutoNum type="arabicPeriod"/>
             </a:pPr>
             <a:r>
-              <a:rPr lang="en-IN" dirty="0" smtClean="0"/>
-              <a:t>Gender wise variation, </a:t>
+              <a:rPr lang="en-US" dirty="0" smtClean="0"/>
+              <a:t>Co-occurrences of disease and disease</a:t>
+            </a:r>
+            <a:endParaRPr lang="en-US" dirty="0"/>
+          </a:p>
+        </p:txBody>
+      </p:sp>
+      <p:sp>
+        <p:nvSpPr>
+          <p:cNvPr id="9" name="TextBox 8"/>
+          <p:cNvSpPr txBox="1"/>
+          <p:nvPr/>
+        </p:nvSpPr>
+        <p:spPr>
+          <a:xfrm>
+            <a:off x="8759952" y="1307592"/>
+            <a:ext cx="3282696" cy="2031325"/>
+          </a:xfrm>
+          <a:prstGeom prst="rect">
+            <a:avLst/>
+          </a:prstGeom>
+          <a:noFill/>
+        </p:spPr>
+        <p:txBody>
+          <a:bodyPr wrap="square" rtlCol="0">
+            <a:spAutoFit/>
+          </a:bodyPr>
+          <a:lstStyle/>
+          <a:p>
+            <a:r>
+              <a:rPr lang="en-US" dirty="0" smtClean="0"/>
+              <a:t>Interpretation, </a:t>
+            </a:r>
+            <a:r>
+              <a:rPr lang="en-US" dirty="0"/>
+              <a:t>Many green lines </a:t>
+            </a:r>
+            <a:r>
+              <a:rPr lang="en-US" dirty="0" smtClean="0"/>
+              <a:t>means:</a:t>
             </a:r>
           </a:p>
           <a:p>
@@ -4148,19 +4331,31 @@
               <a:buAutoNum type="arabicPeriod"/>
             </a:pPr>
             <a:r>
-              <a:rPr lang="en-IN" dirty="0" smtClean="0"/>
-              <a:t>Disease variation</a:t>
-            </a:r>
-          </a:p>
-          <a:p>
-            <a:endParaRPr lang="en-IN" dirty="0"/>
+              <a:rPr lang="en-US" dirty="0"/>
+              <a:t>T</a:t>
+            </a:r>
+            <a:r>
+              <a:rPr lang="en-US" dirty="0" smtClean="0"/>
+              <a:t>here is a greater chance of diseases reported by patients</a:t>
+            </a:r>
+          </a:p>
+          <a:p>
+            <a:pPr marL="342900" indent="-342900">
+              <a:buFont typeface="+mj-lt"/>
+              <a:buAutoNum type="arabicPeriod"/>
+            </a:pPr>
+            <a:r>
+              <a:rPr lang="en-US" dirty="0" smtClean="0"/>
+              <a:t>There is a greater chance of a medicine prescribed for a disease</a:t>
+            </a:r>
+            <a:endParaRPr lang="en-US" dirty="0"/>
           </a:p>
         </p:txBody>
       </p:sp>
     </p:spTree>
     <p:extLst>
       <p:ext uri="{BB962C8B-B14F-4D97-AF65-F5344CB8AC3E}">
-        <p14:creationId xmlns:p14="http://schemas.microsoft.com/office/powerpoint/2010/main" val="1211721390"/>
+        <p14:creationId xmlns:p14="http://schemas.microsoft.com/office/powerpoint/2010/main" val="3182335127"/>
       </p:ext>
     </p:extLst>
   </p:cSld>
@@ -4206,33 +4401,96 @@
         </p:nvSpPr>
         <p:spPr>
           <a:xfrm>
-            <a:off x="161544" y="118239"/>
-            <a:ext cx="5708904" cy="594993"/>
-          </a:xfrm>
-        </p:spPr>
-        <p:txBody>
-          <a:bodyPr>
-            <a:normAutofit/>
-          </a:bodyPr>
-          <a:lstStyle/>
-          <a:p>
-            <a:r>
-              <a:rPr lang="en-US" sz="2000" dirty="0" smtClean="0"/>
-              <a:t>Example 6: pre </a:t>
-            </a:r>
-            <a:r>
-              <a:rPr lang="en-US" sz="2000" dirty="0"/>
-              <a:t>and post </a:t>
-            </a:r>
-            <a:r>
-              <a:rPr lang="en-US" sz="2000" dirty="0" smtClean="0"/>
-              <a:t>co-morbidities for </a:t>
-            </a:r>
-            <a:r>
-              <a:rPr lang="en-US" sz="2000" dirty="0" err="1" smtClean="0"/>
-              <a:t>Prameha</a:t>
-            </a:r>
-            <a:endParaRPr lang="en-US" sz="2000" dirty="0"/>
+            <a:off x="158931" y="169182"/>
+            <a:ext cx="10515600" cy="941161"/>
+          </a:xfrm>
+        </p:spPr>
+        <p:txBody>
+          <a:bodyPr/>
+          <a:lstStyle/>
+          <a:p>
+            <a:r>
+              <a:rPr lang="en-IN" dirty="0" smtClean="0"/>
+              <a:t>How does it help?</a:t>
+            </a:r>
+            <a:endParaRPr lang="en-IN" dirty="0"/>
+          </a:p>
+        </p:txBody>
+      </p:sp>
+      <p:sp>
+        <p:nvSpPr>
+          <p:cNvPr id="3" name="Content Placeholder 2"/>
+          <p:cNvSpPr>
+            <a:spLocks noGrp="1"/>
+          </p:cNvSpPr>
+          <p:nvPr>
+            <p:ph idx="1"/>
+          </p:nvPr>
+        </p:nvSpPr>
+        <p:spPr>
+          <a:xfrm>
+            <a:off x="367937" y="1002664"/>
+            <a:ext cx="10515600" cy="4351338"/>
+          </a:xfrm>
+        </p:spPr>
+        <p:txBody>
+          <a:bodyPr/>
+          <a:lstStyle/>
+          <a:p>
+            <a:r>
+              <a:rPr lang="en-IN" dirty="0" smtClean="0"/>
+              <a:t>Credible and robust basis for medical decisions</a:t>
+            </a:r>
+          </a:p>
+          <a:p>
+            <a:r>
+              <a:rPr lang="en-IN" dirty="0" smtClean="0"/>
+              <a:t>Cause, diagnosis, prognosis, relationship</a:t>
+            </a:r>
+          </a:p>
+          <a:p>
+            <a:r>
+              <a:rPr lang="en-IN" dirty="0" smtClean="0"/>
+              <a:t>Trends</a:t>
+            </a:r>
+          </a:p>
+          <a:p>
+            <a:r>
+              <a:rPr lang="en-IN" dirty="0" smtClean="0"/>
+              <a:t>New </a:t>
+            </a:r>
+          </a:p>
+          <a:p>
+            <a:pPr lvl="1"/>
+            <a:r>
+              <a:rPr lang="en-IN" dirty="0" smtClean="0"/>
+              <a:t>Hypotheses, </a:t>
+            </a:r>
+          </a:p>
+          <a:p>
+            <a:pPr lvl="1"/>
+            <a:r>
+              <a:rPr lang="en-IN" dirty="0" smtClean="0"/>
+              <a:t>Questions / answers </a:t>
+            </a:r>
+          </a:p>
+          <a:p>
+            <a:pPr lvl="1"/>
+            <a:r>
+              <a:rPr lang="en-IN" dirty="0" smtClean="0"/>
+              <a:t>Treatments, diseases</a:t>
+            </a:r>
+          </a:p>
+          <a:p>
+            <a:r>
+              <a:rPr lang="en-IN" dirty="0" smtClean="0"/>
+              <a:t>Validation of anecdotes, assumptions, </a:t>
+            </a:r>
+            <a:r>
+              <a:rPr lang="en-IN" dirty="0" smtClean="0"/>
+              <a:t>beliefs</a:t>
+            </a:r>
+            <a:endParaRPr lang="en-IN" dirty="0"/>
           </a:p>
         </p:txBody>
       </p:sp>
@@ -4251,191 +4509,32 @@
           <a:bodyPr/>
           <a:lstStyle/>
           <a:p>
-            <a:fld id="{4104BD6A-D98C-43D1-B699-6CD60B7B8EED}" type="slidenum">
-              <a:rPr lang="en-US" smtClean="0"/>
+            <a:fld id="{991F777D-3D7E-4098-87B9-F0BD66693DB0}" type="slidenum">
+              <a:rPr lang="en-US" smtClean="0"/>
+              <a:pPr/>
               <a:t>13</a:t>
             </a:fld>
             <a:endParaRPr lang="en-US"/>
           </a:p>
         </p:txBody>
       </p:sp>
-      <p:pic>
-        <p:nvPicPr>
-          <p:cNvPr id="6" name="Picture 5"/>
-          <p:cNvPicPr/>
-          <p:nvPr/>
-        </p:nvPicPr>
-        <p:blipFill>
-          <a:blip r:embed="rId2"/>
-          <a:srcRect/>
-          <a:stretch>
-            <a:fillRect/>
-          </a:stretch>
-        </p:blipFill>
-        <p:spPr bwMode="auto">
-          <a:xfrm>
-            <a:off x="292608" y="655700"/>
-            <a:ext cx="7754112" cy="2837308"/>
-          </a:xfrm>
-          <a:prstGeom prst="rect">
-            <a:avLst/>
-          </a:prstGeom>
-          <a:noFill/>
-          <a:ln w="9525">
-            <a:noFill/>
-            <a:miter lim="800000"/>
-            <a:headEnd/>
-            <a:tailEnd/>
-          </a:ln>
-        </p:spPr>
-      </p:pic>
-      <p:sp>
-        <p:nvSpPr>
-          <p:cNvPr id="7" name="Rectangle 6"/>
-          <p:cNvSpPr/>
-          <p:nvPr/>
-        </p:nvSpPr>
-        <p:spPr>
-          <a:xfrm>
-            <a:off x="292608" y="3766650"/>
-            <a:ext cx="6096000" cy="2031325"/>
-          </a:xfrm>
-          <a:prstGeom prst="rect">
-            <a:avLst/>
-          </a:prstGeom>
-        </p:spPr>
-        <p:txBody>
-          <a:bodyPr>
-            <a:spAutoFit/>
-          </a:bodyPr>
-          <a:lstStyle/>
-          <a:p>
-            <a:pPr marL="342900" marR="0" lvl="0" indent="-342900">
-              <a:spcBef>
-                <a:spcPts val="0"/>
-              </a:spcBef>
-              <a:spcAft>
-                <a:spcPts val="0"/>
-              </a:spcAft>
-              <a:buFont typeface="+mj-lt"/>
-              <a:buAutoNum type="arabicPeriod"/>
-            </a:pPr>
-            <a:r>
-              <a:rPr lang="en-US" dirty="0" err="1">
-                <a:latin typeface="Garamond" panose="02020404030301010803" pitchFamily="18" charset="0"/>
-                <a:ea typeface="Times" panose="02020603050405020304" pitchFamily="18" charset="0"/>
-                <a:cs typeface="Times New Roman" panose="02020603050405020304" pitchFamily="18" charset="0"/>
-              </a:rPr>
-              <a:t>Prameha</a:t>
-            </a:r>
-            <a:r>
-              <a:rPr lang="en-US" dirty="0">
-                <a:latin typeface="Garamond" panose="02020404030301010803" pitchFamily="18" charset="0"/>
-                <a:ea typeface="Times" panose="02020603050405020304" pitchFamily="18" charset="0"/>
-                <a:cs typeface="Times New Roman" panose="02020603050405020304" pitchFamily="18" charset="0"/>
-              </a:rPr>
-              <a:t> has been reported by 1497 patients. Out of these 383 patients visit hospital within 1</a:t>
-            </a:r>
-            <a:r>
-              <a:rPr lang="en-US" baseline="30000" dirty="0">
-                <a:latin typeface="Garamond" panose="02020404030301010803" pitchFamily="18" charset="0"/>
-                <a:ea typeface="Times" panose="02020603050405020304" pitchFamily="18" charset="0"/>
-                <a:cs typeface="Times New Roman" panose="02020603050405020304" pitchFamily="18" charset="0"/>
-              </a:rPr>
-              <a:t>st</a:t>
-            </a:r>
-            <a:r>
-              <a:rPr lang="en-US" dirty="0">
-                <a:latin typeface="Garamond" panose="02020404030301010803" pitchFamily="18" charset="0"/>
-                <a:ea typeface="Times" panose="02020603050405020304" pitchFamily="18" charset="0"/>
-                <a:cs typeface="Times New Roman" panose="02020603050405020304" pitchFamily="18" charset="0"/>
-              </a:rPr>
-              <a:t> month, 231, 269, 167, 128, </a:t>
-            </a:r>
-            <a:r>
-              <a:rPr lang="en-US" dirty="0" err="1">
-                <a:latin typeface="Garamond" panose="02020404030301010803" pitchFamily="18" charset="0"/>
-                <a:ea typeface="Times" panose="02020603050405020304" pitchFamily="18" charset="0"/>
-                <a:cs typeface="Times New Roman" panose="02020603050405020304" pitchFamily="18" charset="0"/>
-              </a:rPr>
-              <a:t>etc</a:t>
-            </a:r>
-            <a:r>
-              <a:rPr lang="en-US" dirty="0">
-                <a:latin typeface="Garamond" panose="02020404030301010803" pitchFamily="18" charset="0"/>
-                <a:ea typeface="Times" panose="02020603050405020304" pitchFamily="18" charset="0"/>
-                <a:cs typeface="Times New Roman" panose="02020603050405020304" pitchFamily="18" charset="0"/>
-              </a:rPr>
-              <a:t> are in the following time points.</a:t>
-            </a:r>
-            <a:endParaRPr lang="en-US" dirty="0">
-              <a:latin typeface="Times" panose="02020603050405020304" pitchFamily="18" charset="0"/>
-              <a:ea typeface="Times" panose="02020603050405020304" pitchFamily="18" charset="0"/>
-              <a:cs typeface="Times New Roman" panose="02020603050405020304" pitchFamily="18" charset="0"/>
-            </a:endParaRPr>
-          </a:p>
-          <a:p>
-            <a:pPr marL="342900" marR="0" lvl="0" indent="-342900">
-              <a:spcBef>
-                <a:spcPts val="0"/>
-              </a:spcBef>
-              <a:spcAft>
-                <a:spcPts val="0"/>
-              </a:spcAft>
-              <a:buFont typeface="+mj-lt"/>
-              <a:buAutoNum type="arabicPeriod"/>
-            </a:pPr>
-            <a:r>
-              <a:rPr lang="en-US" dirty="0">
-                <a:latin typeface="Garamond" panose="02020404030301010803" pitchFamily="18" charset="0"/>
-                <a:ea typeface="Times" panose="02020603050405020304" pitchFamily="18" charset="0"/>
-                <a:cs typeface="Times New Roman" panose="02020603050405020304" pitchFamily="18" charset="0"/>
-              </a:rPr>
-              <a:t>Other lines in the table provide details about diseases reported by these 1497 patients.</a:t>
-            </a:r>
-            <a:endParaRPr lang="en-US" dirty="0">
-              <a:latin typeface="Times" panose="02020603050405020304" pitchFamily="18" charset="0"/>
-              <a:ea typeface="Times" panose="02020603050405020304" pitchFamily="18" charset="0"/>
-              <a:cs typeface="Times New Roman" panose="02020603050405020304" pitchFamily="18" charset="0"/>
-            </a:endParaRPr>
-          </a:p>
-          <a:p>
-            <a:pPr marL="342900" marR="0" lvl="0" indent="-342900">
-              <a:spcBef>
-                <a:spcPts val="0"/>
-              </a:spcBef>
-              <a:spcAft>
-                <a:spcPts val="0"/>
-              </a:spcAft>
-              <a:buFont typeface="+mj-lt"/>
-              <a:buAutoNum type="arabicPeriod"/>
-            </a:pPr>
-            <a:r>
-              <a:rPr lang="en-US" dirty="0">
-                <a:latin typeface="Garamond" panose="02020404030301010803" pitchFamily="18" charset="0"/>
-                <a:ea typeface="Times" panose="02020603050405020304" pitchFamily="18" charset="0"/>
-                <a:cs typeface="Times New Roman" panose="02020603050405020304" pitchFamily="18" charset="0"/>
-              </a:rPr>
-              <a:t>Bottom section of the table provides information about the treatment details for these patients.</a:t>
-            </a:r>
-            <a:endParaRPr lang="en-US" dirty="0">
-              <a:latin typeface="Times" panose="02020603050405020304" pitchFamily="18" charset="0"/>
-              <a:ea typeface="Times" panose="02020603050405020304" pitchFamily="18" charset="0"/>
-              <a:cs typeface="Times New Roman" panose="02020603050405020304" pitchFamily="18" charset="0"/>
-            </a:endParaRPr>
-          </a:p>
-        </p:txBody>
-      </p:sp>
     </p:spTree>
     <p:extLst>
       <p:ext uri="{BB962C8B-B14F-4D97-AF65-F5344CB8AC3E}">
-        <p14:creationId xmlns:p14="http://schemas.microsoft.com/office/powerpoint/2010/main" val="2313778932"/>
+        <p14:creationId xmlns:p14="http://schemas.microsoft.com/office/powerpoint/2010/main" val="86045054"/>
       </p:ext>
     </p:extLst>
   </p:cSld>
   <p:clrMapOvr>
     <a:masterClrMapping/>
   </p:clrMapOvr>
+  <p:timing>
+    <p:tnLst>
+      <p:par>
+        <p:cTn id="1" dur="indefinite" restart="never" nodeType="tmRoot"/>
+      </p:par>
+    </p:tnLst>
+  </p:timing>
 </p:sld>
 </file>
 
@@ -4458,6 +4557,35 @@
       </p:grpSpPr>
       <p:sp>
         <p:nvSpPr>
+          <p:cNvPr id="2" name="Title 1"/>
+          <p:cNvSpPr>
+            <a:spLocks noGrp="1"/>
+          </p:cNvSpPr>
+          <p:nvPr>
+            <p:ph type="title"/>
+          </p:nvPr>
+        </p:nvSpPr>
+        <p:spPr>
+          <a:xfrm>
+            <a:off x="838200" y="2449957"/>
+            <a:ext cx="10515600" cy="1325563"/>
+          </a:xfrm>
+        </p:spPr>
+        <p:txBody>
+          <a:bodyPr/>
+          <a:lstStyle/>
+          <a:p>
+            <a:pPr algn="ctr"/>
+            <a:r>
+              <a:rPr lang="en-US" dirty="0" smtClean="0"/>
+              <a:t>Aspirational goal ...</a:t>
+            </a:r>
+            <a:endParaRPr lang="en-US" dirty="0"/>
+          </a:p>
+        </p:txBody>
+      </p:sp>
+      <p:sp>
+        <p:nvSpPr>
           <p:cNvPr id="4" name="Slide Number Placeholder 3"/>
           <p:cNvSpPr>
             <a:spLocks noGrp="1"/>
@@ -4479,186 +4607,10 @@
           </a:p>
         </p:txBody>
       </p:sp>
-      <p:pic>
-        <p:nvPicPr>
-          <p:cNvPr id="5" name="Content Placeholder 4"/>
-          <p:cNvPicPr>
-            <a:picLocks noGrp="1"/>
-          </p:cNvPicPr>
-          <p:nvPr>
-            <p:ph idx="1"/>
-          </p:nvPr>
-        </p:nvPicPr>
-        <p:blipFill>
-          <a:blip r:embed="rId2"/>
-          <a:srcRect/>
-          <a:stretch>
-            <a:fillRect/>
-          </a:stretch>
-        </p:blipFill>
-        <p:spPr bwMode="auto">
-          <a:xfrm>
-            <a:off x="315159" y="688278"/>
-            <a:ext cx="7739489" cy="4351338"/>
-          </a:xfrm>
-          <a:prstGeom prst="rect">
-            <a:avLst/>
-          </a:prstGeom>
-          <a:noFill/>
-          <a:ln w="9525">
-            <a:noFill/>
-            <a:miter lim="800000"/>
-            <a:headEnd/>
-            <a:tailEnd/>
-          </a:ln>
-        </p:spPr>
-      </p:pic>
-      <p:sp>
-        <p:nvSpPr>
-          <p:cNvPr id="7" name="Title 1"/>
-          <p:cNvSpPr>
-            <a:spLocks noGrp="1"/>
-          </p:cNvSpPr>
-          <p:nvPr>
-            <p:ph type="title"/>
-          </p:nvPr>
-        </p:nvSpPr>
-        <p:spPr>
-          <a:xfrm>
-            <a:off x="161544" y="118239"/>
-            <a:ext cx="10463784" cy="594993"/>
-          </a:xfrm>
-        </p:spPr>
-        <p:txBody>
-          <a:bodyPr>
-            <a:normAutofit/>
-          </a:bodyPr>
-          <a:lstStyle/>
-          <a:p>
-            <a:r>
-              <a:rPr lang="en-US" sz="2000" dirty="0" smtClean="0"/>
-              <a:t>Example 7: circular view representation of disease and medicine co-occurrences, pre and post</a:t>
-            </a:r>
-            <a:endParaRPr lang="en-US" sz="2000" dirty="0"/>
-          </a:p>
-        </p:txBody>
-      </p:sp>
-      <p:sp>
-        <p:nvSpPr>
-          <p:cNvPr id="8" name="TextBox 7"/>
-          <p:cNvSpPr txBox="1"/>
-          <p:nvPr/>
-        </p:nvSpPr>
-        <p:spPr>
-          <a:xfrm>
-            <a:off x="315159" y="5376672"/>
-            <a:ext cx="4421433" cy="923330"/>
-          </a:xfrm>
-          <a:prstGeom prst="rect">
-            <a:avLst/>
-          </a:prstGeom>
-          <a:noFill/>
-        </p:spPr>
-        <p:txBody>
-          <a:bodyPr wrap="square" rtlCol="0">
-            <a:spAutoFit/>
-          </a:bodyPr>
-          <a:lstStyle/>
-          <a:p>
-            <a:r>
-              <a:rPr lang="en-US" dirty="0" smtClean="0"/>
-              <a:t>Visualization of </a:t>
-            </a:r>
-          </a:p>
-          <a:p>
-            <a:pPr marL="342900" indent="-342900">
-              <a:buFont typeface="+mj-lt"/>
-              <a:buAutoNum type="arabicPeriod"/>
-            </a:pPr>
-            <a:r>
-              <a:rPr lang="en-US" dirty="0" smtClean="0"/>
-              <a:t>Co-occurrences of disease and medicine</a:t>
-            </a:r>
-          </a:p>
-          <a:p>
-            <a:pPr marL="342900" indent="-342900">
-              <a:buFont typeface="+mj-lt"/>
-              <a:buAutoNum type="arabicPeriod"/>
-            </a:pPr>
-            <a:r>
-              <a:rPr lang="en-US" dirty="0" smtClean="0"/>
-              <a:t>Co-occurrences of disease and disease</a:t>
-            </a:r>
-            <a:endParaRPr lang="en-US" dirty="0"/>
-          </a:p>
-        </p:txBody>
-      </p:sp>
-      <p:sp>
-        <p:nvSpPr>
-          <p:cNvPr id="9" name="TextBox 8"/>
-          <p:cNvSpPr txBox="1"/>
-          <p:nvPr/>
-        </p:nvSpPr>
-        <p:spPr>
-          <a:xfrm>
-            <a:off x="8759952" y="1307592"/>
-            <a:ext cx="3282696" cy="2031325"/>
-          </a:xfrm>
-          <a:prstGeom prst="rect">
-            <a:avLst/>
-          </a:prstGeom>
-          <a:noFill/>
-        </p:spPr>
-        <p:txBody>
-          <a:bodyPr wrap="square" rtlCol="0">
-            <a:spAutoFit/>
-          </a:bodyPr>
-          <a:lstStyle/>
-          <a:p>
-            <a:r>
-              <a:rPr lang="en-US" dirty="0" smtClean="0"/>
-              <a:t>Interpretation, </a:t>
-            </a:r>
-            <a:r>
-              <a:rPr lang="en-US" dirty="0"/>
-              <a:t>Many green lines </a:t>
-            </a:r>
-            <a:r>
-              <a:rPr lang="en-US" dirty="0" smtClean="0"/>
-              <a:t>means:</a:t>
-            </a:r>
-          </a:p>
-          <a:p>
-            <a:pPr marL="342900" indent="-342900">
-              <a:buFont typeface="+mj-lt"/>
-              <a:buAutoNum type="arabicPeriod"/>
-            </a:pPr>
-            <a:r>
-              <a:rPr lang="en-US" dirty="0"/>
-              <a:t>T</a:t>
-            </a:r>
-            <a:r>
-              <a:rPr lang="en-US" dirty="0" smtClean="0"/>
-              <a:t>here is a greater chance of diseases reported by patients</a:t>
-            </a:r>
-          </a:p>
-          <a:p>
-            <a:pPr marL="342900" indent="-342900">
-              <a:buFont typeface="+mj-lt"/>
-              <a:buAutoNum type="arabicPeriod"/>
-            </a:pPr>
-            <a:r>
-              <a:rPr lang="en-US" dirty="0" smtClean="0"/>
-              <a:t>There is a greater chance of a medicine prescribed for a disease</a:t>
-            </a:r>
-            <a:endParaRPr lang="en-US" dirty="0"/>
-          </a:p>
-        </p:txBody>
-      </p:sp>
     </p:spTree>
     <p:extLst>
       <p:ext uri="{BB962C8B-B14F-4D97-AF65-F5344CB8AC3E}">
-        <p14:creationId xmlns:p14="http://schemas.microsoft.com/office/powerpoint/2010/main" val="3182335127"/>
+        <p14:creationId xmlns:p14="http://schemas.microsoft.com/office/powerpoint/2010/main" val="3743373227"/>
       </p:ext>
     </p:extLst>
   </p:cSld>
@@ -4694,91 +4646,49 @@
       </p:grpSpPr>
       <p:sp>
         <p:nvSpPr>
-          <p:cNvPr id="4" name="Slide Number Placeholder 3"/>
-          <p:cNvSpPr>
-            <a:spLocks noGrp="1"/>
-          </p:cNvSpPr>
-          <p:nvPr>
-            <p:ph type="sldNum" sz="quarter" idx="12"/>
-          </p:nvPr>
-        </p:nvSpPr>
-        <p:spPr/>
-        <p:txBody>
-          <a:bodyPr/>
-          <a:lstStyle/>
-          <a:p>
-            <a:fld id="{4104BD6A-D98C-43D1-B699-6CD60B7B8EED}" type="slidenum">
-              <a:rPr lang="en-US" smtClean="0"/>
-              <a:t>15</a:t>
-            </a:fld>
-            <a:endParaRPr lang="en-US"/>
-          </a:p>
-        </p:txBody>
-      </p:sp>
-      <p:sp>
-        <p:nvSpPr>
-          <p:cNvPr id="5" name="TextBox 4"/>
-          <p:cNvSpPr txBox="1"/>
-          <p:nvPr/>
+          <p:cNvPr id="2" name="Title 1"/>
+          <p:cNvSpPr>
+            <a:spLocks noGrp="1"/>
+          </p:cNvSpPr>
+          <p:nvPr>
+            <p:ph type="title"/>
+          </p:nvPr>
         </p:nvSpPr>
         <p:spPr>
           <a:xfrm>
-            <a:off x="201168" y="109728"/>
-            <a:ext cx="2350008" cy="369332"/>
-          </a:xfrm>
-          <a:prstGeom prst="rect">
-            <a:avLst/>
-          </a:prstGeom>
-          <a:noFill/>
-        </p:spPr>
-        <p:txBody>
-          <a:bodyPr wrap="square" rtlCol="0">
-            <a:spAutoFit/>
+            <a:off x="185051" y="-13702"/>
+            <a:ext cx="10515600" cy="1325563"/>
+          </a:xfrm>
+        </p:spPr>
+        <p:txBody>
+          <a:bodyPr>
+            <a:normAutofit/>
           </a:bodyPr>
           <a:lstStyle/>
           <a:p>
             <a:r>
-              <a:rPr lang="en-US" dirty="0" smtClean="0"/>
-              <a:t>Many more examples</a:t>
-            </a:r>
-            <a:endParaRPr lang="en-US" dirty="0"/>
+              <a:rPr lang="en-US" sz="3600" dirty="0"/>
+              <a:t>Disease or symptom prevalence across decades of life</a:t>
+            </a:r>
           </a:p>
         </p:txBody>
       </p:sp>
       <p:pic>
         <p:nvPicPr>
-          <p:cNvPr id="6" name="Content Placeholder 4"/>
+          <p:cNvPr id="43010" name="Picture 2"/>
           <p:cNvPicPr>
-            <a:picLocks noGrp="1"/>
+            <a:picLocks noChangeAspect="1" noChangeArrowheads="1"/>
           </p:cNvPicPr>
-          <p:nvPr>
-            <p:ph idx="1"/>
-          </p:nvPr>
-        </p:nvPicPr>
-        <p:blipFill>
-          <a:blip r:embed="rId2"/>
-          <a:stretch>
-            <a:fillRect/>
-          </a:stretch>
-        </p:blipFill>
-        <p:spPr>
-          <a:xfrm>
-            <a:off x="403410" y="819774"/>
-            <a:ext cx="3792669" cy="2736226"/>
-          </a:xfrm>
-          <a:prstGeom prst="rect">
-            <a:avLst/>
-          </a:prstGeom>
-        </p:spPr>
-      </p:pic>
-      <p:pic>
-        <p:nvPicPr>
-          <p:cNvPr id="7" name="Picture 6"/>
-          <p:cNvPicPr/>
           <p:nvPr/>
         </p:nvPicPr>
         <p:blipFill>
-          <a:blip r:embed="rId3"/>
+          <a:blip r:embed="rId2">
+            <a:extLst>
+              <a:ext uri="{28A0092B-C50C-407E-A947-70E740481C1C}">
+                <a14:useLocalDpi xmlns:a14="http://schemas.microsoft.com/office/drawing/2010/main" val="0"/>
+              </a:ext>
+            </a:extLst>
+          </a:blip>
           <a:srcRect/>
           <a:stretch>
             <a:fillRect/>
@@ -4786,115 +4696,106 @@
         </p:blipFill>
         <p:spPr bwMode="auto">
           <a:xfrm>
-            <a:off x="4292600" y="109728"/>
-            <a:ext cx="5943600" cy="2400300"/>
+            <a:off x="1" y="1045025"/>
+            <a:ext cx="12192000" cy="5124451"/>
           </a:xfrm>
           <a:prstGeom prst="rect">
             <a:avLst/>
           </a:prstGeom>
           <a:noFill/>
-          <a:ln w="9525">
+          <a:ln>
             <a:noFill/>
-            <a:miter lim="800000"/>
-            <a:headEnd/>
-            <a:tailEnd/>
           </a:ln>
+          <a:extLst>
+            <a:ext uri="{909E8E84-426E-40DD-AFC4-6F175D3DCCD1}">
+              <a14:hiddenFill xmlns:a14="http://schemas.microsoft.com/office/drawing/2010/main">
+                <a:solidFill>
+                  <a:schemeClr val="accent1"/>
+                </a:solidFill>
+              </a14:hiddenFill>
+            </a:ext>
+            <a:ext uri="{91240B29-F687-4F45-9708-019B960494DF}">
+              <a14:hiddenLine xmlns:a14="http://schemas.microsoft.com/office/drawing/2010/main" w="9525">
+                <a:solidFill>
+                  <a:schemeClr val="tx1"/>
+                </a:solidFill>
+                <a:miter lim="800000"/>
+                <a:headEnd/>
+                <a:tailEnd/>
+              </a14:hiddenLine>
+            </a:ext>
+          </a:extLst>
         </p:spPr>
       </p:pic>
-      <p:pic>
-        <p:nvPicPr>
-          <p:cNvPr id="8" name="Picture 7"/>
-          <p:cNvPicPr/>
+      <p:sp>
+        <p:nvSpPr>
+          <p:cNvPr id="4" name="TextBox 3"/>
+          <p:cNvSpPr txBox="1"/>
           <p:nvPr/>
-        </p:nvPicPr>
-        <p:blipFill>
-          <a:blip r:embed="rId4"/>
-          <a:srcRect/>
-          <a:stretch>
-            <a:fillRect/>
-          </a:stretch>
-        </p:blipFill>
-        <p:spPr bwMode="auto">
-          <a:xfrm>
-            <a:off x="201168" y="3621881"/>
-            <a:ext cx="5934075" cy="2171700"/>
+        </p:nvSpPr>
+        <p:spPr>
+          <a:xfrm>
+            <a:off x="-19803" y="6186736"/>
+            <a:ext cx="12192000" cy="646331"/>
           </a:xfrm>
           <a:prstGeom prst="rect">
             <a:avLst/>
           </a:prstGeom>
           <a:noFill/>
-          <a:ln w="9525">
-            <a:noFill/>
-            <a:miter lim="800000"/>
-            <a:headEnd/>
-            <a:tailEnd/>
-          </a:ln>
-        </p:spPr>
-      </p:pic>
-      <p:pic>
-        <p:nvPicPr>
-          <p:cNvPr id="9" name="Picture 8"/>
-          <p:cNvPicPr/>
-          <p:nvPr/>
-        </p:nvPicPr>
-        <p:blipFill>
-          <a:blip r:embed="rId5"/>
-          <a:srcRect/>
-          <a:stretch>
-            <a:fillRect/>
-          </a:stretch>
-        </p:blipFill>
-        <p:spPr bwMode="auto">
-          <a:xfrm>
-            <a:off x="5506402" y="1614489"/>
-            <a:ext cx="5934075" cy="2438400"/>
-          </a:xfrm>
-          <a:prstGeom prst="rect">
-            <a:avLst/>
-          </a:prstGeom>
-          <a:noFill/>
-          <a:ln w="9525">
-            <a:noFill/>
-            <a:miter lim="800000"/>
-            <a:headEnd/>
-            <a:tailEnd/>
-          </a:ln>
-        </p:spPr>
-      </p:pic>
-      <p:pic>
-        <p:nvPicPr>
-          <p:cNvPr id="10" name="Content Placeholder 4"/>
-          <p:cNvPicPr>
-            <a:picLocks/>
-          </p:cNvPicPr>
-          <p:nvPr/>
-        </p:nvPicPr>
-        <p:blipFill>
-          <a:blip r:embed="rId6"/>
-          <a:stretch>
-            <a:fillRect/>
-          </a:stretch>
-        </p:blipFill>
-        <p:spPr>
-          <a:xfrm>
-            <a:off x="5354391" y="4205580"/>
-            <a:ext cx="6238095" cy="2333334"/>
-          </a:xfrm>
-          <a:prstGeom prst="rect">
-            <a:avLst/>
-          </a:prstGeom>
-        </p:spPr>
-      </p:pic>
+        </p:spPr>
+        <p:txBody>
+          <a:bodyPr wrap="square" rtlCol="0">
+            <a:spAutoFit/>
+          </a:bodyPr>
+          <a:lstStyle/>
+          <a:p>
+            <a:r>
+              <a:rPr lang="en-US" dirty="0"/>
+              <a:t>Salvi S. Symptoms and medical conditions in 204 912 patients visiting primary health-care practitioners in India: a 1-day point prevalence study (the POSEIDON study). Lancet 2015 (3)</a:t>
+            </a:r>
+          </a:p>
+        </p:txBody>
+      </p:sp>
+      <p:sp>
+        <p:nvSpPr>
+          <p:cNvPr id="3" name="Slide Number Placeholder 2"/>
+          <p:cNvSpPr>
+            <a:spLocks noGrp="1"/>
+          </p:cNvSpPr>
+          <p:nvPr>
+            <p:ph type="sldNum" sz="quarter" idx="12"/>
+          </p:nvPr>
+        </p:nvSpPr>
+        <p:spPr/>
+        <p:txBody>
+          <a:bodyPr/>
+          <a:lstStyle/>
+          <a:p>
+            <a:fld id="{4104BD6A-D98C-43D1-B699-6CD60B7B8EED}" type="slidenum">
+              <a:rPr lang="en-US" smtClean="0"/>
+              <a:t>15</a:t>
+            </a:fld>
+            <a:endParaRPr lang="en-US"/>
+          </a:p>
+        </p:txBody>
+      </p:sp>
     </p:spTree>
     <p:extLst>
       <p:ext uri="{BB962C8B-B14F-4D97-AF65-F5344CB8AC3E}">
-        <p14:creationId xmlns:p14="http://schemas.microsoft.com/office/powerpoint/2010/main" val="2474704146"/>
+        <p14:creationId xmlns:p14="http://schemas.microsoft.com/office/powerpoint/2010/main" val="3242138827"/>
       </p:ext>
     </p:extLst>
   </p:cSld>
   <p:clrMapOvr>
     <a:masterClrMapping/>
   </p:clrMapOvr>
+  <p:timing>
+    <p:tnLst>
+      <p:par>
+        <p:cTn id="1" dur="indefinite" restart="never" nodeType="tmRoot"/>
+      </p:par>
+    </p:tnLst>
+  </p:timing>
 </p:sld>
 </file>
 
@@ -4927,8 +4828,8 @@
         </p:nvSpPr>
         <p:spPr>
           <a:xfrm>
-            <a:off x="158931" y="169182"/>
-            <a:ext cx="10515600" cy="941161"/>
+            <a:off x="838200" y="136525"/>
+            <a:ext cx="10515600" cy="1325563"/>
           </a:xfrm>
         </p:spPr>
         <p:txBody>
@@ -4936,10 +4837,10 @@
           <a:lstStyle/>
           <a:p>
             <a:r>
-              <a:rPr lang="en-IN" dirty="0" smtClean="0"/>
-              <a:t>How does it help?</a:t>
-            </a:r>
-            <a:endParaRPr lang="en-IN" dirty="0"/>
+              <a:rPr lang="en-US" dirty="0" smtClean="0"/>
+              <a:t>Aspirational goal</a:t>
+            </a:r>
+            <a:endParaRPr lang="en-US" dirty="0"/>
           </a:p>
         </p:txBody>
       </p:sp>
@@ -4955,8 +4856,8 @@
         </p:nvSpPr>
         <p:spPr>
           <a:xfrm>
-            <a:off x="367937" y="1002664"/>
-            <a:ext cx="10515600" cy="4351338"/>
+            <a:off x="838200" y="1441577"/>
+            <a:ext cx="10515600" cy="4351339"/>
           </a:xfrm>
         </p:spPr>
         <p:txBody>
@@ -4964,66 +4865,94 @@
           <a:lstStyle/>
           <a:p>
             <a:r>
-              <a:rPr lang="en-IN" dirty="0" smtClean="0"/>
-              <a:t>Credible </a:t>
-            </a:r>
-            <a:r>
-              <a:rPr lang="en-IN" dirty="0" smtClean="0"/>
-              <a:t>and robust basis </a:t>
-            </a:r>
-            <a:r>
-              <a:rPr lang="en-IN" dirty="0" smtClean="0"/>
-              <a:t>for medical decisions</a:t>
-            </a:r>
-          </a:p>
-          <a:p>
-            <a:r>
-              <a:rPr lang="en-IN" dirty="0" smtClean="0"/>
-              <a:t>Cause, diagnosis, prognosis, relationship</a:t>
-            </a:r>
-          </a:p>
-          <a:p>
-            <a:r>
-              <a:rPr lang="en-IN" dirty="0" smtClean="0"/>
-              <a:t>Trends</a:t>
-            </a:r>
-          </a:p>
-          <a:p>
-            <a:r>
-              <a:rPr lang="en-IN" dirty="0" smtClean="0"/>
-              <a:t>New </a:t>
+              <a:rPr lang="en-US" dirty="0" err="1" smtClean="0"/>
+              <a:t>Ayurvedic</a:t>
+            </a:r>
+            <a:r>
+              <a:rPr lang="en-US" dirty="0" smtClean="0"/>
+              <a:t> </a:t>
+            </a:r>
+            <a:r>
+              <a:rPr lang="en-US" dirty="0" err="1" smtClean="0"/>
+              <a:t>vaidyas</a:t>
+            </a:r>
+            <a:r>
+              <a:rPr lang="en-US" dirty="0" smtClean="0"/>
+              <a:t> all over India</a:t>
+            </a:r>
+          </a:p>
+          <a:p>
+            <a:r>
+              <a:rPr lang="en-US" dirty="0" smtClean="0"/>
+              <a:t>Collect data in “1 day prevalence study”</a:t>
             </a:r>
           </a:p>
           <a:p>
             <a:pPr lvl="1"/>
             <a:r>
-              <a:rPr lang="en-IN" dirty="0" smtClean="0"/>
-              <a:t>Hypotheses, </a:t>
-            </a:r>
+              <a:rPr lang="en-US" dirty="0" err="1" smtClean="0"/>
+              <a:t>Prakriti</a:t>
+            </a:r>
+            <a:endParaRPr lang="en-US" dirty="0" smtClean="0"/>
           </a:p>
           <a:p>
             <a:pPr lvl="1"/>
             <a:r>
-              <a:rPr lang="en-IN" dirty="0" smtClean="0"/>
-              <a:t>Questions / answers </a:t>
+              <a:rPr lang="en-US" dirty="0" smtClean="0"/>
+              <a:t>Disease</a:t>
             </a:r>
           </a:p>
           <a:p>
             <a:pPr lvl="1"/>
             <a:r>
-              <a:rPr lang="en-IN" dirty="0" smtClean="0"/>
-              <a:t>Treatments, diseases</a:t>
-            </a:r>
-          </a:p>
-          <a:p>
-            <a:r>
-              <a:rPr lang="en-IN" dirty="0" smtClean="0"/>
-              <a:t>Validation of anecdotes, assumptions, beliefs </a:t>
+              <a:rPr lang="en-US" dirty="0" smtClean="0"/>
+              <a:t>Medicines</a:t>
+            </a:r>
+          </a:p>
+          <a:p>
+            <a:r>
+              <a:rPr lang="en-US" dirty="0" smtClean="0"/>
+              <a:t> Outcomes of the study</a:t>
             </a:r>
           </a:p>
           <a:p>
             <a:pPr lvl="1"/>
-            <a:endParaRPr lang="en-IN" dirty="0"/>
+            <a:r>
+              <a:rPr lang="en-US" dirty="0" smtClean="0"/>
+              <a:t>Importance of HMIS in day to day practice</a:t>
+            </a:r>
+          </a:p>
+          <a:p>
+            <a:pPr lvl="1"/>
+            <a:r>
+              <a:rPr lang="en-US" dirty="0" smtClean="0"/>
+              <a:t>Operational insights</a:t>
+            </a:r>
+          </a:p>
+          <a:p>
+            <a:pPr lvl="1"/>
+            <a:r>
+              <a:rPr lang="en-US" dirty="0" smtClean="0"/>
+              <a:t>Medical insights</a:t>
+            </a:r>
+          </a:p>
+          <a:p>
+            <a:pPr lvl="1"/>
+            <a:r>
+              <a:rPr lang="en-US" dirty="0" smtClean="0"/>
+              <a:t>Credible and robust estimates at India level for </a:t>
+            </a:r>
+            <a:r>
+              <a:rPr lang="en-US" dirty="0" err="1" smtClean="0"/>
+              <a:t>ayurvedic</a:t>
+            </a:r>
+            <a:r>
+              <a:rPr lang="en-US" dirty="0" smtClean="0"/>
+              <a:t> parameters</a:t>
+            </a:r>
+          </a:p>
+          <a:p>
+            <a:endParaRPr lang="en-US" dirty="0"/>
           </a:p>
         </p:txBody>
       </p:sp>
@@ -5042,9 +4971,8 @@
           <a:bodyPr/>
           <a:lstStyle/>
           <a:p>
-            <a:fld id="{991F777D-3D7E-4098-87B9-F0BD66693DB0}" type="slidenum">
-              <a:rPr lang="en-US" smtClean="0"/>
-              <a:pPr/>
+            <a:fld id="{4104BD6A-D98C-43D1-B699-6CD60B7B8EED}" type="slidenum">
+              <a:rPr lang="en-US" smtClean="0"/>
               <a:t>16</a:t>
             </a:fld>
             <a:endParaRPr lang="en-US"/>
@@ -5054,7 +4982,7 @@
     </p:spTree>
     <p:extLst>
       <p:ext uri="{BB962C8B-B14F-4D97-AF65-F5344CB8AC3E}">
-        <p14:creationId xmlns:p14="http://schemas.microsoft.com/office/powerpoint/2010/main" val="86045054"/>
+        <p14:creationId xmlns:p14="http://schemas.microsoft.com/office/powerpoint/2010/main" val="2176742786"/>
       </p:ext>
     </p:extLst>
   </p:cSld>
@@ -5098,20 +5026,14 @@
             <p:ph type="title"/>
           </p:nvPr>
         </p:nvSpPr>
-        <p:spPr>
-          <a:xfrm>
-            <a:off x="838200" y="2449957"/>
-            <a:ext cx="10515600" cy="1325563"/>
-          </a:xfrm>
-        </p:spPr>
+        <p:spPr/>
         <p:txBody>
           <a:bodyPr/>
           <a:lstStyle/>
           <a:p>
-            <a:pPr algn="ctr"/>
             <a:r>
               <a:rPr lang="en-US" dirty="0" smtClean="0"/>
-              <a:t>Aspirational goal ...</a:t>
+              <a:t>Thank you</a:t>
             </a:r>
             <a:endParaRPr lang="en-US" dirty="0"/>
           </a:p>
@@ -5143,20 +5065,13 @@
     </p:spTree>
     <p:extLst>
       <p:ext uri="{BB962C8B-B14F-4D97-AF65-F5344CB8AC3E}">
-        <p14:creationId xmlns:p14="http://schemas.microsoft.com/office/powerpoint/2010/main" val="3743373227"/>
+        <p14:creationId xmlns:p14="http://schemas.microsoft.com/office/powerpoint/2010/main" val="2431372774"/>
       </p:ext>
     </p:extLst>
   </p:cSld>
   <p:clrMapOvr>
     <a:masterClrMapping/>
   </p:clrMapOvr>
-  <p:timing>
-    <p:tnLst>
-      <p:par>
-        <p:cTn id="1" dur="indefinite" restart="never" nodeType="tmRoot"/>
-      </p:par>
-    </p:tnLst>
-  </p:timing>
 </p:sld>
 </file>
 
@@ -5187,111 +5102,41 @@
             <p:ph type="title"/>
           </p:nvPr>
         </p:nvSpPr>
-        <p:spPr>
-          <a:xfrm>
-            <a:off x="185051" y="-13702"/>
-            <a:ext cx="10515600" cy="1325563"/>
-          </a:xfrm>
-        </p:spPr>
-        <p:txBody>
-          <a:bodyPr>
-            <a:normAutofit/>
-          </a:bodyPr>
-          <a:lstStyle/>
-          <a:p>
-            <a:r>
-              <a:rPr lang="en-US" sz="3600" dirty="0"/>
-              <a:t>Disease or symptom prevalence across decades of life</a:t>
-            </a:r>
-          </a:p>
-        </p:txBody>
-      </p:sp>
-      <p:pic>
-        <p:nvPicPr>
-          <p:cNvPr id="43010" name="Picture 2"/>
-          <p:cNvPicPr>
-            <a:picLocks noChangeAspect="1" noChangeArrowheads="1"/>
-          </p:cNvPicPr>
-          <p:nvPr/>
-        </p:nvPicPr>
-        <p:blipFill>
-          <a:blip r:embed="rId2">
-            <a:extLst>
-              <a:ext uri="{28A0092B-C50C-407E-A947-70E740481C1C}">
-                <a14:useLocalDpi xmlns:a14="http://schemas.microsoft.com/office/drawing/2010/main" val="0"/>
-              </a:ext>
-            </a:extLst>
-          </a:blip>
-          <a:srcRect/>
-          <a:stretch>
-            <a:fillRect/>
-          </a:stretch>
-        </p:blipFill>
-        <p:spPr bwMode="auto">
-          <a:xfrm>
-            <a:off x="1" y="1045025"/>
-            <a:ext cx="12192000" cy="5124451"/>
-          </a:xfrm>
-          <a:prstGeom prst="rect">
-            <a:avLst/>
-          </a:prstGeom>
-          <a:noFill/>
-          <a:ln>
-            <a:noFill/>
-          </a:ln>
-          <a:extLst>
-            <a:ext uri="{909E8E84-426E-40DD-AFC4-6F175D3DCCD1}">
-              <a14:hiddenFill xmlns:a14="http://schemas.microsoft.com/office/drawing/2010/main">
-                <a:solidFill>
-                  <a:schemeClr val="accent1"/>
-                </a:solidFill>
-              </a14:hiddenFill>
-            </a:ext>
-            <a:ext uri="{91240B29-F687-4F45-9708-019B960494DF}">
-              <a14:hiddenLine xmlns:a14="http://schemas.microsoft.com/office/drawing/2010/main" w="9525">
-                <a:solidFill>
-                  <a:schemeClr val="tx1"/>
-                </a:solidFill>
-                <a:miter lim="800000"/>
-                <a:headEnd/>
-                <a:tailEnd/>
-              </a14:hiddenLine>
-            </a:ext>
-          </a:extLst>
-        </p:spPr>
-      </p:pic>
-      <p:sp>
-        <p:nvSpPr>
-          <p:cNvPr id="4" name="TextBox 3"/>
-          <p:cNvSpPr txBox="1"/>
-          <p:nvPr/>
-        </p:nvSpPr>
-        <p:spPr>
-          <a:xfrm>
-            <a:off x="-19803" y="6186736"/>
-            <a:ext cx="12192000" cy="646331"/>
-          </a:xfrm>
-          <a:prstGeom prst="rect">
-            <a:avLst/>
-          </a:prstGeom>
-          <a:noFill/>
-        </p:spPr>
-        <p:txBody>
-          <a:bodyPr wrap="square" rtlCol="0">
-            <a:spAutoFit/>
-          </a:bodyPr>
-          <a:lstStyle/>
-          <a:p>
-            <a:r>
-              <a:rPr lang="en-US" dirty="0"/>
-              <a:t>Salvi S. Symptoms and medical conditions in 204 912 patients visiting primary health-care practitioners in India: a 1-day point prevalence study (the POSEIDON study). Lancet 2015 (3)</a:t>
-            </a:r>
-          </a:p>
-        </p:txBody>
-      </p:sp>
-      <p:sp>
-        <p:nvSpPr>
-          <p:cNvPr id="3" name="Slide Number Placeholder 2"/>
+        <p:spPr/>
+        <p:txBody>
+          <a:bodyPr/>
+          <a:lstStyle/>
+          <a:p>
+            <a:r>
+              <a:rPr lang="en-US" dirty="0" smtClean="0"/>
+              <a:t>Back-up</a:t>
+            </a:r>
+            <a:endParaRPr lang="en-US" dirty="0"/>
+          </a:p>
+        </p:txBody>
+      </p:sp>
+      <p:sp>
+        <p:nvSpPr>
+          <p:cNvPr id="3" name="Content Placeholder 2"/>
+          <p:cNvSpPr>
+            <a:spLocks noGrp="1"/>
+          </p:cNvSpPr>
+          <p:nvPr>
+            <p:ph idx="1"/>
+          </p:nvPr>
+        </p:nvSpPr>
+        <p:spPr/>
+        <p:txBody>
+          <a:bodyPr/>
+          <a:lstStyle/>
+          <a:p>
+            <a:endParaRPr lang="en-US"/>
+          </a:p>
+        </p:txBody>
+      </p:sp>
+      <p:sp>
+        <p:nvSpPr>
+          <p:cNvPr id="4" name="Slide Number Placeholder 3"/>
           <p:cNvSpPr>
             <a:spLocks noGrp="1"/>
           </p:cNvSpPr>
@@ -5315,20 +5160,13 @@
     </p:spTree>
     <p:extLst>
       <p:ext uri="{BB962C8B-B14F-4D97-AF65-F5344CB8AC3E}">
-        <p14:creationId xmlns:p14="http://schemas.microsoft.com/office/powerpoint/2010/main" val="3242138827"/>
+        <p14:creationId xmlns:p14="http://schemas.microsoft.com/office/powerpoint/2010/main" val="4185853894"/>
       </p:ext>
     </p:extLst>
   </p:cSld>
   <p:clrMapOvr>
     <a:masterClrMapping/>
   </p:clrMapOvr>
-  <p:timing>
-    <p:tnLst>
-      <p:par>
-        <p:cTn id="1" dur="indefinite" restart="never" nodeType="tmRoot"/>
-      </p:par>
-    </p:tnLst>
-  </p:timing>
 </p:sld>
 </file>
 
@@ -5361,8 +5199,8 @@
         </p:nvSpPr>
         <p:spPr>
           <a:xfrm>
-            <a:off x="838200" y="136525"/>
-            <a:ext cx="10515600" cy="1325563"/>
+            <a:off x="127000" y="80645"/>
+            <a:ext cx="2910840" cy="711835"/>
           </a:xfrm>
         </p:spPr>
         <p:txBody>
@@ -5371,127 +5209,166 @@
           <a:p>
             <a:r>
               <a:rPr lang="en-US" dirty="0" smtClean="0"/>
-              <a:t>Aspirational goal</a:t>
+              <a:t>Case report</a:t>
             </a:r>
             <a:endParaRPr lang="en-US" dirty="0"/>
           </a:p>
         </p:txBody>
       </p:sp>
-      <p:sp>
-        <p:nvSpPr>
-          <p:cNvPr id="3" name="Content Placeholder 2"/>
-          <p:cNvSpPr>
-            <a:spLocks noGrp="1"/>
-          </p:cNvSpPr>
-          <p:nvPr>
-            <p:ph idx="1"/>
-          </p:nvPr>
-        </p:nvSpPr>
+      <p:pic>
+        <p:nvPicPr>
+          <p:cNvPr id="4" name="Picture 3"/>
+          <p:cNvPicPr>
+            <a:picLocks noChangeAspect="1"/>
+          </p:cNvPicPr>
+          <p:nvPr/>
+        </p:nvPicPr>
+        <p:blipFill>
+          <a:blip r:embed="rId2"/>
+          <a:stretch>
+            <a:fillRect/>
+          </a:stretch>
+        </p:blipFill>
         <p:spPr>
           <a:xfrm>
-            <a:off x="838200" y="1441577"/>
-            <a:ext cx="10515600" cy="4351339"/>
-          </a:xfrm>
-        </p:spPr>
-        <p:txBody>
-          <a:bodyPr/>
-          <a:lstStyle/>
-          <a:p>
-            <a:r>
-              <a:rPr lang="en-US" dirty="0" err="1" smtClean="0"/>
-              <a:t>Ayurvedic</a:t>
+            <a:off x="127000" y="792481"/>
+            <a:ext cx="4343400" cy="3695700"/>
+          </a:xfrm>
+          <a:prstGeom prst="rect">
+            <a:avLst/>
+          </a:prstGeom>
+        </p:spPr>
+      </p:pic>
+      <p:pic>
+        <p:nvPicPr>
+          <p:cNvPr id="5" name="Picture 4"/>
+          <p:cNvPicPr>
+            <a:picLocks noChangeAspect="1"/>
+          </p:cNvPicPr>
+          <p:nvPr/>
+        </p:nvPicPr>
+        <p:blipFill>
+          <a:blip r:embed="rId3"/>
+          <a:stretch>
+            <a:fillRect/>
+          </a:stretch>
+        </p:blipFill>
+        <p:spPr>
+          <a:xfrm>
+            <a:off x="2635280" y="3435360"/>
+            <a:ext cx="3528000" cy="1430000"/>
+          </a:xfrm>
+          <a:prstGeom prst="rect">
+            <a:avLst/>
+          </a:prstGeom>
+        </p:spPr>
+      </p:pic>
+      <p:pic>
+        <p:nvPicPr>
+          <p:cNvPr id="6" name="Picture 5"/>
+          <p:cNvPicPr>
+            <a:picLocks noChangeAspect="1"/>
+          </p:cNvPicPr>
+          <p:nvPr/>
+        </p:nvPicPr>
+        <p:blipFill>
+          <a:blip r:embed="rId4"/>
+          <a:stretch>
+            <a:fillRect/>
+          </a:stretch>
+        </p:blipFill>
+        <p:spPr>
+          <a:xfrm>
+            <a:off x="242855" y="4954780"/>
+            <a:ext cx="4784851" cy="1683000"/>
+          </a:xfrm>
+          <a:prstGeom prst="rect">
+            <a:avLst/>
+          </a:prstGeom>
+        </p:spPr>
+      </p:pic>
+      <p:sp>
+        <p:nvSpPr>
+          <p:cNvPr id="8" name="Right Arrow 7"/>
+          <p:cNvSpPr/>
+          <p:nvPr/>
+        </p:nvSpPr>
+        <p:spPr>
+          <a:xfrm>
+            <a:off x="4622801" y="3017520"/>
+            <a:ext cx="726441" cy="417840"/>
+          </a:xfrm>
+          <a:prstGeom prst="rightArrow">
+            <a:avLst/>
+          </a:prstGeom>
+        </p:spPr>
+        <p:style>
+          <a:lnRef idx="2">
+            <a:schemeClr val="accent1">
+              <a:shade val="50000"/>
+            </a:schemeClr>
+          </a:lnRef>
+          <a:fillRef idx="1">
+            <a:schemeClr val="accent1"/>
+          </a:fillRef>
+          <a:effectRef idx="0">
+            <a:schemeClr val="accent1"/>
+          </a:effectRef>
+          <a:fontRef idx="minor">
+            <a:schemeClr val="lt1"/>
+          </a:fontRef>
+        </p:style>
+        <p:txBody>
+          <a:bodyPr rot="0" spcFirstLastPara="0" vertOverflow="overflow" horzOverflow="overflow" vert="horz" wrap="square" lIns="91440" tIns="45720" rIns="91440" bIns="45720" numCol="1" spcCol="0" rtlCol="0" fromWordArt="0" anchor="ctr" anchorCtr="0" forceAA="0" compatLnSpc="1">
+            <a:prstTxWarp prst="textNoShape">
+              <a:avLst/>
+            </a:prstTxWarp>
+            <a:noAutofit/>
+          </a:bodyPr>
+          <a:lstStyle/>
+          <a:p>
+            <a:pPr algn="ctr"/>
+            <a:endParaRPr lang="en-US"/>
+          </a:p>
+        </p:txBody>
+      </p:sp>
+      <p:sp>
+        <p:nvSpPr>
+          <p:cNvPr id="11" name="TextBox 10"/>
+          <p:cNvSpPr txBox="1"/>
+          <p:nvPr/>
+        </p:nvSpPr>
+        <p:spPr>
+          <a:xfrm rot="19942964">
+            <a:off x="3368041" y="8532"/>
+            <a:ext cx="1879600" cy="369332"/>
+          </a:xfrm>
+          <a:prstGeom prst="rect">
+            <a:avLst/>
+          </a:prstGeom>
+          <a:noFill/>
+        </p:spPr>
+        <p:txBody>
+          <a:bodyPr wrap="square" rtlCol="0">
+            <a:spAutoFit/>
+          </a:bodyPr>
+          <a:lstStyle/>
+          <a:p>
+            <a:r>
+              <a:rPr lang="en-US" dirty="0"/>
+              <a:t>Example </a:t>
             </a:r>
             <a:r>
               <a:rPr lang="en-US" dirty="0" smtClean="0"/>
-              <a:t> </a:t>
-            </a:r>
-            <a:r>
-              <a:rPr lang="en-US" dirty="0" err="1" smtClean="0"/>
-              <a:t>vaidyas</a:t>
-            </a:r>
-            <a:r>
-              <a:rPr lang="en-US" dirty="0" smtClean="0"/>
-              <a:t> all over India</a:t>
-            </a:r>
-          </a:p>
-          <a:p>
-            <a:r>
-              <a:rPr lang="en-US" dirty="0" smtClean="0"/>
-              <a:t>Collect data in “1 day prevalence study”</a:t>
-            </a:r>
-          </a:p>
-          <a:p>
-            <a:pPr lvl="1"/>
-            <a:r>
-              <a:rPr lang="en-US" dirty="0" err="1" smtClean="0"/>
-              <a:t>Prakriti</a:t>
-            </a:r>
-            <a:endParaRPr lang="en-US" dirty="0" smtClean="0"/>
-          </a:p>
-          <a:p>
-            <a:pPr lvl="1"/>
-            <a:r>
-              <a:rPr lang="en-US" dirty="0" smtClean="0"/>
-              <a:t>Disease</a:t>
-            </a:r>
-          </a:p>
-          <a:p>
-            <a:pPr lvl="1"/>
-            <a:r>
-              <a:rPr lang="en-US" dirty="0" smtClean="0"/>
-              <a:t>Medicines</a:t>
-            </a:r>
-          </a:p>
-          <a:p>
-            <a:r>
-              <a:rPr lang="en-US" dirty="0" smtClean="0"/>
-              <a:t> Outcomes of the study</a:t>
-            </a:r>
-          </a:p>
-          <a:p>
-            <a:pPr lvl="1"/>
-            <a:r>
-              <a:rPr lang="en-US" dirty="0" smtClean="0"/>
-              <a:t>Importance of HMIS in day to day practice</a:t>
-            </a:r>
-          </a:p>
-          <a:p>
-            <a:pPr lvl="1"/>
-            <a:r>
-              <a:rPr lang="en-US" dirty="0" smtClean="0"/>
-              <a:t>Operational insights</a:t>
-            </a:r>
-          </a:p>
-          <a:p>
-            <a:pPr lvl="1"/>
-            <a:r>
-              <a:rPr lang="en-US" dirty="0" smtClean="0"/>
-              <a:t>Medical insights</a:t>
-            </a:r>
-          </a:p>
-          <a:p>
-            <a:pPr lvl="1"/>
-            <a:r>
-              <a:rPr lang="en-US" dirty="0" smtClean="0"/>
-              <a:t>Credible and robust estimates at India level for </a:t>
-            </a:r>
-            <a:r>
-              <a:rPr lang="en-US" dirty="0" err="1" smtClean="0"/>
-              <a:t>ayurvedic</a:t>
-            </a:r>
-            <a:r>
-              <a:rPr lang="en-US" dirty="0" smtClean="0"/>
-              <a:t> parameters</a:t>
-            </a:r>
-          </a:p>
-          <a:p>
+              <a:t>2</a:t>
+            </a:r>
             <a:endParaRPr lang="en-US" dirty="0"/>
           </a:p>
         </p:txBody>
       </p:sp>
       <p:sp>
         <p:nvSpPr>
-          <p:cNvPr id="4" name="Slide Number Placeholder 3"/>
+          <p:cNvPr id="12" name="Slide Number Placeholder 11"/>
           <p:cNvSpPr>
             <a:spLocks noGrp="1"/>
           </p:cNvSpPr>
@@ -5512,10 +5389,62 @@
           </a:p>
         </p:txBody>
       </p:sp>
+      <p:pic>
+        <p:nvPicPr>
+          <p:cNvPr id="13" name="Content Placeholder 4"/>
+          <p:cNvPicPr>
+            <a:picLocks noGrp="1"/>
+          </p:cNvPicPr>
+          <p:nvPr/>
+        </p:nvPicPr>
+        <p:blipFill>
+          <a:blip r:embed="rId5"/>
+          <a:stretch>
+            <a:fillRect/>
+          </a:stretch>
+        </p:blipFill>
+        <p:spPr>
+          <a:xfrm>
+            <a:off x="5785105" y="1289778"/>
+            <a:ext cx="6242857" cy="2428572"/>
+          </a:xfrm>
+          <a:prstGeom prst="rect">
+            <a:avLst/>
+          </a:prstGeom>
+        </p:spPr>
+      </p:pic>
+      <p:sp>
+        <p:nvSpPr>
+          <p:cNvPr id="14" name="Rectangle 13"/>
+          <p:cNvSpPr/>
+          <p:nvPr/>
+        </p:nvSpPr>
+        <p:spPr>
+          <a:xfrm>
+            <a:off x="5858533" y="4714185"/>
+            <a:ext cx="6096000" cy="646331"/>
+          </a:xfrm>
+          <a:prstGeom prst="rect">
+            <a:avLst/>
+          </a:prstGeom>
+        </p:spPr>
+        <p:txBody>
+          <a:bodyPr>
+            <a:spAutoFit/>
+          </a:bodyPr>
+          <a:lstStyle/>
+          <a:p>
+            <a:r>
+              <a:rPr lang="en-US" dirty="0"/>
+              <a:t>Patient profile view of individual patient by disease and medicine</a:t>
+            </a:r>
+          </a:p>
+        </p:txBody>
+      </p:sp>
     </p:spTree>
     <p:extLst>
       <p:ext uri="{BB962C8B-B14F-4D97-AF65-F5344CB8AC3E}">
-        <p14:creationId xmlns:p14="http://schemas.microsoft.com/office/powerpoint/2010/main" val="2176742786"/>
+        <p14:creationId xmlns:p14="http://schemas.microsoft.com/office/powerpoint/2010/main" val="1731746636"/>
       </p:ext>
     </p:extLst>
   </p:cSld>
@@ -5810,29 +5739,6 @@
       </p:grpSpPr>
       <p:sp>
         <p:nvSpPr>
-          <p:cNvPr id="2" name="Title 1"/>
-          <p:cNvSpPr>
-            <a:spLocks noGrp="1"/>
-          </p:cNvSpPr>
-          <p:nvPr>
-            <p:ph type="title"/>
-          </p:nvPr>
-        </p:nvSpPr>
-        <p:spPr/>
-        <p:txBody>
-          <a:bodyPr/>
-          <a:lstStyle/>
-          <a:p>
-            <a:r>
-              <a:rPr lang="en-US" dirty="0" smtClean="0"/>
-              <a:t>Thank you</a:t>
-            </a:r>
-            <a:endParaRPr lang="en-US" dirty="0"/>
-          </a:p>
-        </p:txBody>
-      </p:sp>
-      <p:sp>
-        <p:nvSpPr>
           <p:cNvPr id="4" name="Slide Number Placeholder 3"/>
           <p:cNvSpPr>
             <a:spLocks noGrp="1"/>
@@ -5854,10 +5760,180 @@
           </a:p>
         </p:txBody>
       </p:sp>
+      <p:sp>
+        <p:nvSpPr>
+          <p:cNvPr id="5" name="TextBox 4"/>
+          <p:cNvSpPr txBox="1"/>
+          <p:nvPr/>
+        </p:nvSpPr>
+        <p:spPr>
+          <a:xfrm>
+            <a:off x="201168" y="109728"/>
+            <a:ext cx="2350008" cy="369332"/>
+          </a:xfrm>
+          <a:prstGeom prst="rect">
+            <a:avLst/>
+          </a:prstGeom>
+          <a:noFill/>
+        </p:spPr>
+        <p:txBody>
+          <a:bodyPr wrap="square" rtlCol="0">
+            <a:spAutoFit/>
+          </a:bodyPr>
+          <a:lstStyle/>
+          <a:p>
+            <a:r>
+              <a:rPr lang="en-US" dirty="0" smtClean="0"/>
+              <a:t>Many more examples</a:t>
+            </a:r>
+            <a:endParaRPr lang="en-US" dirty="0"/>
+          </a:p>
+        </p:txBody>
+      </p:sp>
+      <p:pic>
+        <p:nvPicPr>
+          <p:cNvPr id="6" name="Content Placeholder 4"/>
+          <p:cNvPicPr>
+            <a:picLocks noGrp="1"/>
+          </p:cNvPicPr>
+          <p:nvPr>
+            <p:ph idx="1"/>
+          </p:nvPr>
+        </p:nvPicPr>
+        <p:blipFill>
+          <a:blip r:embed="rId2"/>
+          <a:stretch>
+            <a:fillRect/>
+          </a:stretch>
+        </p:blipFill>
+        <p:spPr>
+          <a:xfrm>
+            <a:off x="403410" y="819774"/>
+            <a:ext cx="3792669" cy="2736226"/>
+          </a:xfrm>
+          <a:prstGeom prst="rect">
+            <a:avLst/>
+          </a:prstGeom>
+        </p:spPr>
+      </p:pic>
+      <p:pic>
+        <p:nvPicPr>
+          <p:cNvPr id="7" name="Picture 6"/>
+          <p:cNvPicPr/>
+          <p:nvPr/>
+        </p:nvPicPr>
+        <p:blipFill>
+          <a:blip r:embed="rId3"/>
+          <a:srcRect/>
+          <a:stretch>
+            <a:fillRect/>
+          </a:stretch>
+        </p:blipFill>
+        <p:spPr bwMode="auto">
+          <a:xfrm>
+            <a:off x="4292600" y="109728"/>
+            <a:ext cx="5943600" cy="2400300"/>
+          </a:xfrm>
+          <a:prstGeom prst="rect">
+            <a:avLst/>
+          </a:prstGeom>
+          <a:noFill/>
+          <a:ln w="9525">
+            <a:noFill/>
+            <a:miter lim="800000"/>
+            <a:headEnd/>
+            <a:tailEnd/>
+          </a:ln>
+        </p:spPr>
+      </p:pic>
+      <p:pic>
+        <p:nvPicPr>
+          <p:cNvPr id="8" name="Picture 7"/>
+          <p:cNvPicPr/>
+          <p:nvPr/>
+        </p:nvPicPr>
+        <p:blipFill>
+          <a:blip r:embed="rId4"/>
+          <a:srcRect/>
+          <a:stretch>
+            <a:fillRect/>
+          </a:stretch>
+        </p:blipFill>
+        <p:spPr bwMode="auto">
+          <a:xfrm>
+            <a:off x="201168" y="3621881"/>
+            <a:ext cx="5934075" cy="2171700"/>
+          </a:xfrm>
+          <a:prstGeom prst="rect">
+            <a:avLst/>
+          </a:prstGeom>
+          <a:noFill/>
+          <a:ln w="9525">
+            <a:noFill/>
+            <a:miter lim="800000"/>
+            <a:headEnd/>
+            <a:tailEnd/>
+          </a:ln>
+        </p:spPr>
+      </p:pic>
+      <p:pic>
+        <p:nvPicPr>
+          <p:cNvPr id="9" name="Picture 8"/>
+          <p:cNvPicPr/>
+          <p:nvPr/>
+        </p:nvPicPr>
+        <p:blipFill>
+          <a:blip r:embed="rId5"/>
+          <a:srcRect/>
+          <a:stretch>
+            <a:fillRect/>
+          </a:stretch>
+        </p:blipFill>
+        <p:spPr bwMode="auto">
+          <a:xfrm>
+            <a:off x="5506402" y="1614489"/>
+            <a:ext cx="5934075" cy="2438400"/>
+          </a:xfrm>
+          <a:prstGeom prst="rect">
+            <a:avLst/>
+          </a:prstGeom>
+          <a:noFill/>
+          <a:ln w="9525">
+            <a:noFill/>
+            <a:miter lim="800000"/>
+            <a:headEnd/>
+            <a:tailEnd/>
+          </a:ln>
+        </p:spPr>
+      </p:pic>
+      <p:pic>
+        <p:nvPicPr>
+          <p:cNvPr id="10" name="Content Placeholder 4"/>
+          <p:cNvPicPr>
+            <a:picLocks/>
+          </p:cNvPicPr>
+          <p:nvPr/>
+        </p:nvPicPr>
+        <p:blipFill>
+          <a:blip r:embed="rId6"/>
+          <a:stretch>
+            <a:fillRect/>
+          </a:stretch>
+        </p:blipFill>
+        <p:spPr>
+          <a:xfrm>
+            <a:off x="5354391" y="4205580"/>
+            <a:ext cx="6238095" cy="2333334"/>
+          </a:xfrm>
+          <a:prstGeom prst="rect">
+            <a:avLst/>
+          </a:prstGeom>
+        </p:spPr>
+      </p:pic>
     </p:spTree>
     <p:extLst>
       <p:ext uri="{BB962C8B-B14F-4D97-AF65-F5344CB8AC3E}">
-        <p14:creationId xmlns:p14="http://schemas.microsoft.com/office/powerpoint/2010/main" val="2431372774"/>
+        <p14:creationId xmlns:p14="http://schemas.microsoft.com/office/powerpoint/2010/main" val="1775469902"/>
       </p:ext>
     </p:extLst>
   </p:cSld>
@@ -5886,6 +5962,229 @@
       </p:grpSpPr>
       <p:sp>
         <p:nvSpPr>
+          <p:cNvPr id="4" name="Slide Number Placeholder 3"/>
+          <p:cNvSpPr>
+            <a:spLocks noGrp="1"/>
+          </p:cNvSpPr>
+          <p:nvPr>
+            <p:ph type="sldNum" sz="quarter" idx="12"/>
+          </p:nvPr>
+        </p:nvSpPr>
+        <p:spPr/>
+        <p:txBody>
+          <a:bodyPr/>
+          <a:lstStyle/>
+          <a:p>
+            <a:fld id="{991F777D-3D7E-4098-87B9-F0BD66693DB0}" type="slidenum">
+              <a:rPr lang="en-US" smtClean="0"/>
+              <a:pPr/>
+              <a:t>21</a:t>
+            </a:fld>
+            <a:endParaRPr lang="en-US"/>
+          </a:p>
+        </p:txBody>
+      </p:sp>
+      <p:pic>
+        <p:nvPicPr>
+          <p:cNvPr id="28674" name="Picture 2"/>
+          <p:cNvPicPr>
+            <a:picLocks noGrp="1" noChangeAspect="1" noChangeArrowheads="1"/>
+          </p:cNvPicPr>
+          <p:nvPr>
+            <p:ph idx="1"/>
+          </p:nvPr>
+        </p:nvPicPr>
+        <p:blipFill>
+          <a:blip r:embed="rId2"/>
+          <a:srcRect/>
+          <a:stretch>
+            <a:fillRect/>
+          </a:stretch>
+        </p:blipFill>
+        <p:spPr bwMode="auto">
+          <a:xfrm>
+            <a:off x="126002" y="642227"/>
+            <a:ext cx="9353551" cy="2381251"/>
+          </a:xfrm>
+          <a:prstGeom prst="rect">
+            <a:avLst/>
+          </a:prstGeom>
+          <a:noFill/>
+          <a:ln w="9525">
+            <a:noFill/>
+            <a:miter lim="800000"/>
+            <a:headEnd/>
+            <a:tailEnd/>
+          </a:ln>
+          <a:effectLst/>
+        </p:spPr>
+      </p:pic>
+      <p:sp>
+        <p:nvSpPr>
+          <p:cNvPr id="6" name="Title 1"/>
+          <p:cNvSpPr>
+            <a:spLocks noGrp="1"/>
+          </p:cNvSpPr>
+          <p:nvPr>
+            <p:ph type="title"/>
+          </p:nvPr>
+        </p:nvSpPr>
+        <p:spPr>
+          <a:xfrm>
+            <a:off x="15231" y="-39826"/>
+            <a:ext cx="10515600" cy="967287"/>
+          </a:xfrm>
+        </p:spPr>
+        <p:txBody>
+          <a:bodyPr/>
+          <a:lstStyle/>
+          <a:p>
+            <a:r>
+              <a:rPr lang="en-IN" dirty="0" smtClean="0"/>
+              <a:t>Data observations into summaries, stories</a:t>
+            </a:r>
+            <a:endParaRPr lang="en-IN" dirty="0"/>
+          </a:p>
+        </p:txBody>
+      </p:sp>
+      <p:pic>
+        <p:nvPicPr>
+          <p:cNvPr id="28675" name="Picture 3"/>
+          <p:cNvPicPr>
+            <a:picLocks noChangeAspect="1" noChangeArrowheads="1"/>
+          </p:cNvPicPr>
+          <p:nvPr/>
+        </p:nvPicPr>
+        <p:blipFill>
+          <a:blip r:embed="rId3"/>
+          <a:srcRect/>
+          <a:stretch>
+            <a:fillRect/>
+          </a:stretch>
+        </p:blipFill>
+        <p:spPr bwMode="auto">
+          <a:xfrm>
+            <a:off x="2941881" y="2796140"/>
+            <a:ext cx="9182100" cy="2676525"/>
+          </a:xfrm>
+          <a:prstGeom prst="rect">
+            <a:avLst/>
+          </a:prstGeom>
+          <a:noFill/>
+          <a:ln w="9525">
+            <a:noFill/>
+            <a:miter lim="800000"/>
+            <a:headEnd/>
+            <a:tailEnd/>
+          </a:ln>
+          <a:effectLst/>
+        </p:spPr>
+      </p:pic>
+      <p:pic>
+        <p:nvPicPr>
+          <p:cNvPr id="28676" name="Picture 4"/>
+          <p:cNvPicPr>
+            <a:picLocks noChangeAspect="1" noChangeArrowheads="1"/>
+          </p:cNvPicPr>
+          <p:nvPr/>
+        </p:nvPicPr>
+        <p:blipFill>
+          <a:blip r:embed="rId4"/>
+          <a:srcRect/>
+          <a:stretch>
+            <a:fillRect/>
+          </a:stretch>
+        </p:blipFill>
+        <p:spPr bwMode="auto">
+          <a:xfrm>
+            <a:off x="19714" y="5093057"/>
+            <a:ext cx="4443413" cy="1719263"/>
+          </a:xfrm>
+          <a:prstGeom prst="rect">
+            <a:avLst/>
+          </a:prstGeom>
+          <a:noFill/>
+          <a:ln w="9525">
+            <a:noFill/>
+            <a:miter lim="800000"/>
+            <a:headEnd/>
+            <a:tailEnd/>
+          </a:ln>
+          <a:effectLst/>
+        </p:spPr>
+      </p:pic>
+      <p:pic>
+        <p:nvPicPr>
+          <p:cNvPr id="28677" name="Picture 5"/>
+          <p:cNvPicPr>
+            <a:picLocks noChangeAspect="1" noChangeArrowheads="1"/>
+          </p:cNvPicPr>
+          <p:nvPr/>
+        </p:nvPicPr>
+        <p:blipFill>
+          <a:blip r:embed="rId5"/>
+          <a:srcRect/>
+          <a:stretch>
+            <a:fillRect/>
+          </a:stretch>
+        </p:blipFill>
+        <p:spPr bwMode="auto">
+          <a:xfrm>
+            <a:off x="5487082" y="5534573"/>
+            <a:ext cx="3482340" cy="1257300"/>
+          </a:xfrm>
+          <a:prstGeom prst="rect">
+            <a:avLst/>
+          </a:prstGeom>
+          <a:noFill/>
+          <a:ln w="9525">
+            <a:noFill/>
+            <a:miter lim="800000"/>
+            <a:headEnd/>
+            <a:tailEnd/>
+          </a:ln>
+          <a:effectLst/>
+        </p:spPr>
+      </p:pic>
+    </p:spTree>
+    <p:extLst>
+      <p:ext uri="{BB962C8B-B14F-4D97-AF65-F5344CB8AC3E}">
+        <p14:creationId xmlns:p14="http://schemas.microsoft.com/office/powerpoint/2010/main" val="2647183970"/>
+      </p:ext>
+    </p:extLst>
+  </p:cSld>
+  <p:clrMapOvr>
+    <a:masterClrMapping/>
+  </p:clrMapOvr>
+  <p:timing>
+    <p:tnLst>
+      <p:par>
+        <p:cTn id="1" dur="indefinite" restart="never" nodeType="tmRoot"/>
+      </p:par>
+    </p:tnLst>
+  </p:timing>
+</p:sld>
+</file>
+
+<file path=ppt/slides/slide22.xml><?xml version="1.0" encoding="utf-8"?>
+<p:sld xmlns:a="http://schemas.openxmlformats.org/drawingml/2006/main" xmlns:r="http://schemas.openxmlformats.org/officeDocument/2006/relationships" xmlns:p="http://schemas.openxmlformats.org/presentationml/2006/main">
+  <p:cSld>
+    <p:spTree>
+      <p:nvGrpSpPr>
+        <p:cNvPr id="1" name=""/>
+        <p:cNvGrpSpPr/>
+        <p:nvPr/>
+      </p:nvGrpSpPr>
+      <p:grpSpPr>
+        <a:xfrm>
+          <a:off x="0" y="0"/>
+          <a:ext cx="0" cy="0"/>
+          <a:chOff x="0" y="0"/>
+          <a:chExt cx="0" cy="0"/>
+        </a:xfrm>
+      </p:grpSpPr>
+      <p:sp>
+        <p:nvSpPr>
           <p:cNvPr id="2" name="Title 1"/>
           <p:cNvSpPr>
             <a:spLocks noGrp="1"/>
@@ -5960,7 +6259,7 @@
             <a:fld id="{991F777D-3D7E-4098-87B9-F0BD66693DB0}" type="slidenum">
               <a:rPr lang="en-US" smtClean="0"/>
               <a:pPr/>
-              <a:t>21</a:t>
+              <a:t>22</a:t>
             </a:fld>
             <a:endParaRPr lang="en-US"/>
           </a:p>
@@ -8530,164 +8829,108 @@
       </p:grpSpPr>
       <p:sp>
         <p:nvSpPr>
-          <p:cNvPr id="2" name="Title 1"/>
-          <p:cNvSpPr>
-            <a:spLocks noGrp="1"/>
-          </p:cNvSpPr>
-          <p:nvPr>
-            <p:ph type="title"/>
-          </p:nvPr>
-        </p:nvSpPr>
-        <p:spPr>
-          <a:xfrm>
-            <a:off x="127000" y="80645"/>
-            <a:ext cx="2910840" cy="711835"/>
-          </a:xfrm>
-        </p:spPr>
+          <p:cNvPr id="4" name="Slide Number Placeholder 3"/>
+          <p:cNvSpPr>
+            <a:spLocks noGrp="1"/>
+          </p:cNvSpPr>
+          <p:nvPr>
+            <p:ph type="sldNum" sz="quarter" idx="12"/>
+          </p:nvPr>
+        </p:nvSpPr>
+        <p:spPr/>
         <p:txBody>
           <a:bodyPr/>
           <a:lstStyle/>
           <a:p>
-            <a:r>
-              <a:rPr lang="en-US" dirty="0" smtClean="0"/>
-              <a:t>Case report</a:t>
-            </a:r>
-            <a:endParaRPr lang="en-US" dirty="0"/>
+            <a:fld id="{4104BD6A-D98C-43D1-B699-6CD60B7B8EED}" type="slidenum">
+              <a:rPr lang="en-US" smtClean="0"/>
+              <a:t>8</a:t>
+            </a:fld>
+            <a:endParaRPr lang="en-US"/>
           </a:p>
         </p:txBody>
       </p:sp>
       <p:pic>
         <p:nvPicPr>
-          <p:cNvPr id="4" name="Picture 3"/>
+          <p:cNvPr id="5" name="Picture 4"/>
           <p:cNvPicPr>
-            <a:picLocks noChangeAspect="1"/>
+            <a:picLocks noGrp="1" noChangeAspect="1" noChangeArrowheads="1"/>
           </p:cNvPicPr>
           <p:nvPr/>
         </p:nvPicPr>
         <p:blipFill>
           <a:blip r:embed="rId2"/>
+          <a:srcRect/>
           <a:stretch>
             <a:fillRect/>
           </a:stretch>
         </p:blipFill>
-        <p:spPr>
-          <a:xfrm>
-            <a:off x="127000" y="792481"/>
-            <a:ext cx="4343400" cy="3695700"/>
+        <p:spPr bwMode="auto">
+          <a:xfrm>
+            <a:off x="284994" y="1803751"/>
+            <a:ext cx="4781550" cy="3590925"/>
           </a:xfrm>
           <a:prstGeom prst="rect">
             <a:avLst/>
           </a:prstGeom>
+          <a:noFill/>
+          <a:ln w="9525">
+            <a:noFill/>
+            <a:miter lim="800000"/>
+            <a:headEnd/>
+            <a:tailEnd/>
+          </a:ln>
+          <a:effectLst/>
         </p:spPr>
       </p:pic>
       <p:pic>
         <p:nvPicPr>
-          <p:cNvPr id="5" name="Picture 4"/>
+          <p:cNvPr id="6" name="Picture 5"/>
           <p:cNvPicPr>
-            <a:picLocks noChangeAspect="1"/>
+            <a:picLocks noChangeAspect="1" noChangeArrowheads="1"/>
           </p:cNvPicPr>
           <p:nvPr/>
         </p:nvPicPr>
         <p:blipFill>
           <a:blip r:embed="rId3"/>
+          <a:srcRect/>
           <a:stretch>
             <a:fillRect/>
           </a:stretch>
         </p:blipFill>
-        <p:spPr>
-          <a:xfrm>
-            <a:off x="2635280" y="3435360"/>
-            <a:ext cx="3528000" cy="1430000"/>
-          </a:xfrm>
-          <a:prstGeom prst="rect">
-            <a:avLst/>
-          </a:prstGeom>
-        </p:spPr>
-      </p:pic>
-      <p:pic>
-        <p:nvPicPr>
-          <p:cNvPr id="6" name="Picture 5"/>
-          <p:cNvPicPr>
-            <a:picLocks noChangeAspect="1"/>
-          </p:cNvPicPr>
-          <p:nvPr/>
-        </p:nvPicPr>
-        <p:blipFill>
-          <a:blip r:embed="rId4"/>
-          <a:stretch>
-            <a:fillRect/>
-          </a:stretch>
-        </p:blipFill>
-        <p:spPr>
-          <a:xfrm>
-            <a:off x="242855" y="4954780"/>
-            <a:ext cx="4784851" cy="1683000"/>
-          </a:xfrm>
-          <a:prstGeom prst="rect">
-            <a:avLst/>
-          </a:prstGeom>
-        </p:spPr>
-      </p:pic>
-      <p:sp>
-        <p:nvSpPr>
-          <p:cNvPr id="8" name="Right Arrow 7"/>
-          <p:cNvSpPr/>
-          <p:nvPr/>
-        </p:nvSpPr>
-        <p:spPr>
-          <a:xfrm>
-            <a:off x="4622801" y="3017520"/>
-            <a:ext cx="726441" cy="417840"/>
-          </a:xfrm>
-          <a:prstGeom prst="rightArrow">
-            <a:avLst/>
-          </a:prstGeom>
-        </p:spPr>
-        <p:style>
-          <a:lnRef idx="2">
-            <a:schemeClr val="accent1">
-              <a:shade val="50000"/>
-            </a:schemeClr>
-          </a:lnRef>
-          <a:fillRef idx="1">
-            <a:schemeClr val="accent1"/>
-          </a:fillRef>
-          <a:effectRef idx="0">
-            <a:schemeClr val="accent1"/>
-          </a:effectRef>
-          <a:fontRef idx="minor">
-            <a:schemeClr val="lt1"/>
-          </a:fontRef>
-        </p:style>
-        <p:txBody>
-          <a:bodyPr rot="0" spcFirstLastPara="0" vertOverflow="overflow" horzOverflow="overflow" vert="horz" wrap="square" lIns="91440" tIns="45720" rIns="91440" bIns="45720" numCol="1" spcCol="0" rtlCol="0" fromWordArt="0" anchor="ctr" anchorCtr="0" forceAA="0" compatLnSpc="1">
-            <a:prstTxWarp prst="textNoShape">
-              <a:avLst/>
-            </a:prstTxWarp>
-            <a:noAutofit/>
-          </a:bodyPr>
-          <a:lstStyle/>
-          <a:p>
-            <a:pPr algn="ctr"/>
-            <a:endParaRPr lang="en-US"/>
-          </a:p>
-        </p:txBody>
-      </p:sp>
-      <p:sp>
-        <p:nvSpPr>
-          <p:cNvPr id="11" name="TextBox 10"/>
-          <p:cNvSpPr txBox="1"/>
-          <p:nvPr/>
-        </p:nvSpPr>
-        <p:spPr>
-          <a:xfrm rot="19942964">
-            <a:off x="3368041" y="8532"/>
-            <a:ext cx="1879600" cy="369332"/>
+        <p:spPr bwMode="auto">
+          <a:xfrm>
+            <a:off x="4416546" y="1463323"/>
+            <a:ext cx="7490460" cy="2689860"/>
           </a:xfrm>
           <a:prstGeom prst="rect">
             <a:avLst/>
           </a:prstGeom>
           <a:noFill/>
+          <a:ln w="9525">
+            <a:noFill/>
+            <a:miter lim="800000"/>
+            <a:headEnd/>
+            <a:tailEnd/>
+          </a:ln>
+          <a:effectLst/>
+        </p:spPr>
+      </p:pic>
+      <p:sp>
+        <p:nvSpPr>
+          <p:cNvPr id="7" name="TextBox 6"/>
+          <p:cNvSpPr txBox="1"/>
+          <p:nvPr/>
+        </p:nvSpPr>
+        <p:spPr>
+          <a:xfrm>
+            <a:off x="493776" y="228600"/>
+            <a:ext cx="6611112" cy="369332"/>
+          </a:xfrm>
+          <a:prstGeom prst="rect">
+            <a:avLst/>
+          </a:prstGeom>
+          <a:noFill/>
         </p:spPr>
         <p:txBody>
           <a:bodyPr wrap="square" rtlCol="0">
@@ -8696,109 +8939,31 @@
           <a:lstStyle/>
           <a:p>
             <a:r>
-              <a:rPr lang="en-US" dirty="0"/>
-              <a:t>Example </a:t>
-            </a:r>
-            <a:r>
               <a:rPr lang="en-US" dirty="0" smtClean="0"/>
-              <a:t>2</a:t>
-            </a:r>
-            <a:endParaRPr lang="en-US" dirty="0"/>
-          </a:p>
-        </p:txBody>
-      </p:sp>
-      <p:sp>
-        <p:nvSpPr>
-          <p:cNvPr id="12" name="Slide Number Placeholder 11"/>
-          <p:cNvSpPr>
-            <a:spLocks noGrp="1"/>
-          </p:cNvSpPr>
-          <p:nvPr>
-            <p:ph type="sldNum" sz="quarter" idx="12"/>
-          </p:nvPr>
-        </p:nvSpPr>
-        <p:spPr/>
-        <p:txBody>
-          <a:bodyPr/>
-          <a:lstStyle/>
-          <a:p>
-            <a:fld id="{4104BD6A-D98C-43D1-B699-6CD60B7B8EED}" type="slidenum">
-              <a:rPr lang="en-US" smtClean="0"/>
-              <a:t>8</a:t>
-            </a:fld>
-            <a:endParaRPr lang="en-US"/>
-          </a:p>
-        </p:txBody>
-      </p:sp>
-      <p:pic>
-        <p:nvPicPr>
-          <p:cNvPr id="13" name="Content Placeholder 4"/>
-          <p:cNvPicPr>
-            <a:picLocks noGrp="1"/>
-          </p:cNvPicPr>
-          <p:nvPr/>
-        </p:nvPicPr>
-        <p:blipFill>
-          <a:blip r:embed="rId5"/>
-          <a:stretch>
-            <a:fillRect/>
-          </a:stretch>
-        </p:blipFill>
-        <p:spPr>
-          <a:xfrm>
-            <a:off x="5785105" y="1289778"/>
-            <a:ext cx="6242857" cy="2428572"/>
-          </a:xfrm>
-          <a:prstGeom prst="rect">
-            <a:avLst/>
-          </a:prstGeom>
-        </p:spPr>
-      </p:pic>
-      <p:sp>
-        <p:nvSpPr>
-          <p:cNvPr id="14" name="Rectangle 13"/>
-          <p:cNvSpPr/>
-          <p:nvPr/>
-        </p:nvSpPr>
-        <p:spPr>
-          <a:xfrm>
-            <a:off x="5858533" y="4714185"/>
-            <a:ext cx="6096000" cy="646331"/>
-          </a:xfrm>
-          <a:prstGeom prst="rect">
-            <a:avLst/>
-          </a:prstGeom>
-        </p:spPr>
-        <p:txBody>
-          <a:bodyPr>
-            <a:spAutoFit/>
-          </a:bodyPr>
-          <a:lstStyle/>
-          <a:p>
-            <a:r>
-              <a:rPr lang="en-US" dirty="0"/>
-              <a:t>Patient profile view of individual patient by disease and medicine</a:t>
-            </a:r>
+              <a:t>Example 2: </a:t>
+            </a:r>
+            <a:r>
+              <a:rPr lang="en-IN" dirty="0"/>
+              <a:t>Relationship between diseases and </a:t>
+            </a:r>
+            <a:r>
+              <a:rPr lang="en-IN" dirty="0" smtClean="0"/>
+              <a:t>medicines</a:t>
+            </a:r>
+            <a:endParaRPr lang="en-IN" dirty="0"/>
           </a:p>
         </p:txBody>
       </p:sp>
     </p:spTree>
     <p:extLst>
       <p:ext uri="{BB962C8B-B14F-4D97-AF65-F5344CB8AC3E}">
-        <p14:creationId xmlns:p14="http://schemas.microsoft.com/office/powerpoint/2010/main" val="3147460964"/>
+        <p14:creationId xmlns:p14="http://schemas.microsoft.com/office/powerpoint/2010/main" val="621725748"/>
       </p:ext>
     </p:extLst>
   </p:cSld>
   <p:clrMapOvr>
     <a:masterClrMapping/>
   </p:clrMapOvr>
-  <p:timing>
-    <p:tnLst>
-      <p:par>
-        <p:cTn id="1" dur="indefinite" restart="never" nodeType="tmRoot"/>
-      </p:par>
-    </p:tnLst>
-  </p:timing>
 </p:sld>
 </file>
 
@@ -8821,6 +8986,25 @@
       </p:grpSpPr>
       <p:sp>
         <p:nvSpPr>
+          <p:cNvPr id="3" name="Content Placeholder 2"/>
+          <p:cNvSpPr>
+            <a:spLocks noGrp="1"/>
+          </p:cNvSpPr>
+          <p:nvPr>
+            <p:ph idx="1"/>
+          </p:nvPr>
+        </p:nvSpPr>
+        <p:spPr/>
+        <p:txBody>
+          <a:bodyPr/>
+          <a:lstStyle/>
+          <a:p>
+            <a:endParaRPr lang="en-US"/>
+          </a:p>
+        </p:txBody>
+      </p:sp>
+      <p:sp>
+        <p:nvSpPr>
           <p:cNvPr id="4" name="Slide Number Placeholder 3"/>
           <p:cNvSpPr>
             <a:spLocks noGrp="1"/>
@@ -8834,9 +9018,8 @@
           <a:bodyPr/>
           <a:lstStyle/>
           <a:p>
-            <a:fld id="{991F777D-3D7E-4098-87B9-F0BD66693DB0}" type="slidenum">
-              <a:rPr lang="en-US" smtClean="0"/>
-              <a:pPr/>
+            <a:fld id="{4104BD6A-D98C-43D1-B699-6CD60B7B8EED}" type="slidenum">
+              <a:rPr lang="en-US" smtClean="0"/>
               <a:t>9</a:t>
             </a:fld>
             <a:endParaRPr lang="en-US"/>
@@ -8845,183 +9028,83 @@
       </p:sp>
       <p:pic>
         <p:nvPicPr>
-          <p:cNvPr id="28674" name="Picture 2"/>
+          <p:cNvPr id="5" name="Picture 4"/>
           <p:cNvPicPr>
-            <a:picLocks noGrp="1" noChangeAspect="1" noChangeArrowheads="1"/>
+            <a:picLocks noChangeAspect="1"/>
           </p:cNvPicPr>
-          <p:nvPr>
-            <p:ph idx="1"/>
-          </p:nvPr>
+          <p:nvPr/>
         </p:nvPicPr>
         <p:blipFill>
           <a:blip r:embed="rId2"/>
-          <a:srcRect/>
           <a:stretch>
             <a:fillRect/>
           </a:stretch>
         </p:blipFill>
-        <p:spPr bwMode="auto">
-          <a:xfrm>
-            <a:off x="126002" y="642227"/>
-            <a:ext cx="9353551" cy="2381251"/>
+        <p:spPr>
+          <a:xfrm>
+            <a:off x="91440" y="1346329"/>
+            <a:ext cx="12100560" cy="5448300"/>
           </a:xfrm>
           <a:prstGeom prst="rect">
             <a:avLst/>
           </a:prstGeom>
-          <a:noFill/>
-          <a:ln w="9525">
-            <a:noFill/>
-            <a:miter lim="800000"/>
-            <a:headEnd/>
-            <a:tailEnd/>
-          </a:ln>
-          <a:effectLst/>
         </p:spPr>
       </p:pic>
       <p:sp>
         <p:nvSpPr>
-          <p:cNvPr id="6" name="Title 1"/>
-          <p:cNvSpPr>
-            <a:spLocks noGrp="1"/>
-          </p:cNvSpPr>
-          <p:nvPr>
-            <p:ph type="title"/>
-          </p:nvPr>
+          <p:cNvPr id="6" name="Rectangle 5"/>
+          <p:cNvSpPr/>
+          <p:nvPr/>
         </p:nvSpPr>
         <p:spPr>
           <a:xfrm>
-            <a:off x="15231" y="-39826"/>
-            <a:ext cx="10515600" cy="967287"/>
-          </a:xfrm>
-        </p:spPr>
-        <p:txBody>
-          <a:bodyPr/>
-          <a:lstStyle/>
-          <a:p>
-            <a:r>
-              <a:rPr lang="en-IN" dirty="0" smtClean="0"/>
-              <a:t>Data observations into summaries, stories</a:t>
-            </a:r>
-            <a:endParaRPr lang="en-IN" dirty="0"/>
-          </a:p>
-        </p:txBody>
-      </p:sp>
-      <p:pic>
-        <p:nvPicPr>
-          <p:cNvPr id="28675" name="Picture 3"/>
-          <p:cNvPicPr>
-            <a:picLocks noChangeAspect="1" noChangeArrowheads="1"/>
-          </p:cNvPicPr>
-          <p:nvPr/>
-        </p:nvPicPr>
-        <p:blipFill>
-          <a:blip r:embed="rId3"/>
-          <a:srcRect/>
-          <a:stretch>
-            <a:fillRect/>
-          </a:stretch>
-        </p:blipFill>
-        <p:spPr bwMode="auto">
-          <a:xfrm>
-            <a:off x="2941881" y="2796140"/>
-            <a:ext cx="9182100" cy="2676525"/>
+            <a:off x="167640" y="137185"/>
+            <a:ext cx="9552432" cy="369332"/>
           </a:xfrm>
           <a:prstGeom prst="rect">
             <a:avLst/>
           </a:prstGeom>
-          <a:noFill/>
-          <a:ln w="9525">
-            <a:noFill/>
-            <a:miter lim="800000"/>
-            <a:headEnd/>
-            <a:tailEnd/>
-          </a:ln>
-          <a:effectLst/>
-        </p:spPr>
-      </p:pic>
-      <p:pic>
-        <p:nvPicPr>
-          <p:cNvPr id="28676" name="Picture 4"/>
-          <p:cNvPicPr>
-            <a:picLocks noChangeAspect="1" noChangeArrowheads="1"/>
-          </p:cNvPicPr>
-          <p:nvPr/>
-        </p:nvPicPr>
-        <p:blipFill>
-          <a:blip r:embed="rId4"/>
-          <a:srcRect/>
-          <a:stretch>
-            <a:fillRect/>
-          </a:stretch>
-        </p:blipFill>
-        <p:spPr bwMode="auto">
-          <a:xfrm>
-            <a:off x="19714" y="5093057"/>
-            <a:ext cx="4443413" cy="1719263"/>
-          </a:xfrm>
-          <a:prstGeom prst="rect">
-            <a:avLst/>
-          </a:prstGeom>
-          <a:noFill/>
-          <a:ln w="9525">
-            <a:noFill/>
-            <a:miter lim="800000"/>
-            <a:headEnd/>
-            <a:tailEnd/>
-          </a:ln>
-          <a:effectLst/>
-        </p:spPr>
-      </p:pic>
-      <p:pic>
-        <p:nvPicPr>
-          <p:cNvPr id="28677" name="Picture 5"/>
-          <p:cNvPicPr>
-            <a:picLocks noChangeAspect="1" noChangeArrowheads="1"/>
-          </p:cNvPicPr>
-          <p:nvPr/>
-        </p:nvPicPr>
-        <p:blipFill>
-          <a:blip r:embed="rId5"/>
-          <a:srcRect/>
-          <a:stretch>
-            <a:fillRect/>
-          </a:stretch>
-        </p:blipFill>
-        <p:spPr bwMode="auto">
-          <a:xfrm>
-            <a:off x="5487082" y="5534573"/>
-            <a:ext cx="3482340" cy="1257300"/>
-          </a:xfrm>
-          <a:prstGeom prst="rect">
-            <a:avLst/>
-          </a:prstGeom>
-          <a:noFill/>
-          <a:ln w="9525">
-            <a:noFill/>
-            <a:miter lim="800000"/>
-            <a:headEnd/>
-            <a:tailEnd/>
-          </a:ln>
-          <a:effectLst/>
-        </p:spPr>
-      </p:pic>
+        </p:spPr>
+        <p:txBody>
+          <a:bodyPr wrap="square">
+            <a:spAutoFit/>
+          </a:bodyPr>
+          <a:lstStyle/>
+          <a:p>
+            <a:r>
+              <a:rPr lang="en-IN" dirty="0"/>
+              <a:t>Example 3</a:t>
+            </a:r>
+            <a:r>
+              <a:rPr lang="en-IN" dirty="0" smtClean="0"/>
+              <a:t>: </a:t>
+            </a:r>
+            <a:r>
+              <a:rPr lang="en-US" dirty="0" smtClean="0"/>
+              <a:t>Patients with </a:t>
+            </a:r>
+            <a:r>
+              <a:rPr lang="en-US" dirty="0" err="1" smtClean="0"/>
+              <a:t>Madhumeha</a:t>
+            </a:r>
+            <a:r>
+              <a:rPr lang="en-US" dirty="0" smtClean="0"/>
+              <a:t> and additional diseases reported</a:t>
+            </a:r>
+            <a:endParaRPr lang="en-US" dirty="0"/>
+          </a:p>
+        </p:txBody>
+      </p:sp>
     </p:spTree>
     <p:extLst>
       <p:ext uri="{BB962C8B-B14F-4D97-AF65-F5344CB8AC3E}">
-        <p14:creationId xmlns:p14="http://schemas.microsoft.com/office/powerpoint/2010/main" val="2011072040"/>
+        <p14:creationId xmlns:p14="http://schemas.microsoft.com/office/powerpoint/2010/main" val="2786075549"/>
       </p:ext>
     </p:extLst>
   </p:cSld>
   <p:clrMapOvr>
     <a:masterClrMapping/>
   </p:clrMapOvr>
-  <p:timing>
-    <p:tnLst>
-      <p:par>
-        <p:cTn id="1" dur="indefinite" restart="never" nodeType="tmRoot"/>
-      </p:par>
-    </p:tnLst>
-  </p:timing>
 </p:sld>
 </file>
 

--- a/thesis/Pune-Nov2019/01AYUSH-Pune-Nov2019.pptx
+++ b/thesis/Pune-Nov2019/01AYUSH-Pune-Nov2019.pptx
@@ -130,7 +130,7 @@
   </p:defaultTextStyle>
   <p:extLst>
     <p:ext uri="{EFAFB233-063F-42B5-8137-9DF3F51BA10A}">
-      <p15:sldGuideLst xmlns:p15="http://schemas.microsoft.com/office/powerpoint/2012/main"/>
+      <p15:sldGuideLst xmlns:p15="http://schemas.microsoft.com/office/powerpoint/2012/main" xmlns=""/>
     </p:ext>
   </p:extLst>
 </p:presentation>
@@ -218,7 +218,8 @@
           <a:p>
             <a:fld id="{681A1570-8B4F-40FF-A64D-0FD58D8CAB60}" type="datetimeFigureOut">
               <a:rPr lang="en-US" smtClean="0"/>
-              <a:t>10/25/2019</a:t>
+              <a:pPr/>
+              <a:t>10/28/2019</a:t>
             </a:fld>
             <a:endParaRPr lang="en-US"/>
           </a:p>
@@ -377,6 +378,7 @@
           <a:p>
             <a:fld id="{775B2105-1C62-4772-B0A4-D15BC2F65AC6}" type="slidenum">
               <a:rPr lang="en-US" smtClean="0"/>
+              <a:pPr/>
               <a:t>‹#›</a:t>
             </a:fld>
             <a:endParaRPr lang="en-US"/>
@@ -386,7 +388,7 @@
     </p:spTree>
     <p:extLst>
       <p:ext uri="{BB962C8B-B14F-4D97-AF65-F5344CB8AC3E}">
-        <p14:creationId xmlns:p14="http://schemas.microsoft.com/office/powerpoint/2010/main" val="2792802383"/>
+        <p14:creationId xmlns:p14="http://schemas.microsoft.com/office/powerpoint/2010/main" xmlns="" val="2792802383"/>
       </p:ext>
     </p:extLst>
   </p:cSld>
@@ -617,7 +619,8 @@
           <a:p>
             <a:fld id="{F8BAA029-644C-48F0-A984-5BCFA9A87740}" type="datetime1">
               <a:rPr lang="en-US" smtClean="0"/>
-              <a:t>10/25/2019</a:t>
+              <a:pPr/>
+              <a:t>10/28/2019</a:t>
             </a:fld>
             <a:endParaRPr lang="en-US"/>
           </a:p>
@@ -659,6 +662,7 @@
           <a:p>
             <a:fld id="{4104BD6A-D98C-43D1-B699-6CD60B7B8EED}" type="slidenum">
               <a:rPr lang="en-US" smtClean="0"/>
+              <a:pPr/>
               <a:t>‹#›</a:t>
             </a:fld>
             <a:endParaRPr lang="en-US"/>
@@ -701,7 +705,7 @@
     </p:spTree>
     <p:extLst>
       <p:ext uri="{BB962C8B-B14F-4D97-AF65-F5344CB8AC3E}">
-        <p14:creationId xmlns:p14="http://schemas.microsoft.com/office/powerpoint/2010/main" val="296662870"/>
+        <p14:creationId xmlns:p14="http://schemas.microsoft.com/office/powerpoint/2010/main" xmlns="" val="296662870"/>
       </p:ext>
     </p:extLst>
   </p:cSld>
@@ -827,7 +831,8 @@
           <a:p>
             <a:fld id="{5D7520C7-DF4D-4D4B-AE8A-5AE562C3DEE5}" type="datetime1">
               <a:rPr lang="en-US" smtClean="0"/>
-              <a:t>10/25/2019</a:t>
+              <a:pPr/>
+              <a:t>10/28/2019</a:t>
             </a:fld>
             <a:endParaRPr lang="en-US"/>
           </a:p>
@@ -869,6 +874,7 @@
           <a:p>
             <a:fld id="{4104BD6A-D98C-43D1-B699-6CD60B7B8EED}" type="slidenum">
               <a:rPr lang="en-US" smtClean="0"/>
+              <a:pPr/>
               <a:t>‹#›</a:t>
             </a:fld>
             <a:endParaRPr lang="en-US"/>
@@ -878,7 +884,7 @@
     </p:spTree>
     <p:extLst>
       <p:ext uri="{BB962C8B-B14F-4D97-AF65-F5344CB8AC3E}">
-        <p14:creationId xmlns:p14="http://schemas.microsoft.com/office/powerpoint/2010/main" val="3175789315"/>
+        <p14:creationId xmlns:p14="http://schemas.microsoft.com/office/powerpoint/2010/main" xmlns="" val="3175789315"/>
       </p:ext>
     </p:extLst>
   </p:cSld>
@@ -1007,7 +1013,8 @@
           <a:p>
             <a:fld id="{1720A6F4-0DBB-4481-988F-24EA765DFCC7}" type="datetime1">
               <a:rPr lang="en-US" smtClean="0"/>
-              <a:t>10/25/2019</a:t>
+              <a:pPr/>
+              <a:t>10/28/2019</a:t>
             </a:fld>
             <a:endParaRPr lang="en-US"/>
           </a:p>
@@ -1049,6 +1056,7 @@
           <a:p>
             <a:fld id="{4104BD6A-D98C-43D1-B699-6CD60B7B8EED}" type="slidenum">
               <a:rPr lang="en-US" smtClean="0"/>
+              <a:pPr/>
               <a:t>‹#›</a:t>
             </a:fld>
             <a:endParaRPr lang="en-US"/>
@@ -1058,7 +1066,7 @@
     </p:spTree>
     <p:extLst>
       <p:ext uri="{BB962C8B-B14F-4D97-AF65-F5344CB8AC3E}">
-        <p14:creationId xmlns:p14="http://schemas.microsoft.com/office/powerpoint/2010/main" val="3364241540"/>
+        <p14:creationId xmlns:p14="http://schemas.microsoft.com/office/powerpoint/2010/main" xmlns="" val="3364241540"/>
       </p:ext>
     </p:extLst>
   </p:cSld>
@@ -1184,7 +1192,8 @@
           <a:p>
             <a:fld id="{A9F411BC-123B-4F79-A0B7-388FA5C3D902}" type="datetime1">
               <a:rPr lang="en-US" smtClean="0"/>
-              <a:t>10/25/2019</a:t>
+              <a:pPr/>
+              <a:t>10/28/2019</a:t>
             </a:fld>
             <a:endParaRPr lang="en-US"/>
           </a:p>
@@ -1226,6 +1235,7 @@
           <a:p>
             <a:fld id="{4104BD6A-D98C-43D1-B699-6CD60B7B8EED}" type="slidenum">
               <a:rPr lang="en-US" smtClean="0"/>
+              <a:pPr/>
               <a:t>‹#›</a:t>
             </a:fld>
             <a:endParaRPr lang="en-US"/>
@@ -1268,7 +1278,7 @@
     </p:spTree>
     <p:extLst>
       <p:ext uri="{BB962C8B-B14F-4D97-AF65-F5344CB8AC3E}">
-        <p14:creationId xmlns:p14="http://schemas.microsoft.com/office/powerpoint/2010/main" val="4170085039"/>
+        <p14:creationId xmlns:p14="http://schemas.microsoft.com/office/powerpoint/2010/main" xmlns="" val="4170085039"/>
       </p:ext>
     </p:extLst>
   </p:cSld>
@@ -1470,7 +1480,8 @@
           <a:p>
             <a:fld id="{820F71C1-1323-4CE2-A487-94F2BD939211}" type="datetime1">
               <a:rPr lang="en-US" smtClean="0"/>
-              <a:t>10/25/2019</a:t>
+              <a:pPr/>
+              <a:t>10/28/2019</a:t>
             </a:fld>
             <a:endParaRPr lang="en-US"/>
           </a:p>
@@ -1512,6 +1523,7 @@
           <a:p>
             <a:fld id="{4104BD6A-D98C-43D1-B699-6CD60B7B8EED}" type="slidenum">
               <a:rPr lang="en-US" smtClean="0"/>
+              <a:pPr/>
               <a:t>‹#›</a:t>
             </a:fld>
             <a:endParaRPr lang="en-US"/>
@@ -1554,7 +1566,7 @@
     </p:spTree>
     <p:extLst>
       <p:ext uri="{BB962C8B-B14F-4D97-AF65-F5344CB8AC3E}">
-        <p14:creationId xmlns:p14="http://schemas.microsoft.com/office/powerpoint/2010/main" val="1857255340"/>
+        <p14:creationId xmlns:p14="http://schemas.microsoft.com/office/powerpoint/2010/main" xmlns="" val="1857255340"/>
       </p:ext>
     </p:extLst>
   </p:cSld>
@@ -1742,7 +1754,8 @@
           <a:p>
             <a:fld id="{0B8D3A63-453E-424C-B6E5-00CAD8E7F970}" type="datetime1">
               <a:rPr lang="en-US" smtClean="0"/>
-              <a:t>10/25/2019</a:t>
+              <a:pPr/>
+              <a:t>10/28/2019</a:t>
             </a:fld>
             <a:endParaRPr lang="en-US"/>
           </a:p>
@@ -1784,6 +1797,7 @@
           <a:p>
             <a:fld id="{4104BD6A-D98C-43D1-B699-6CD60B7B8EED}" type="slidenum">
               <a:rPr lang="en-US" smtClean="0"/>
+              <a:pPr/>
               <a:t>‹#›</a:t>
             </a:fld>
             <a:endParaRPr lang="en-US"/>
@@ -1793,7 +1807,7 @@
     </p:spTree>
     <p:extLst>
       <p:ext uri="{BB962C8B-B14F-4D97-AF65-F5344CB8AC3E}">
-        <p14:creationId xmlns:p14="http://schemas.microsoft.com/office/powerpoint/2010/main" val="2807239930"/>
+        <p14:creationId xmlns:p14="http://schemas.microsoft.com/office/powerpoint/2010/main" xmlns="" val="2807239930"/>
       </p:ext>
     </p:extLst>
   </p:cSld>
@@ -2109,7 +2123,8 @@
           <a:p>
             <a:fld id="{7BAC8C14-5A42-4923-B508-3AFCA50ACEDD}" type="datetime1">
               <a:rPr lang="en-US" smtClean="0"/>
-              <a:t>10/25/2019</a:t>
+              <a:pPr/>
+              <a:t>10/28/2019</a:t>
             </a:fld>
             <a:endParaRPr lang="en-US"/>
           </a:p>
@@ -2151,6 +2166,7 @@
           <a:p>
             <a:fld id="{4104BD6A-D98C-43D1-B699-6CD60B7B8EED}" type="slidenum">
               <a:rPr lang="en-US" smtClean="0"/>
+              <a:pPr/>
               <a:t>‹#›</a:t>
             </a:fld>
             <a:endParaRPr lang="en-US"/>
@@ -2160,7 +2176,7 @@
     </p:spTree>
     <p:extLst>
       <p:ext uri="{BB962C8B-B14F-4D97-AF65-F5344CB8AC3E}">
-        <p14:creationId xmlns:p14="http://schemas.microsoft.com/office/powerpoint/2010/main" val="3384694331"/>
+        <p14:creationId xmlns:p14="http://schemas.microsoft.com/office/powerpoint/2010/main" xmlns="" val="3384694331"/>
       </p:ext>
     </p:extLst>
   </p:cSld>
@@ -2227,7 +2243,8 @@
           <a:p>
             <a:fld id="{9A3E6AF5-B2B3-4094-B5B6-0DCE5A481B82}" type="datetime1">
               <a:rPr lang="en-US" smtClean="0"/>
-              <a:t>10/25/2019</a:t>
+              <a:pPr/>
+              <a:t>10/28/2019</a:t>
             </a:fld>
             <a:endParaRPr lang="en-US"/>
           </a:p>
@@ -2269,6 +2286,7 @@
           <a:p>
             <a:fld id="{4104BD6A-D98C-43D1-B699-6CD60B7B8EED}" type="slidenum">
               <a:rPr lang="en-US" smtClean="0"/>
+              <a:pPr/>
               <a:t>‹#›</a:t>
             </a:fld>
             <a:endParaRPr lang="en-US"/>
@@ -2278,7 +2296,7 @@
     </p:spTree>
     <p:extLst>
       <p:ext uri="{BB962C8B-B14F-4D97-AF65-F5344CB8AC3E}">
-        <p14:creationId xmlns:p14="http://schemas.microsoft.com/office/powerpoint/2010/main" val="4212878482"/>
+        <p14:creationId xmlns:p14="http://schemas.microsoft.com/office/powerpoint/2010/main" xmlns="" val="4212878482"/>
       </p:ext>
     </p:extLst>
   </p:cSld>
@@ -2322,7 +2340,8 @@
           <a:p>
             <a:fld id="{B35ED67F-0F60-47B1-B009-F4A0F1F8E451}" type="datetime1">
               <a:rPr lang="en-US" smtClean="0"/>
-              <a:t>10/25/2019</a:t>
+              <a:pPr/>
+              <a:t>10/28/2019</a:t>
             </a:fld>
             <a:endParaRPr lang="en-US"/>
           </a:p>
@@ -2364,6 +2383,7 @@
           <a:p>
             <a:fld id="{4104BD6A-D98C-43D1-B699-6CD60B7B8EED}" type="slidenum">
               <a:rPr lang="en-US" smtClean="0"/>
+              <a:pPr/>
               <a:t>‹#›</a:t>
             </a:fld>
             <a:endParaRPr lang="en-US"/>
@@ -2373,7 +2393,7 @@
     </p:spTree>
     <p:extLst>
       <p:ext uri="{BB962C8B-B14F-4D97-AF65-F5344CB8AC3E}">
-        <p14:creationId xmlns:p14="http://schemas.microsoft.com/office/powerpoint/2010/main" val="4269922649"/>
+        <p14:creationId xmlns:p14="http://schemas.microsoft.com/office/powerpoint/2010/main" xmlns="" val="4269922649"/>
       </p:ext>
     </p:extLst>
   </p:cSld>
@@ -2599,7 +2619,8 @@
           <a:p>
             <a:fld id="{E764AE53-B17C-4BCC-BDA1-B3947D9CDA78}" type="datetime1">
               <a:rPr lang="en-US" smtClean="0"/>
-              <a:t>10/25/2019</a:t>
+              <a:pPr/>
+              <a:t>10/28/2019</a:t>
             </a:fld>
             <a:endParaRPr lang="en-US"/>
           </a:p>
@@ -2641,6 +2662,7 @@
           <a:p>
             <a:fld id="{4104BD6A-D98C-43D1-B699-6CD60B7B8EED}" type="slidenum">
               <a:rPr lang="en-US" smtClean="0"/>
+              <a:pPr/>
               <a:t>‹#›</a:t>
             </a:fld>
             <a:endParaRPr lang="en-US"/>
@@ -2650,7 +2672,7 @@
     </p:spTree>
     <p:extLst>
       <p:ext uri="{BB962C8B-B14F-4D97-AF65-F5344CB8AC3E}">
-        <p14:creationId xmlns:p14="http://schemas.microsoft.com/office/powerpoint/2010/main" val="3857508963"/>
+        <p14:creationId xmlns:p14="http://schemas.microsoft.com/office/powerpoint/2010/main" xmlns="" val="3857508963"/>
       </p:ext>
     </p:extLst>
   </p:cSld>
@@ -2852,7 +2874,8 @@
           <a:p>
             <a:fld id="{5E05EAE7-FDC3-460B-85F4-97CD647EBE43}" type="datetime1">
               <a:rPr lang="en-US" smtClean="0"/>
-              <a:t>10/25/2019</a:t>
+              <a:pPr/>
+              <a:t>10/28/2019</a:t>
             </a:fld>
             <a:endParaRPr lang="en-US"/>
           </a:p>
@@ -2894,6 +2917,7 @@
           <a:p>
             <a:fld id="{4104BD6A-D98C-43D1-B699-6CD60B7B8EED}" type="slidenum">
               <a:rPr lang="en-US" smtClean="0"/>
+              <a:pPr/>
               <a:t>‹#›</a:t>
             </a:fld>
             <a:endParaRPr lang="en-US"/>
@@ -2903,7 +2927,7 @@
     </p:spTree>
     <p:extLst>
       <p:ext uri="{BB962C8B-B14F-4D97-AF65-F5344CB8AC3E}">
-        <p14:creationId xmlns:p14="http://schemas.microsoft.com/office/powerpoint/2010/main" val="1053963573"/>
+        <p14:creationId xmlns:p14="http://schemas.microsoft.com/office/powerpoint/2010/main" xmlns="" val="1053963573"/>
       </p:ext>
     </p:extLst>
   </p:cSld>
@@ -3065,7 +3089,8 @@
           <a:p>
             <a:fld id="{DB67F73D-1744-4172-9A87-DA5B05290188}" type="datetime1">
               <a:rPr lang="en-US" smtClean="0"/>
-              <a:t>10/25/2019</a:t>
+              <a:pPr/>
+              <a:t>10/28/2019</a:t>
             </a:fld>
             <a:endParaRPr lang="en-US"/>
           </a:p>
@@ -3143,6 +3168,7 @@
           <a:p>
             <a:fld id="{4104BD6A-D98C-43D1-B699-6CD60B7B8EED}" type="slidenum">
               <a:rPr lang="en-US" smtClean="0"/>
+              <a:pPr/>
               <a:t>‹#›</a:t>
             </a:fld>
             <a:endParaRPr lang="en-US"/>
@@ -3152,7 +3178,7 @@
     </p:spTree>
     <p:extLst>
       <p:ext uri="{BB962C8B-B14F-4D97-AF65-F5344CB8AC3E}">
-        <p14:creationId xmlns:p14="http://schemas.microsoft.com/office/powerpoint/2010/main" val="3311370298"/>
+        <p14:creationId xmlns:p14="http://schemas.microsoft.com/office/powerpoint/2010/main" xmlns="" val="3311370298"/>
       </p:ext>
     </p:extLst>
   </p:cSld>
@@ -3607,7 +3633,7 @@
     </p:spTree>
     <p:extLst>
       <p:ext uri="{BB962C8B-B14F-4D97-AF65-F5344CB8AC3E}">
-        <p14:creationId xmlns:p14="http://schemas.microsoft.com/office/powerpoint/2010/main" val="1887554882"/>
+        <p14:creationId xmlns:p14="http://schemas.microsoft.com/office/powerpoint/2010/main" xmlns="" val="1887554882"/>
       </p:ext>
     </p:extLst>
   </p:cSld>
@@ -3866,7 +3892,7 @@
     </p:spTree>
     <p:extLst>
       <p:ext uri="{BB962C8B-B14F-4D97-AF65-F5344CB8AC3E}">
-        <p14:creationId xmlns:p14="http://schemas.microsoft.com/office/powerpoint/2010/main" val="1211721390"/>
+        <p14:creationId xmlns:p14="http://schemas.microsoft.com/office/powerpoint/2010/main" xmlns="" val="1211721390"/>
       </p:ext>
     </p:extLst>
   </p:cSld>
@@ -3969,6 +3995,7 @@
           <a:p>
             <a:fld id="{4104BD6A-D98C-43D1-B699-6CD60B7B8EED}" type="slidenum">
               <a:rPr lang="en-US" smtClean="0"/>
+              <a:pPr/>
               <a:t>11</a:t>
             </a:fld>
             <a:endParaRPr lang="en-US"/>
@@ -4122,7 +4149,7 @@
     </p:spTree>
     <p:extLst>
       <p:ext uri="{BB962C8B-B14F-4D97-AF65-F5344CB8AC3E}">
-        <p14:creationId xmlns:p14="http://schemas.microsoft.com/office/powerpoint/2010/main" val="2313778932"/>
+        <p14:creationId xmlns:p14="http://schemas.microsoft.com/office/powerpoint/2010/main" xmlns="" val="2313778932"/>
       </p:ext>
     </p:extLst>
   </p:cSld>
@@ -4166,6 +4193,7 @@
           <a:p>
             <a:fld id="{4104BD6A-D98C-43D1-B699-6CD60B7B8EED}" type="slidenum">
               <a:rPr lang="en-US" smtClean="0"/>
+              <a:pPr/>
               <a:t>12</a:t>
             </a:fld>
             <a:endParaRPr lang="en-US"/>
@@ -4355,7 +4383,7 @@
     </p:spTree>
     <p:extLst>
       <p:ext uri="{BB962C8B-B14F-4D97-AF65-F5344CB8AC3E}">
-        <p14:creationId xmlns:p14="http://schemas.microsoft.com/office/powerpoint/2010/main" val="3182335127"/>
+        <p14:creationId xmlns:p14="http://schemas.microsoft.com/office/powerpoint/2010/main" xmlns="" val="3182335127"/>
       </p:ext>
     </p:extLst>
   </p:cSld>
@@ -4410,8 +4438,12 @@
           <a:lstStyle/>
           <a:p>
             <a:r>
+              <a:rPr lang="en-IN" b="1" dirty="0" smtClean="0"/>
+              <a:t>Value of insights</a:t>
+            </a:r>
+            <a:r>
               <a:rPr lang="en-IN" dirty="0" smtClean="0"/>
-              <a:t>How does it help?</a:t>
+              <a:t>?</a:t>
             </a:r>
             <a:endParaRPr lang="en-IN" dirty="0"/>
           </a:p>
@@ -4484,11 +4516,7 @@
           <a:p>
             <a:r>
               <a:rPr lang="en-IN" dirty="0" smtClean="0"/>
-              <a:t>Validation of anecdotes, assumptions, </a:t>
-            </a:r>
-            <a:r>
-              <a:rPr lang="en-IN" dirty="0" smtClean="0"/>
-              <a:t>beliefs</a:t>
+              <a:t>Validation of anecdotes, assumptions, beliefs</a:t>
             </a:r>
             <a:endParaRPr lang="en-IN" dirty="0"/>
           </a:p>
@@ -4521,7 +4549,7 @@
     </p:spTree>
     <p:extLst>
       <p:ext uri="{BB962C8B-B14F-4D97-AF65-F5344CB8AC3E}">
-        <p14:creationId xmlns:p14="http://schemas.microsoft.com/office/powerpoint/2010/main" val="86045054"/>
+        <p14:creationId xmlns:p14="http://schemas.microsoft.com/office/powerpoint/2010/main" xmlns="" val="86045054"/>
       </p:ext>
     </p:extLst>
   </p:cSld>
@@ -4601,6 +4629,7 @@
           <a:p>
             <a:fld id="{4104BD6A-D98C-43D1-B699-6CD60B7B8EED}" type="slidenum">
               <a:rPr lang="en-US" smtClean="0"/>
+              <a:pPr/>
               <a:t>14</a:t>
             </a:fld>
             <a:endParaRPr lang="en-US"/>
@@ -4610,7 +4639,7 @@
     </p:spTree>
     <p:extLst>
       <p:ext uri="{BB962C8B-B14F-4D97-AF65-F5344CB8AC3E}">
-        <p14:creationId xmlns:p14="http://schemas.microsoft.com/office/powerpoint/2010/main" val="3743373227"/>
+        <p14:creationId xmlns:p14="http://schemas.microsoft.com/office/powerpoint/2010/main" xmlns="" val="3743373227"/>
       </p:ext>
     </p:extLst>
   </p:cSld>
@@ -4685,7 +4714,7 @@
           <a:blip r:embed="rId2">
             <a:extLst>
               <a:ext uri="{28A0092B-C50C-407E-A947-70E740481C1C}">
-                <a14:useLocalDpi xmlns:a14="http://schemas.microsoft.com/office/drawing/2010/main" val="0"/>
+                <a14:useLocalDpi xmlns:a14="http://schemas.microsoft.com/office/drawing/2010/main" xmlns="" val="0"/>
               </a:ext>
             </a:extLst>
           </a:blip>
@@ -4708,14 +4737,14 @@
           </a:ln>
           <a:extLst>
             <a:ext uri="{909E8E84-426E-40DD-AFC4-6F175D3DCCD1}">
-              <a14:hiddenFill xmlns:a14="http://schemas.microsoft.com/office/drawing/2010/main">
+              <a14:hiddenFill xmlns:a14="http://schemas.microsoft.com/office/drawing/2010/main" xmlns="">
                 <a:solidFill>
                   <a:schemeClr val="accent1"/>
                 </a:solidFill>
               </a14:hiddenFill>
             </a:ext>
             <a:ext uri="{91240B29-F687-4F45-9708-019B960494DF}">
-              <a14:hiddenLine xmlns:a14="http://schemas.microsoft.com/office/drawing/2010/main" w="9525">
+              <a14:hiddenLine xmlns:a14="http://schemas.microsoft.com/office/drawing/2010/main" xmlns="" w="9525">
                 <a:solidFill>
                   <a:schemeClr val="tx1"/>
                 </a:solidFill>
@@ -4773,6 +4802,7 @@
           <a:p>
             <a:fld id="{4104BD6A-D98C-43D1-B699-6CD60B7B8EED}" type="slidenum">
               <a:rPr lang="en-US" smtClean="0"/>
+              <a:pPr/>
               <a:t>15</a:t>
             </a:fld>
             <a:endParaRPr lang="en-US"/>
@@ -4782,7 +4812,7 @@
     </p:spTree>
     <p:extLst>
       <p:ext uri="{BB962C8B-B14F-4D97-AF65-F5344CB8AC3E}">
-        <p14:creationId xmlns:p14="http://schemas.microsoft.com/office/powerpoint/2010/main" val="3242138827"/>
+        <p14:creationId xmlns:p14="http://schemas.microsoft.com/office/powerpoint/2010/main" xmlns="" val="3242138827"/>
       </p:ext>
     </p:extLst>
   </p:cSld>
@@ -4861,7 +4891,9 @@
           </a:xfrm>
         </p:spPr>
         <p:txBody>
-          <a:bodyPr/>
+          <a:bodyPr>
+            <a:normAutofit lnSpcReduction="10000"/>
+          </a:bodyPr>
           <a:lstStyle/>
           <a:p>
             <a:r>
@@ -4940,16 +4972,19 @@
             <a:pPr lvl="1"/>
             <a:r>
               <a:rPr lang="en-US" dirty="0" smtClean="0"/>
-              <a:t>Credible and robust estimates at India level for </a:t>
-            </a:r>
-            <a:r>
-              <a:rPr lang="en-US" dirty="0" err="1" smtClean="0"/>
-              <a:t>ayurvedic</a:t>
+              <a:t>Credible and robust estimates at India level for ayurvedic </a:t>
             </a:r>
             <a:r>
               <a:rPr lang="en-US" dirty="0" smtClean="0"/>
-              <a:t> parameters</a:t>
-            </a:r>
+              <a:t>parameters</a:t>
+            </a:r>
+          </a:p>
+          <a:p>
+            <a:r>
+              <a:rPr lang="en-IN" dirty="0" smtClean="0"/>
+              <a:t>Data observations into summaries, stories</a:t>
+            </a:r>
+            <a:endParaRPr lang="en-US" dirty="0" smtClean="0"/>
           </a:p>
           <a:p>
             <a:endParaRPr lang="en-US" dirty="0"/>
@@ -4973,6 +5008,7 @@
           <a:p>
             <a:fld id="{4104BD6A-D98C-43D1-B699-6CD60B7B8EED}" type="slidenum">
               <a:rPr lang="en-US" smtClean="0"/>
+              <a:pPr/>
               <a:t>16</a:t>
             </a:fld>
             <a:endParaRPr lang="en-US"/>
@@ -4982,7 +5018,7 @@
     </p:spTree>
     <p:extLst>
       <p:ext uri="{BB962C8B-B14F-4D97-AF65-F5344CB8AC3E}">
-        <p14:creationId xmlns:p14="http://schemas.microsoft.com/office/powerpoint/2010/main" val="2176742786"/>
+        <p14:creationId xmlns:p14="http://schemas.microsoft.com/office/powerpoint/2010/main" xmlns="" val="2176742786"/>
       </p:ext>
     </p:extLst>
   </p:cSld>
@@ -5056,6 +5092,7 @@
           <a:p>
             <a:fld id="{4104BD6A-D98C-43D1-B699-6CD60B7B8EED}" type="slidenum">
               <a:rPr lang="en-US" smtClean="0"/>
+              <a:pPr/>
               <a:t>17</a:t>
             </a:fld>
             <a:endParaRPr lang="en-US"/>
@@ -5065,7 +5102,7 @@
     </p:spTree>
     <p:extLst>
       <p:ext uri="{BB962C8B-B14F-4D97-AF65-F5344CB8AC3E}">
-        <p14:creationId xmlns:p14="http://schemas.microsoft.com/office/powerpoint/2010/main" val="2431372774"/>
+        <p14:creationId xmlns:p14="http://schemas.microsoft.com/office/powerpoint/2010/main" xmlns="" val="2431372774"/>
       </p:ext>
     </p:extLst>
   </p:cSld>
@@ -5151,6 +5188,7 @@
           <a:p>
             <a:fld id="{4104BD6A-D98C-43D1-B699-6CD60B7B8EED}" type="slidenum">
               <a:rPr lang="en-US" smtClean="0"/>
+              <a:pPr/>
               <a:t>18</a:t>
             </a:fld>
             <a:endParaRPr lang="en-US"/>
@@ -5160,7 +5198,7 @@
     </p:spTree>
     <p:extLst>
       <p:ext uri="{BB962C8B-B14F-4D97-AF65-F5344CB8AC3E}">
-        <p14:creationId xmlns:p14="http://schemas.microsoft.com/office/powerpoint/2010/main" val="4185853894"/>
+        <p14:creationId xmlns:p14="http://schemas.microsoft.com/office/powerpoint/2010/main" xmlns="" val="4185853894"/>
       </p:ext>
     </p:extLst>
   </p:cSld>
@@ -5383,6 +5421,7 @@
           <a:p>
             <a:fld id="{4104BD6A-D98C-43D1-B699-6CD60B7B8EED}" type="slidenum">
               <a:rPr lang="en-US" smtClean="0"/>
+              <a:pPr/>
               <a:t>19</a:t>
             </a:fld>
             <a:endParaRPr lang="en-US"/>
@@ -5444,7 +5483,7 @@
     </p:spTree>
     <p:extLst>
       <p:ext uri="{BB962C8B-B14F-4D97-AF65-F5344CB8AC3E}">
-        <p14:creationId xmlns:p14="http://schemas.microsoft.com/office/powerpoint/2010/main" val="1731746636"/>
+        <p14:creationId xmlns:p14="http://schemas.microsoft.com/office/powerpoint/2010/main" xmlns="" val="1731746636"/>
       </p:ext>
     </p:extLst>
   </p:cSld>
@@ -5518,12 +5557,14 @@
         </p:nvSpPr>
         <p:spPr>
           <a:xfrm>
-            <a:off x="6366742" y="2819911"/>
+            <a:off x="6366742" y="1565863"/>
             <a:ext cx="5553456" cy="2660898"/>
           </a:xfrm>
         </p:spPr>
         <p:txBody>
-          <a:bodyPr/>
+          <a:bodyPr>
+            <a:normAutofit fontScale="92500"/>
+          </a:bodyPr>
           <a:lstStyle/>
           <a:p>
             <a:r>
@@ -5545,16 +5586,8 @@
           </a:p>
           <a:p>
             <a:r>
-              <a:rPr lang="en-US" dirty="0" smtClean="0"/>
-              <a:t>Modern science with classical </a:t>
-            </a:r>
-            <a:r>
-              <a:rPr lang="en-US" dirty="0" err="1" smtClean="0"/>
-              <a:t>shastras</a:t>
-            </a:r>
-            <a:r>
-              <a:rPr lang="en-US" dirty="0" smtClean="0"/>
-              <a:t> – trans disciplinary effort</a:t>
+              <a:rPr lang="en-IN" dirty="0" smtClean="0"/>
+              <a:t>Relationships between biomedical disease classification and ACD ..TRANS-DISCIPLINARY PERSPECTIVES </a:t>
             </a:r>
             <a:endParaRPr lang="en-US" dirty="0"/>
           </a:p>
@@ -5577,6 +5610,7 @@
           <a:p>
             <a:fld id="{4104BD6A-D98C-43D1-B699-6CD60B7B8EED}" type="slidenum">
               <a:rPr lang="en-US" smtClean="0"/>
+              <a:pPr/>
               <a:t>2</a:t>
             </a:fld>
             <a:endParaRPr lang="en-US"/>
@@ -5663,7 +5697,7 @@
         </p:nvSpPr>
         <p:spPr>
           <a:xfrm>
-            <a:off x="5334004" y="4283310"/>
+            <a:off x="5334004" y="2911710"/>
             <a:ext cx="726441" cy="417840"/>
           </a:xfrm>
           <a:prstGeom prst="rightArrow">
@@ -5703,7 +5737,7 @@
     </p:spTree>
     <p:extLst>
       <p:ext uri="{BB962C8B-B14F-4D97-AF65-F5344CB8AC3E}">
-        <p14:creationId xmlns:p14="http://schemas.microsoft.com/office/powerpoint/2010/main" val="1710889091"/>
+        <p14:creationId xmlns:p14="http://schemas.microsoft.com/office/powerpoint/2010/main" xmlns="" val="1710889091"/>
       </p:ext>
     </p:extLst>
   </p:cSld>
@@ -5754,6 +5788,7 @@
           <a:p>
             <a:fld id="{4104BD6A-D98C-43D1-B699-6CD60B7B8EED}" type="slidenum">
               <a:rPr lang="en-US" smtClean="0"/>
+              <a:pPr/>
               <a:t>20</a:t>
             </a:fld>
             <a:endParaRPr lang="en-US"/>
@@ -5933,7 +5968,7 @@
     </p:spTree>
     <p:extLst>
       <p:ext uri="{BB962C8B-B14F-4D97-AF65-F5344CB8AC3E}">
-        <p14:creationId xmlns:p14="http://schemas.microsoft.com/office/powerpoint/2010/main" val="1775469902"/>
+        <p14:creationId xmlns:p14="http://schemas.microsoft.com/office/powerpoint/2010/main" xmlns="" val="1775469902"/>
       </p:ext>
     </p:extLst>
   </p:cSld>
@@ -6149,7 +6184,7 @@
     </p:spTree>
     <p:extLst>
       <p:ext uri="{BB962C8B-B14F-4D97-AF65-F5344CB8AC3E}">
-        <p14:creationId xmlns:p14="http://schemas.microsoft.com/office/powerpoint/2010/main" val="2647183970"/>
+        <p14:creationId xmlns:p14="http://schemas.microsoft.com/office/powerpoint/2010/main" xmlns="" val="2647183970"/>
       </p:ext>
     </p:extLst>
   </p:cSld>
@@ -7469,7 +7504,7 @@
     </p:spTree>
     <p:extLst>
       <p:ext uri="{BB962C8B-B14F-4D97-AF65-F5344CB8AC3E}">
-        <p14:creationId xmlns:p14="http://schemas.microsoft.com/office/powerpoint/2010/main" val="3056790306"/>
+        <p14:creationId xmlns:p14="http://schemas.microsoft.com/office/powerpoint/2010/main" xmlns="" val="3056790306"/>
       </p:ext>
     </p:extLst>
   </p:cSld>
@@ -7549,8 +7584,16 @@
           <a:lstStyle/>
           <a:p>
             <a:r>
+              <a:rPr lang="en-IN" sz="2400" dirty="0" smtClean="0"/>
+              <a:t>Reasonably</a:t>
+            </a:r>
+            <a:r>
+              <a:rPr lang="en-US" sz="2400" dirty="0" smtClean="0"/>
+              <a:t> </a:t>
+            </a:r>
+            <a:r>
               <a:rPr lang="en-US" sz="2400" dirty="0"/>
-              <a:t>One of the largest Ayurvedic electronic databases operational since 2010</a:t>
+              <a:t>Ayurvedic electronic databases operational since 2010</a:t>
             </a:r>
           </a:p>
           <a:p>
@@ -7633,6 +7676,7 @@
           <a:p>
             <a:fld id="{4104BD6A-D98C-43D1-B699-6CD60B7B8EED}" type="slidenum">
               <a:rPr lang="en-US" smtClean="0"/>
+              <a:pPr/>
               <a:t>3</a:t>
             </a:fld>
             <a:endParaRPr lang="en-US"/>
@@ -7642,7 +7686,7 @@
     </p:spTree>
     <p:extLst>
       <p:ext uri="{BB962C8B-B14F-4D97-AF65-F5344CB8AC3E}">
-        <p14:creationId xmlns:p14="http://schemas.microsoft.com/office/powerpoint/2010/main" val="1110719080"/>
+        <p14:creationId xmlns:p14="http://schemas.microsoft.com/office/powerpoint/2010/main" xmlns="" val="1110719080"/>
       </p:ext>
     </p:extLst>
   </p:cSld>
@@ -7744,6 +7788,7 @@
           <a:p>
             <a:fld id="{4104BD6A-D98C-43D1-B699-6CD60B7B8EED}" type="slidenum">
               <a:rPr lang="en-US" smtClean="0"/>
+              <a:pPr/>
               <a:t>4</a:t>
             </a:fld>
             <a:endParaRPr lang="en-US"/>
@@ -7753,7 +7798,7 @@
     </p:spTree>
     <p:extLst>
       <p:ext uri="{BB962C8B-B14F-4D97-AF65-F5344CB8AC3E}">
-        <p14:creationId xmlns:p14="http://schemas.microsoft.com/office/powerpoint/2010/main" val="1349982035"/>
+        <p14:creationId xmlns:p14="http://schemas.microsoft.com/office/powerpoint/2010/main" xmlns="" val="1349982035"/>
       </p:ext>
     </p:extLst>
   </p:cSld>
@@ -8239,6 +8284,7 @@
           <a:p>
             <a:fld id="{4104BD6A-D98C-43D1-B699-6CD60B7B8EED}" type="slidenum">
               <a:rPr lang="en-US" smtClean="0"/>
+              <a:pPr/>
               <a:t>5</a:t>
             </a:fld>
             <a:endParaRPr lang="en-US"/>
@@ -8248,7 +8294,7 @@
     </p:spTree>
     <p:extLst>
       <p:ext uri="{BB962C8B-B14F-4D97-AF65-F5344CB8AC3E}">
-        <p14:creationId xmlns:p14="http://schemas.microsoft.com/office/powerpoint/2010/main" val="485579295"/>
+        <p14:creationId xmlns:p14="http://schemas.microsoft.com/office/powerpoint/2010/main" xmlns="" val="485579295"/>
       </p:ext>
     </p:extLst>
   </p:cSld>
@@ -8398,6 +8444,7 @@
           <a:p>
             <a:fld id="{4104BD6A-D98C-43D1-B699-6CD60B7B8EED}" type="slidenum">
               <a:rPr lang="en-US" smtClean="0"/>
+              <a:pPr/>
               <a:t>6</a:t>
             </a:fld>
             <a:endParaRPr lang="en-US"/>
@@ -8447,7 +8494,7 @@
     </p:spTree>
     <p:extLst>
       <p:ext uri="{BB962C8B-B14F-4D97-AF65-F5344CB8AC3E}">
-        <p14:creationId xmlns:p14="http://schemas.microsoft.com/office/powerpoint/2010/main" val="55062268"/>
+        <p14:creationId xmlns:p14="http://schemas.microsoft.com/office/powerpoint/2010/main" xmlns="" val="55062268"/>
       </p:ext>
     </p:extLst>
   </p:cSld>
@@ -8784,6 +8831,7 @@
           <a:p>
             <a:fld id="{4104BD6A-D98C-43D1-B699-6CD60B7B8EED}" type="slidenum">
               <a:rPr lang="en-US" smtClean="0"/>
+              <a:pPr/>
               <a:t>7</a:t>
             </a:fld>
             <a:endParaRPr lang="en-US"/>
@@ -8793,7 +8841,7 @@
     </p:spTree>
     <p:extLst>
       <p:ext uri="{BB962C8B-B14F-4D97-AF65-F5344CB8AC3E}">
-        <p14:creationId xmlns:p14="http://schemas.microsoft.com/office/powerpoint/2010/main" val="147361184"/>
+        <p14:creationId xmlns:p14="http://schemas.microsoft.com/office/powerpoint/2010/main" xmlns="" val="147361184"/>
       </p:ext>
     </p:extLst>
   </p:cSld>
@@ -8844,6 +8892,7 @@
           <a:p>
             <a:fld id="{4104BD6A-D98C-43D1-B699-6CD60B7B8EED}" type="slidenum">
               <a:rPr lang="en-US" smtClean="0"/>
+              <a:pPr/>
               <a:t>8</a:t>
             </a:fld>
             <a:endParaRPr lang="en-US"/>
@@ -8957,7 +9006,7 @@
     </p:spTree>
     <p:extLst>
       <p:ext uri="{BB962C8B-B14F-4D97-AF65-F5344CB8AC3E}">
-        <p14:creationId xmlns:p14="http://schemas.microsoft.com/office/powerpoint/2010/main" val="621725748"/>
+        <p14:creationId xmlns:p14="http://schemas.microsoft.com/office/powerpoint/2010/main" xmlns="" val="621725748"/>
       </p:ext>
     </p:extLst>
   </p:cSld>
@@ -9020,6 +9069,7 @@
           <a:p>
             <a:fld id="{4104BD6A-D98C-43D1-B699-6CD60B7B8EED}" type="slidenum">
               <a:rPr lang="en-US" smtClean="0"/>
+              <a:pPr/>
               <a:t>9</a:t>
             </a:fld>
             <a:endParaRPr lang="en-US"/>
@@ -9098,7 +9148,7 @@
     </p:spTree>
     <p:extLst>
       <p:ext uri="{BB962C8B-B14F-4D97-AF65-F5344CB8AC3E}">
-        <p14:creationId xmlns:p14="http://schemas.microsoft.com/office/powerpoint/2010/main" val="2786075549"/>
+        <p14:creationId xmlns:p14="http://schemas.microsoft.com/office/powerpoint/2010/main" xmlns="" val="2786075549"/>
       </p:ext>
     </p:extLst>
   </p:cSld>
@@ -9151,7 +9201,7 @@
     </a:clrScheme>
     <a:fontScheme name="Office">
       <a:majorFont>
-        <a:latin typeface="Calibri Light" panose="020F0302020204030204"/>
+        <a:latin typeface="Calibri Light"/>
         <a:ea typeface=""/>
         <a:cs typeface=""/>
         <a:font script="Jpan" typeface="游ゴシック Light"/>
@@ -9186,7 +9236,7 @@
         <a:font script="Geor" typeface="Sylfaen"/>
       </a:majorFont>
       <a:minorFont>
-        <a:latin typeface="Calibri" panose="020F0502020204030204"/>
+        <a:latin typeface="Calibri"/>
         <a:ea typeface=""/>
         <a:cs typeface=""/>
         <a:font script="Jpan" typeface="游ゴシック"/>
@@ -9363,7 +9413,7 @@
   <a:extraClrSchemeLst/>
   <a:extLst>
     <a:ext uri="{05A4C25C-085E-4340-85A3-A5531E510DB2}">
-      <thm15:themeFamily xmlns:thm15="http://schemas.microsoft.com/office/thememl/2012/main" name="Office Theme" id="{62F939B6-93AF-4DB8-9C6B-D6C7DFDC589F}" vid="{4A3C46E8-61CC-4603-A589-7422A47A8E4A}"/>
+      <thm15:themeFamily xmlns:thm15="http://schemas.microsoft.com/office/thememl/2012/main" xmlns="" name="Office Theme" id="{62F939B6-93AF-4DB8-9C6B-D6C7DFDC589F}" vid="{4A3C46E8-61CC-4603-A589-7422A47A8E4A}"/>
     </a:ext>
   </a:extLst>
 </a:theme>
@@ -9412,7 +9462,7 @@
     </a:clrScheme>
     <a:fontScheme name="Office">
       <a:majorFont>
-        <a:latin typeface="Calibri Light" panose="020F0302020204030204"/>
+        <a:latin typeface="Calibri Light"/>
         <a:ea typeface=""/>
         <a:cs typeface=""/>
         <a:font script="Jpan" typeface="游ゴシック Light"/>
@@ -9447,7 +9497,7 @@
         <a:font script="Geor" typeface="Sylfaen"/>
       </a:majorFont>
       <a:minorFont>
-        <a:latin typeface="Calibri" panose="020F0502020204030204"/>
+        <a:latin typeface="Calibri"/>
         <a:ea typeface=""/>
         <a:cs typeface=""/>
         <a:font script="Jpan" typeface="游ゴシック"/>
@@ -9624,7 +9674,7 @@
   <a:extraClrSchemeLst/>
   <a:extLst>
     <a:ext uri="{05A4C25C-085E-4340-85A3-A5531E510DB2}">
-      <thm15:themeFamily xmlns:thm15="http://schemas.microsoft.com/office/thememl/2012/main" name="Office Theme" id="{62F939B6-93AF-4DB8-9C6B-D6C7DFDC589F}" vid="{4A3C46E8-61CC-4603-A589-7422A47A8E4A}"/>
+      <thm15:themeFamily xmlns:thm15="http://schemas.microsoft.com/office/thememl/2012/main" xmlns="" name="Office Theme" id="{62F939B6-93AF-4DB8-9C6B-D6C7DFDC589F}" vid="{4A3C46E8-61CC-4603-A589-7422A47A8E4A}"/>
     </a:ext>
   </a:extLst>
 </a:theme>

--- a/thesis/Pune-Nov2019/01AYUSH-Pune-Nov2019.pptx
+++ b/thesis/Pune-Nov2019/01AYUSH-Pune-Nov2019.pptx
@@ -130,7 +130,18 @@
   </p:defaultTextStyle>
   <p:extLst>
     <p:ext uri="{EFAFB233-063F-42B5-8137-9DF3F51BA10A}">
-      <p15:sldGuideLst xmlns:p15="http://schemas.microsoft.com/office/powerpoint/2012/main" xmlns=""/>
+      <p15:sldGuideLst xmlns:p15="http://schemas.microsoft.com/office/powerpoint/2012/main">
+        <p15:guide id="1" orient="horz" pos="2160">
+          <p15:clr>
+            <a:srgbClr val="A4A3A4"/>
+          </p15:clr>
+        </p15:guide>
+        <p15:guide id="2" pos="3840">
+          <p15:clr>
+            <a:srgbClr val="A4A3A4"/>
+          </p15:clr>
+        </p15:guide>
+      </p15:sldGuideLst>
     </p:ext>
   </p:extLst>
 </p:presentation>
@@ -219,7 +230,7 @@
             <a:fld id="{681A1570-8B4F-40FF-A64D-0FD58D8CAB60}" type="datetimeFigureOut">
               <a:rPr lang="en-US" smtClean="0"/>
               <a:pPr/>
-              <a:t>10/28/2019</a:t>
+              <a:t>10/29/2019</a:t>
             </a:fld>
             <a:endParaRPr lang="en-US"/>
           </a:p>
@@ -388,7 +399,7 @@
     </p:spTree>
     <p:extLst>
       <p:ext uri="{BB962C8B-B14F-4D97-AF65-F5344CB8AC3E}">
-        <p14:creationId xmlns:p14="http://schemas.microsoft.com/office/powerpoint/2010/main" xmlns="" val="2792802383"/>
+        <p14:creationId xmlns:p14="http://schemas.microsoft.com/office/powerpoint/2010/main" val="2792802383"/>
       </p:ext>
     </p:extLst>
   </p:cSld>
@@ -620,7 +631,7 @@
             <a:fld id="{F8BAA029-644C-48F0-A984-5BCFA9A87740}" type="datetime1">
               <a:rPr lang="en-US" smtClean="0"/>
               <a:pPr/>
-              <a:t>10/28/2019</a:t>
+              <a:t>10/29/2019</a:t>
             </a:fld>
             <a:endParaRPr lang="en-US"/>
           </a:p>
@@ -705,7 +716,7 @@
     </p:spTree>
     <p:extLst>
       <p:ext uri="{BB962C8B-B14F-4D97-AF65-F5344CB8AC3E}">
-        <p14:creationId xmlns:p14="http://schemas.microsoft.com/office/powerpoint/2010/main" xmlns="" val="296662870"/>
+        <p14:creationId xmlns:p14="http://schemas.microsoft.com/office/powerpoint/2010/main" val="296662870"/>
       </p:ext>
     </p:extLst>
   </p:cSld>
@@ -832,7 +843,7 @@
             <a:fld id="{5D7520C7-DF4D-4D4B-AE8A-5AE562C3DEE5}" type="datetime1">
               <a:rPr lang="en-US" smtClean="0"/>
               <a:pPr/>
-              <a:t>10/28/2019</a:t>
+              <a:t>10/29/2019</a:t>
             </a:fld>
             <a:endParaRPr lang="en-US"/>
           </a:p>
@@ -884,7 +895,7 @@
     </p:spTree>
     <p:extLst>
       <p:ext uri="{BB962C8B-B14F-4D97-AF65-F5344CB8AC3E}">
-        <p14:creationId xmlns:p14="http://schemas.microsoft.com/office/powerpoint/2010/main" xmlns="" val="3175789315"/>
+        <p14:creationId xmlns:p14="http://schemas.microsoft.com/office/powerpoint/2010/main" val="3175789315"/>
       </p:ext>
     </p:extLst>
   </p:cSld>
@@ -1014,7 +1025,7 @@
             <a:fld id="{1720A6F4-0DBB-4481-988F-24EA765DFCC7}" type="datetime1">
               <a:rPr lang="en-US" smtClean="0"/>
               <a:pPr/>
-              <a:t>10/28/2019</a:t>
+              <a:t>10/29/2019</a:t>
             </a:fld>
             <a:endParaRPr lang="en-US"/>
           </a:p>
@@ -1066,7 +1077,7 @@
     </p:spTree>
     <p:extLst>
       <p:ext uri="{BB962C8B-B14F-4D97-AF65-F5344CB8AC3E}">
-        <p14:creationId xmlns:p14="http://schemas.microsoft.com/office/powerpoint/2010/main" xmlns="" val="3364241540"/>
+        <p14:creationId xmlns:p14="http://schemas.microsoft.com/office/powerpoint/2010/main" val="3364241540"/>
       </p:ext>
     </p:extLst>
   </p:cSld>
@@ -1193,7 +1204,7 @@
             <a:fld id="{A9F411BC-123B-4F79-A0B7-388FA5C3D902}" type="datetime1">
               <a:rPr lang="en-US" smtClean="0"/>
               <a:pPr/>
-              <a:t>10/28/2019</a:t>
+              <a:t>10/29/2019</a:t>
             </a:fld>
             <a:endParaRPr lang="en-US"/>
           </a:p>
@@ -1278,7 +1289,7 @@
     </p:spTree>
     <p:extLst>
       <p:ext uri="{BB962C8B-B14F-4D97-AF65-F5344CB8AC3E}">
-        <p14:creationId xmlns:p14="http://schemas.microsoft.com/office/powerpoint/2010/main" xmlns="" val="4170085039"/>
+        <p14:creationId xmlns:p14="http://schemas.microsoft.com/office/powerpoint/2010/main" val="4170085039"/>
       </p:ext>
     </p:extLst>
   </p:cSld>
@@ -1481,7 +1492,7 @@
             <a:fld id="{820F71C1-1323-4CE2-A487-94F2BD939211}" type="datetime1">
               <a:rPr lang="en-US" smtClean="0"/>
               <a:pPr/>
-              <a:t>10/28/2019</a:t>
+              <a:t>10/29/2019</a:t>
             </a:fld>
             <a:endParaRPr lang="en-US"/>
           </a:p>
@@ -1566,7 +1577,7 @@
     </p:spTree>
     <p:extLst>
       <p:ext uri="{BB962C8B-B14F-4D97-AF65-F5344CB8AC3E}">
-        <p14:creationId xmlns:p14="http://schemas.microsoft.com/office/powerpoint/2010/main" xmlns="" val="1857255340"/>
+        <p14:creationId xmlns:p14="http://schemas.microsoft.com/office/powerpoint/2010/main" val="1857255340"/>
       </p:ext>
     </p:extLst>
   </p:cSld>
@@ -1755,7 +1766,7 @@
             <a:fld id="{0B8D3A63-453E-424C-B6E5-00CAD8E7F970}" type="datetime1">
               <a:rPr lang="en-US" smtClean="0"/>
               <a:pPr/>
-              <a:t>10/28/2019</a:t>
+              <a:t>10/29/2019</a:t>
             </a:fld>
             <a:endParaRPr lang="en-US"/>
           </a:p>
@@ -1807,7 +1818,7 @@
     </p:spTree>
     <p:extLst>
       <p:ext uri="{BB962C8B-B14F-4D97-AF65-F5344CB8AC3E}">
-        <p14:creationId xmlns:p14="http://schemas.microsoft.com/office/powerpoint/2010/main" xmlns="" val="2807239930"/>
+        <p14:creationId xmlns:p14="http://schemas.microsoft.com/office/powerpoint/2010/main" val="2807239930"/>
       </p:ext>
     </p:extLst>
   </p:cSld>
@@ -2124,7 +2135,7 @@
             <a:fld id="{7BAC8C14-5A42-4923-B508-3AFCA50ACEDD}" type="datetime1">
               <a:rPr lang="en-US" smtClean="0"/>
               <a:pPr/>
-              <a:t>10/28/2019</a:t>
+              <a:t>10/29/2019</a:t>
             </a:fld>
             <a:endParaRPr lang="en-US"/>
           </a:p>
@@ -2176,7 +2187,7 @@
     </p:spTree>
     <p:extLst>
       <p:ext uri="{BB962C8B-B14F-4D97-AF65-F5344CB8AC3E}">
-        <p14:creationId xmlns:p14="http://schemas.microsoft.com/office/powerpoint/2010/main" xmlns="" val="3384694331"/>
+        <p14:creationId xmlns:p14="http://schemas.microsoft.com/office/powerpoint/2010/main" val="3384694331"/>
       </p:ext>
     </p:extLst>
   </p:cSld>
@@ -2244,7 +2255,7 @@
             <a:fld id="{9A3E6AF5-B2B3-4094-B5B6-0DCE5A481B82}" type="datetime1">
               <a:rPr lang="en-US" smtClean="0"/>
               <a:pPr/>
-              <a:t>10/28/2019</a:t>
+              <a:t>10/29/2019</a:t>
             </a:fld>
             <a:endParaRPr lang="en-US"/>
           </a:p>
@@ -2296,7 +2307,7 @@
     </p:spTree>
     <p:extLst>
       <p:ext uri="{BB962C8B-B14F-4D97-AF65-F5344CB8AC3E}">
-        <p14:creationId xmlns:p14="http://schemas.microsoft.com/office/powerpoint/2010/main" xmlns="" val="4212878482"/>
+        <p14:creationId xmlns:p14="http://schemas.microsoft.com/office/powerpoint/2010/main" val="4212878482"/>
       </p:ext>
     </p:extLst>
   </p:cSld>
@@ -2341,7 +2352,7 @@
             <a:fld id="{B35ED67F-0F60-47B1-B009-F4A0F1F8E451}" type="datetime1">
               <a:rPr lang="en-US" smtClean="0"/>
               <a:pPr/>
-              <a:t>10/28/2019</a:t>
+              <a:t>10/29/2019</a:t>
             </a:fld>
             <a:endParaRPr lang="en-US"/>
           </a:p>
@@ -2393,7 +2404,7 @@
     </p:spTree>
     <p:extLst>
       <p:ext uri="{BB962C8B-B14F-4D97-AF65-F5344CB8AC3E}">
-        <p14:creationId xmlns:p14="http://schemas.microsoft.com/office/powerpoint/2010/main" xmlns="" val="4269922649"/>
+        <p14:creationId xmlns:p14="http://schemas.microsoft.com/office/powerpoint/2010/main" val="4269922649"/>
       </p:ext>
     </p:extLst>
   </p:cSld>
@@ -2620,7 +2631,7 @@
             <a:fld id="{E764AE53-B17C-4BCC-BDA1-B3947D9CDA78}" type="datetime1">
               <a:rPr lang="en-US" smtClean="0"/>
               <a:pPr/>
-              <a:t>10/28/2019</a:t>
+              <a:t>10/29/2019</a:t>
             </a:fld>
             <a:endParaRPr lang="en-US"/>
           </a:p>
@@ -2672,7 +2683,7 @@
     </p:spTree>
     <p:extLst>
       <p:ext uri="{BB962C8B-B14F-4D97-AF65-F5344CB8AC3E}">
-        <p14:creationId xmlns:p14="http://schemas.microsoft.com/office/powerpoint/2010/main" xmlns="" val="3857508963"/>
+        <p14:creationId xmlns:p14="http://schemas.microsoft.com/office/powerpoint/2010/main" val="3857508963"/>
       </p:ext>
     </p:extLst>
   </p:cSld>
@@ -2875,7 +2886,7 @@
             <a:fld id="{5E05EAE7-FDC3-460B-85F4-97CD647EBE43}" type="datetime1">
               <a:rPr lang="en-US" smtClean="0"/>
               <a:pPr/>
-              <a:t>10/28/2019</a:t>
+              <a:t>10/29/2019</a:t>
             </a:fld>
             <a:endParaRPr lang="en-US"/>
           </a:p>
@@ -2927,7 +2938,7 @@
     </p:spTree>
     <p:extLst>
       <p:ext uri="{BB962C8B-B14F-4D97-AF65-F5344CB8AC3E}">
-        <p14:creationId xmlns:p14="http://schemas.microsoft.com/office/powerpoint/2010/main" xmlns="" val="1053963573"/>
+        <p14:creationId xmlns:p14="http://schemas.microsoft.com/office/powerpoint/2010/main" val="1053963573"/>
       </p:ext>
     </p:extLst>
   </p:cSld>
@@ -3090,7 +3101,7 @@
             <a:fld id="{DB67F73D-1744-4172-9A87-DA5B05290188}" type="datetime1">
               <a:rPr lang="en-US" smtClean="0"/>
               <a:pPr/>
-              <a:t>10/28/2019</a:t>
+              <a:t>10/29/2019</a:t>
             </a:fld>
             <a:endParaRPr lang="en-US"/>
           </a:p>
@@ -3178,7 +3189,7 @@
     </p:spTree>
     <p:extLst>
       <p:ext uri="{BB962C8B-B14F-4D97-AF65-F5344CB8AC3E}">
-        <p14:creationId xmlns:p14="http://schemas.microsoft.com/office/powerpoint/2010/main" xmlns="" val="3311370298"/>
+        <p14:creationId xmlns:p14="http://schemas.microsoft.com/office/powerpoint/2010/main" val="3311370298"/>
       </p:ext>
     </p:extLst>
   </p:cSld>
@@ -3633,7 +3644,7 @@
     </p:spTree>
     <p:extLst>
       <p:ext uri="{BB962C8B-B14F-4D97-AF65-F5344CB8AC3E}">
-        <p14:creationId xmlns:p14="http://schemas.microsoft.com/office/powerpoint/2010/main" xmlns="" val="1887554882"/>
+        <p14:creationId xmlns:p14="http://schemas.microsoft.com/office/powerpoint/2010/main" val="1887554882"/>
       </p:ext>
     </p:extLst>
   </p:cSld>
@@ -3892,7 +3903,7 @@
     </p:spTree>
     <p:extLst>
       <p:ext uri="{BB962C8B-B14F-4D97-AF65-F5344CB8AC3E}">
-        <p14:creationId xmlns:p14="http://schemas.microsoft.com/office/powerpoint/2010/main" xmlns="" val="1211721390"/>
+        <p14:creationId xmlns:p14="http://schemas.microsoft.com/office/powerpoint/2010/main" val="1211721390"/>
       </p:ext>
     </p:extLst>
   </p:cSld>
@@ -4149,7 +4160,7 @@
     </p:spTree>
     <p:extLst>
       <p:ext uri="{BB962C8B-B14F-4D97-AF65-F5344CB8AC3E}">
-        <p14:creationId xmlns:p14="http://schemas.microsoft.com/office/powerpoint/2010/main" xmlns="" val="2313778932"/>
+        <p14:creationId xmlns:p14="http://schemas.microsoft.com/office/powerpoint/2010/main" val="2313778932"/>
       </p:ext>
     </p:extLst>
   </p:cSld>
@@ -4219,8 +4230,8 @@
         </p:blipFill>
         <p:spPr bwMode="auto">
           <a:xfrm>
-            <a:off x="315159" y="688278"/>
-            <a:ext cx="7739489" cy="4351338"/>
+            <a:off x="315159" y="688279"/>
+            <a:ext cx="6504762" cy="3657143"/>
           </a:xfrm>
           <a:prstGeom prst="rect">
             <a:avLst/>
@@ -4380,10 +4391,34 @@
           </a:p>
         </p:txBody>
       </p:sp>
+      <p:pic>
+        <p:nvPicPr>
+          <p:cNvPr id="10" name="Picture 9"/>
+          <p:cNvPicPr>
+            <a:picLocks noChangeAspect="1"/>
+          </p:cNvPicPr>
+          <p:nvPr/>
+        </p:nvPicPr>
+        <p:blipFill>
+          <a:blip r:embed="rId3"/>
+          <a:stretch>
+            <a:fillRect/>
+          </a:stretch>
+        </p:blipFill>
+        <p:spPr>
+          <a:xfrm>
+            <a:off x="5389435" y="3017605"/>
+            <a:ext cx="6653213" cy="3795713"/>
+          </a:xfrm>
+          <a:prstGeom prst="rect">
+            <a:avLst/>
+          </a:prstGeom>
+        </p:spPr>
+      </p:pic>
     </p:spTree>
     <p:extLst>
       <p:ext uri="{BB962C8B-B14F-4D97-AF65-F5344CB8AC3E}">
-        <p14:creationId xmlns:p14="http://schemas.microsoft.com/office/powerpoint/2010/main" xmlns="" val="3182335127"/>
+        <p14:creationId xmlns:p14="http://schemas.microsoft.com/office/powerpoint/2010/main" val="3182335127"/>
       </p:ext>
     </p:extLst>
   </p:cSld>
@@ -4549,7 +4584,7 @@
     </p:spTree>
     <p:extLst>
       <p:ext uri="{BB962C8B-B14F-4D97-AF65-F5344CB8AC3E}">
-        <p14:creationId xmlns:p14="http://schemas.microsoft.com/office/powerpoint/2010/main" xmlns="" val="86045054"/>
+        <p14:creationId xmlns:p14="http://schemas.microsoft.com/office/powerpoint/2010/main" val="86045054"/>
       </p:ext>
     </p:extLst>
   </p:cSld>
@@ -4639,7 +4674,7 @@
     </p:spTree>
     <p:extLst>
       <p:ext uri="{BB962C8B-B14F-4D97-AF65-F5344CB8AC3E}">
-        <p14:creationId xmlns:p14="http://schemas.microsoft.com/office/powerpoint/2010/main" xmlns="" val="3743373227"/>
+        <p14:creationId xmlns:p14="http://schemas.microsoft.com/office/powerpoint/2010/main" val="3743373227"/>
       </p:ext>
     </p:extLst>
   </p:cSld>
@@ -4714,7 +4749,7 @@
           <a:blip r:embed="rId2">
             <a:extLst>
               <a:ext uri="{28A0092B-C50C-407E-A947-70E740481C1C}">
-                <a14:useLocalDpi xmlns:a14="http://schemas.microsoft.com/office/drawing/2010/main" xmlns="" val="0"/>
+                <a14:useLocalDpi xmlns:a14="http://schemas.microsoft.com/office/drawing/2010/main" val="0"/>
               </a:ext>
             </a:extLst>
           </a:blip>
@@ -4737,14 +4772,14 @@
           </a:ln>
           <a:extLst>
             <a:ext uri="{909E8E84-426E-40DD-AFC4-6F175D3DCCD1}">
-              <a14:hiddenFill xmlns:a14="http://schemas.microsoft.com/office/drawing/2010/main" xmlns="">
+              <a14:hiddenFill xmlns:a14="http://schemas.microsoft.com/office/drawing/2010/main">
                 <a:solidFill>
                   <a:schemeClr val="accent1"/>
                 </a:solidFill>
               </a14:hiddenFill>
             </a:ext>
             <a:ext uri="{91240B29-F687-4F45-9708-019B960494DF}">
-              <a14:hiddenLine xmlns:a14="http://schemas.microsoft.com/office/drawing/2010/main" xmlns="" w="9525">
+              <a14:hiddenLine xmlns:a14="http://schemas.microsoft.com/office/drawing/2010/main" w="9525">
                 <a:solidFill>
                   <a:schemeClr val="tx1"/>
                 </a:solidFill>
@@ -4812,7 +4847,7 @@
     </p:spTree>
     <p:extLst>
       <p:ext uri="{BB962C8B-B14F-4D97-AF65-F5344CB8AC3E}">
-        <p14:creationId xmlns:p14="http://schemas.microsoft.com/office/powerpoint/2010/main" xmlns="" val="3242138827"/>
+        <p14:creationId xmlns:p14="http://schemas.microsoft.com/office/powerpoint/2010/main" val="3242138827"/>
       </p:ext>
     </p:extLst>
   </p:cSld>
@@ -4972,11 +5007,7 @@
             <a:pPr lvl="1"/>
             <a:r>
               <a:rPr lang="en-US" dirty="0" smtClean="0"/>
-              <a:t>Credible and robust estimates at India level for ayurvedic </a:t>
-            </a:r>
-            <a:r>
-              <a:rPr lang="en-US" dirty="0" smtClean="0"/>
-              <a:t>parameters</a:t>
+              <a:t>Credible and robust estimates at India level for ayurvedic parameters</a:t>
             </a:r>
           </a:p>
           <a:p>
@@ -5018,7 +5049,7 @@
     </p:spTree>
     <p:extLst>
       <p:ext uri="{BB962C8B-B14F-4D97-AF65-F5344CB8AC3E}">
-        <p14:creationId xmlns:p14="http://schemas.microsoft.com/office/powerpoint/2010/main" xmlns="" val="2176742786"/>
+        <p14:creationId xmlns:p14="http://schemas.microsoft.com/office/powerpoint/2010/main" val="2176742786"/>
       </p:ext>
     </p:extLst>
   </p:cSld>
@@ -5102,7 +5133,7 @@
     </p:spTree>
     <p:extLst>
       <p:ext uri="{BB962C8B-B14F-4D97-AF65-F5344CB8AC3E}">
-        <p14:creationId xmlns:p14="http://schemas.microsoft.com/office/powerpoint/2010/main" xmlns="" val="2431372774"/>
+        <p14:creationId xmlns:p14="http://schemas.microsoft.com/office/powerpoint/2010/main" val="2431372774"/>
       </p:ext>
     </p:extLst>
   </p:cSld>
@@ -5198,7 +5229,7 @@
     </p:spTree>
     <p:extLst>
       <p:ext uri="{BB962C8B-B14F-4D97-AF65-F5344CB8AC3E}">
-        <p14:creationId xmlns:p14="http://schemas.microsoft.com/office/powerpoint/2010/main" xmlns="" val="4185853894"/>
+        <p14:creationId xmlns:p14="http://schemas.microsoft.com/office/powerpoint/2010/main" val="4185853894"/>
       </p:ext>
     </p:extLst>
   </p:cSld>
@@ -5483,7 +5514,7 @@
     </p:spTree>
     <p:extLst>
       <p:ext uri="{BB962C8B-B14F-4D97-AF65-F5344CB8AC3E}">
-        <p14:creationId xmlns:p14="http://schemas.microsoft.com/office/powerpoint/2010/main" xmlns="" val="1731746636"/>
+        <p14:creationId xmlns:p14="http://schemas.microsoft.com/office/powerpoint/2010/main" val="1731746636"/>
       </p:ext>
     </p:extLst>
   </p:cSld>
@@ -5737,7 +5768,7 @@
     </p:spTree>
     <p:extLst>
       <p:ext uri="{BB962C8B-B14F-4D97-AF65-F5344CB8AC3E}">
-        <p14:creationId xmlns:p14="http://schemas.microsoft.com/office/powerpoint/2010/main" xmlns="" val="1710889091"/>
+        <p14:creationId xmlns:p14="http://schemas.microsoft.com/office/powerpoint/2010/main" val="1710889091"/>
       </p:ext>
     </p:extLst>
   </p:cSld>
@@ -5968,7 +5999,7 @@
     </p:spTree>
     <p:extLst>
       <p:ext uri="{BB962C8B-B14F-4D97-AF65-F5344CB8AC3E}">
-        <p14:creationId xmlns:p14="http://schemas.microsoft.com/office/powerpoint/2010/main" xmlns="" val="1775469902"/>
+        <p14:creationId xmlns:p14="http://schemas.microsoft.com/office/powerpoint/2010/main" val="1775469902"/>
       </p:ext>
     </p:extLst>
   </p:cSld>
@@ -6184,7 +6215,7 @@
     </p:spTree>
     <p:extLst>
       <p:ext uri="{BB962C8B-B14F-4D97-AF65-F5344CB8AC3E}">
-        <p14:creationId xmlns:p14="http://schemas.microsoft.com/office/powerpoint/2010/main" xmlns="" val="2647183970"/>
+        <p14:creationId xmlns:p14="http://schemas.microsoft.com/office/powerpoint/2010/main" val="2647183970"/>
       </p:ext>
     </p:extLst>
   </p:cSld>
@@ -7504,7 +7535,7 @@
     </p:spTree>
     <p:extLst>
       <p:ext uri="{BB962C8B-B14F-4D97-AF65-F5344CB8AC3E}">
-        <p14:creationId xmlns:p14="http://schemas.microsoft.com/office/powerpoint/2010/main" xmlns="" val="3056790306"/>
+        <p14:creationId xmlns:p14="http://schemas.microsoft.com/office/powerpoint/2010/main" val="3056790306"/>
       </p:ext>
     </p:extLst>
   </p:cSld>
@@ -7686,7 +7717,7 @@
     </p:spTree>
     <p:extLst>
       <p:ext uri="{BB962C8B-B14F-4D97-AF65-F5344CB8AC3E}">
-        <p14:creationId xmlns:p14="http://schemas.microsoft.com/office/powerpoint/2010/main" xmlns="" val="1110719080"/>
+        <p14:creationId xmlns:p14="http://schemas.microsoft.com/office/powerpoint/2010/main" val="1110719080"/>
       </p:ext>
     </p:extLst>
   </p:cSld>
@@ -7798,7 +7829,7 @@
     </p:spTree>
     <p:extLst>
       <p:ext uri="{BB962C8B-B14F-4D97-AF65-F5344CB8AC3E}">
-        <p14:creationId xmlns:p14="http://schemas.microsoft.com/office/powerpoint/2010/main" xmlns="" val="1349982035"/>
+        <p14:creationId xmlns:p14="http://schemas.microsoft.com/office/powerpoint/2010/main" val="1349982035"/>
       </p:ext>
     </p:extLst>
   </p:cSld>
@@ -8294,7 +8325,7 @@
     </p:spTree>
     <p:extLst>
       <p:ext uri="{BB962C8B-B14F-4D97-AF65-F5344CB8AC3E}">
-        <p14:creationId xmlns:p14="http://schemas.microsoft.com/office/powerpoint/2010/main" xmlns="" val="485579295"/>
+        <p14:creationId xmlns:p14="http://schemas.microsoft.com/office/powerpoint/2010/main" val="485579295"/>
       </p:ext>
     </p:extLst>
   </p:cSld>
@@ -8494,7 +8525,7 @@
     </p:spTree>
     <p:extLst>
       <p:ext uri="{BB962C8B-B14F-4D97-AF65-F5344CB8AC3E}">
-        <p14:creationId xmlns:p14="http://schemas.microsoft.com/office/powerpoint/2010/main" xmlns="" val="55062268"/>
+        <p14:creationId xmlns:p14="http://schemas.microsoft.com/office/powerpoint/2010/main" val="55062268"/>
       </p:ext>
     </p:extLst>
   </p:cSld>
@@ -8841,7 +8872,7 @@
     </p:spTree>
     <p:extLst>
       <p:ext uri="{BB962C8B-B14F-4D97-AF65-F5344CB8AC3E}">
-        <p14:creationId xmlns:p14="http://schemas.microsoft.com/office/powerpoint/2010/main" xmlns="" val="147361184"/>
+        <p14:creationId xmlns:p14="http://schemas.microsoft.com/office/powerpoint/2010/main" val="147361184"/>
       </p:ext>
     </p:extLst>
   </p:cSld>
@@ -9006,7 +9037,7 @@
     </p:spTree>
     <p:extLst>
       <p:ext uri="{BB962C8B-B14F-4D97-AF65-F5344CB8AC3E}">
-        <p14:creationId xmlns:p14="http://schemas.microsoft.com/office/powerpoint/2010/main" xmlns="" val="621725748"/>
+        <p14:creationId xmlns:p14="http://schemas.microsoft.com/office/powerpoint/2010/main" val="621725748"/>
       </p:ext>
     </p:extLst>
   </p:cSld>
@@ -9148,7 +9179,7 @@
     </p:spTree>
     <p:extLst>
       <p:ext uri="{BB962C8B-B14F-4D97-AF65-F5344CB8AC3E}">
-        <p14:creationId xmlns:p14="http://schemas.microsoft.com/office/powerpoint/2010/main" xmlns="" val="2786075549"/>
+        <p14:creationId xmlns:p14="http://schemas.microsoft.com/office/powerpoint/2010/main" val="2786075549"/>
       </p:ext>
     </p:extLst>
   </p:cSld>
@@ -9413,7 +9444,7 @@
   <a:extraClrSchemeLst/>
   <a:extLst>
     <a:ext uri="{05A4C25C-085E-4340-85A3-A5531E510DB2}">
-      <thm15:themeFamily xmlns:thm15="http://schemas.microsoft.com/office/thememl/2012/main" xmlns="" name="Office Theme" id="{62F939B6-93AF-4DB8-9C6B-D6C7DFDC589F}" vid="{4A3C46E8-61CC-4603-A589-7422A47A8E4A}"/>
+      <thm15:themeFamily xmlns:thm15="http://schemas.microsoft.com/office/thememl/2012/main" name="Office Theme" id="{62F939B6-93AF-4DB8-9C6B-D6C7DFDC589F}" vid="{4A3C46E8-61CC-4603-A589-7422A47A8E4A}"/>
     </a:ext>
   </a:extLst>
 </a:theme>
@@ -9674,7 +9705,7 @@
   <a:extraClrSchemeLst/>
   <a:extLst>
     <a:ext uri="{05A4C25C-085E-4340-85A3-A5531E510DB2}">
-      <thm15:themeFamily xmlns:thm15="http://schemas.microsoft.com/office/thememl/2012/main" xmlns="" name="Office Theme" id="{62F939B6-93AF-4DB8-9C6B-D6C7DFDC589F}" vid="{4A3C46E8-61CC-4603-A589-7422A47A8E4A}"/>
+      <thm15:themeFamily xmlns:thm15="http://schemas.microsoft.com/office/thememl/2012/main" name="Office Theme" id="{62F939B6-93AF-4DB8-9C6B-D6C7DFDC589F}" vid="{4A3C46E8-61CC-4603-A589-7422A47A8E4A}"/>
     </a:ext>
   </a:extLst>
 </a:theme>

--- a/thesis/Pune-Nov2019/01AYUSH-Pune-Nov2019.pptx
+++ b/thesis/Pune-Nov2019/01AYUSH-Pune-Nov2019.pptx
@@ -130,7 +130,7 @@
   </p:defaultTextStyle>
   <p:extLst>
     <p:ext uri="{EFAFB233-063F-42B5-8137-9DF3F51BA10A}">
-      <p15:sldGuideLst xmlns:p15="http://schemas.microsoft.com/office/powerpoint/2012/main">
+      <p15:sldGuideLst xmlns:p15="http://schemas.microsoft.com/office/powerpoint/2012/main" xmlns="">
         <p15:guide id="1" orient="horz" pos="2160">
           <p15:clr>
             <a:srgbClr val="A4A3A4"/>
@@ -230,7 +230,7 @@
             <a:fld id="{681A1570-8B4F-40FF-A64D-0FD58D8CAB60}" type="datetimeFigureOut">
               <a:rPr lang="en-US" smtClean="0"/>
               <a:pPr/>
-              <a:t>10/29/2019</a:t>
+              <a:t>11/27/2019</a:t>
             </a:fld>
             <a:endParaRPr lang="en-US"/>
           </a:p>
@@ -399,7 +399,7 @@
     </p:spTree>
     <p:extLst>
       <p:ext uri="{BB962C8B-B14F-4D97-AF65-F5344CB8AC3E}">
-        <p14:creationId xmlns:p14="http://schemas.microsoft.com/office/powerpoint/2010/main" val="2792802383"/>
+        <p14:creationId xmlns:p14="http://schemas.microsoft.com/office/powerpoint/2010/main" xmlns="" val="2792802383"/>
       </p:ext>
     </p:extLst>
   </p:cSld>
@@ -631,7 +631,7 @@
             <a:fld id="{F8BAA029-644C-48F0-A984-5BCFA9A87740}" type="datetime1">
               <a:rPr lang="en-US" smtClean="0"/>
               <a:pPr/>
-              <a:t>10/29/2019</a:t>
+              <a:t>11/27/2019</a:t>
             </a:fld>
             <a:endParaRPr lang="en-US"/>
           </a:p>
@@ -716,7 +716,7 @@
     </p:spTree>
     <p:extLst>
       <p:ext uri="{BB962C8B-B14F-4D97-AF65-F5344CB8AC3E}">
-        <p14:creationId xmlns:p14="http://schemas.microsoft.com/office/powerpoint/2010/main" val="296662870"/>
+        <p14:creationId xmlns:p14="http://schemas.microsoft.com/office/powerpoint/2010/main" xmlns="" val="296662870"/>
       </p:ext>
     </p:extLst>
   </p:cSld>
@@ -843,7 +843,7 @@
             <a:fld id="{5D7520C7-DF4D-4D4B-AE8A-5AE562C3DEE5}" type="datetime1">
               <a:rPr lang="en-US" smtClean="0"/>
               <a:pPr/>
-              <a:t>10/29/2019</a:t>
+              <a:t>11/27/2019</a:t>
             </a:fld>
             <a:endParaRPr lang="en-US"/>
           </a:p>
@@ -895,7 +895,7 @@
     </p:spTree>
     <p:extLst>
       <p:ext uri="{BB962C8B-B14F-4D97-AF65-F5344CB8AC3E}">
-        <p14:creationId xmlns:p14="http://schemas.microsoft.com/office/powerpoint/2010/main" val="3175789315"/>
+        <p14:creationId xmlns:p14="http://schemas.microsoft.com/office/powerpoint/2010/main" xmlns="" val="3175789315"/>
       </p:ext>
     </p:extLst>
   </p:cSld>
@@ -1025,7 +1025,7 @@
             <a:fld id="{1720A6F4-0DBB-4481-988F-24EA765DFCC7}" type="datetime1">
               <a:rPr lang="en-US" smtClean="0"/>
               <a:pPr/>
-              <a:t>10/29/2019</a:t>
+              <a:t>11/27/2019</a:t>
             </a:fld>
             <a:endParaRPr lang="en-US"/>
           </a:p>
@@ -1077,7 +1077,7 @@
     </p:spTree>
     <p:extLst>
       <p:ext uri="{BB962C8B-B14F-4D97-AF65-F5344CB8AC3E}">
-        <p14:creationId xmlns:p14="http://schemas.microsoft.com/office/powerpoint/2010/main" val="3364241540"/>
+        <p14:creationId xmlns:p14="http://schemas.microsoft.com/office/powerpoint/2010/main" xmlns="" val="3364241540"/>
       </p:ext>
     </p:extLst>
   </p:cSld>
@@ -1204,7 +1204,7 @@
             <a:fld id="{A9F411BC-123B-4F79-A0B7-388FA5C3D902}" type="datetime1">
               <a:rPr lang="en-US" smtClean="0"/>
               <a:pPr/>
-              <a:t>10/29/2019</a:t>
+              <a:t>11/27/2019</a:t>
             </a:fld>
             <a:endParaRPr lang="en-US"/>
           </a:p>
@@ -1289,7 +1289,7 @@
     </p:spTree>
     <p:extLst>
       <p:ext uri="{BB962C8B-B14F-4D97-AF65-F5344CB8AC3E}">
-        <p14:creationId xmlns:p14="http://schemas.microsoft.com/office/powerpoint/2010/main" val="4170085039"/>
+        <p14:creationId xmlns:p14="http://schemas.microsoft.com/office/powerpoint/2010/main" xmlns="" val="4170085039"/>
       </p:ext>
     </p:extLst>
   </p:cSld>
@@ -1492,7 +1492,7 @@
             <a:fld id="{820F71C1-1323-4CE2-A487-94F2BD939211}" type="datetime1">
               <a:rPr lang="en-US" smtClean="0"/>
               <a:pPr/>
-              <a:t>10/29/2019</a:t>
+              <a:t>11/27/2019</a:t>
             </a:fld>
             <a:endParaRPr lang="en-US"/>
           </a:p>
@@ -1577,7 +1577,7 @@
     </p:spTree>
     <p:extLst>
       <p:ext uri="{BB962C8B-B14F-4D97-AF65-F5344CB8AC3E}">
-        <p14:creationId xmlns:p14="http://schemas.microsoft.com/office/powerpoint/2010/main" val="1857255340"/>
+        <p14:creationId xmlns:p14="http://schemas.microsoft.com/office/powerpoint/2010/main" xmlns="" val="1857255340"/>
       </p:ext>
     </p:extLst>
   </p:cSld>
@@ -1766,7 +1766,7 @@
             <a:fld id="{0B8D3A63-453E-424C-B6E5-00CAD8E7F970}" type="datetime1">
               <a:rPr lang="en-US" smtClean="0"/>
               <a:pPr/>
-              <a:t>10/29/2019</a:t>
+              <a:t>11/27/2019</a:t>
             </a:fld>
             <a:endParaRPr lang="en-US"/>
           </a:p>
@@ -1818,7 +1818,7 @@
     </p:spTree>
     <p:extLst>
       <p:ext uri="{BB962C8B-B14F-4D97-AF65-F5344CB8AC3E}">
-        <p14:creationId xmlns:p14="http://schemas.microsoft.com/office/powerpoint/2010/main" val="2807239930"/>
+        <p14:creationId xmlns:p14="http://schemas.microsoft.com/office/powerpoint/2010/main" xmlns="" val="2807239930"/>
       </p:ext>
     </p:extLst>
   </p:cSld>
@@ -2135,7 +2135,7 @@
             <a:fld id="{7BAC8C14-5A42-4923-B508-3AFCA50ACEDD}" type="datetime1">
               <a:rPr lang="en-US" smtClean="0"/>
               <a:pPr/>
-              <a:t>10/29/2019</a:t>
+              <a:t>11/27/2019</a:t>
             </a:fld>
             <a:endParaRPr lang="en-US"/>
           </a:p>
@@ -2187,7 +2187,7 @@
     </p:spTree>
     <p:extLst>
       <p:ext uri="{BB962C8B-B14F-4D97-AF65-F5344CB8AC3E}">
-        <p14:creationId xmlns:p14="http://schemas.microsoft.com/office/powerpoint/2010/main" val="3384694331"/>
+        <p14:creationId xmlns:p14="http://schemas.microsoft.com/office/powerpoint/2010/main" xmlns="" val="3384694331"/>
       </p:ext>
     </p:extLst>
   </p:cSld>
@@ -2255,7 +2255,7 @@
             <a:fld id="{9A3E6AF5-B2B3-4094-B5B6-0DCE5A481B82}" type="datetime1">
               <a:rPr lang="en-US" smtClean="0"/>
               <a:pPr/>
-              <a:t>10/29/2019</a:t>
+              <a:t>11/27/2019</a:t>
             </a:fld>
             <a:endParaRPr lang="en-US"/>
           </a:p>
@@ -2307,7 +2307,7 @@
     </p:spTree>
     <p:extLst>
       <p:ext uri="{BB962C8B-B14F-4D97-AF65-F5344CB8AC3E}">
-        <p14:creationId xmlns:p14="http://schemas.microsoft.com/office/powerpoint/2010/main" val="4212878482"/>
+        <p14:creationId xmlns:p14="http://schemas.microsoft.com/office/powerpoint/2010/main" xmlns="" val="4212878482"/>
       </p:ext>
     </p:extLst>
   </p:cSld>
@@ -2352,7 +2352,7 @@
             <a:fld id="{B35ED67F-0F60-47B1-B009-F4A0F1F8E451}" type="datetime1">
               <a:rPr lang="en-US" smtClean="0"/>
               <a:pPr/>
-              <a:t>10/29/2019</a:t>
+              <a:t>11/27/2019</a:t>
             </a:fld>
             <a:endParaRPr lang="en-US"/>
           </a:p>
@@ -2404,7 +2404,7 @@
     </p:spTree>
     <p:extLst>
       <p:ext uri="{BB962C8B-B14F-4D97-AF65-F5344CB8AC3E}">
-        <p14:creationId xmlns:p14="http://schemas.microsoft.com/office/powerpoint/2010/main" val="4269922649"/>
+        <p14:creationId xmlns:p14="http://schemas.microsoft.com/office/powerpoint/2010/main" xmlns="" val="4269922649"/>
       </p:ext>
     </p:extLst>
   </p:cSld>
@@ -2631,7 +2631,7 @@
             <a:fld id="{E764AE53-B17C-4BCC-BDA1-B3947D9CDA78}" type="datetime1">
               <a:rPr lang="en-US" smtClean="0"/>
               <a:pPr/>
-              <a:t>10/29/2019</a:t>
+              <a:t>11/27/2019</a:t>
             </a:fld>
             <a:endParaRPr lang="en-US"/>
           </a:p>
@@ -2683,7 +2683,7 @@
     </p:spTree>
     <p:extLst>
       <p:ext uri="{BB962C8B-B14F-4D97-AF65-F5344CB8AC3E}">
-        <p14:creationId xmlns:p14="http://schemas.microsoft.com/office/powerpoint/2010/main" val="3857508963"/>
+        <p14:creationId xmlns:p14="http://schemas.microsoft.com/office/powerpoint/2010/main" xmlns="" val="3857508963"/>
       </p:ext>
     </p:extLst>
   </p:cSld>
@@ -2886,7 +2886,7 @@
             <a:fld id="{5E05EAE7-FDC3-460B-85F4-97CD647EBE43}" type="datetime1">
               <a:rPr lang="en-US" smtClean="0"/>
               <a:pPr/>
-              <a:t>10/29/2019</a:t>
+              <a:t>11/27/2019</a:t>
             </a:fld>
             <a:endParaRPr lang="en-US"/>
           </a:p>
@@ -2938,7 +2938,7 @@
     </p:spTree>
     <p:extLst>
       <p:ext uri="{BB962C8B-B14F-4D97-AF65-F5344CB8AC3E}">
-        <p14:creationId xmlns:p14="http://schemas.microsoft.com/office/powerpoint/2010/main" val="1053963573"/>
+        <p14:creationId xmlns:p14="http://schemas.microsoft.com/office/powerpoint/2010/main" xmlns="" val="1053963573"/>
       </p:ext>
     </p:extLst>
   </p:cSld>
@@ -3101,7 +3101,7 @@
             <a:fld id="{DB67F73D-1744-4172-9A87-DA5B05290188}" type="datetime1">
               <a:rPr lang="en-US" smtClean="0"/>
               <a:pPr/>
-              <a:t>10/29/2019</a:t>
+              <a:t>11/27/2019</a:t>
             </a:fld>
             <a:endParaRPr lang="en-US"/>
           </a:p>
@@ -3189,7 +3189,7 @@
     </p:spTree>
     <p:extLst>
       <p:ext uri="{BB962C8B-B14F-4D97-AF65-F5344CB8AC3E}">
-        <p14:creationId xmlns:p14="http://schemas.microsoft.com/office/powerpoint/2010/main" val="3311370298"/>
+        <p14:creationId xmlns:p14="http://schemas.microsoft.com/office/powerpoint/2010/main" xmlns="" val="3311370298"/>
       </p:ext>
     </p:extLst>
   </p:cSld>
@@ -3644,7 +3644,7 @@
     </p:spTree>
     <p:extLst>
       <p:ext uri="{BB962C8B-B14F-4D97-AF65-F5344CB8AC3E}">
-        <p14:creationId xmlns:p14="http://schemas.microsoft.com/office/powerpoint/2010/main" val="1887554882"/>
+        <p14:creationId xmlns:p14="http://schemas.microsoft.com/office/powerpoint/2010/main" xmlns="" val="1887554882"/>
       </p:ext>
     </p:extLst>
   </p:cSld>
@@ -3903,7 +3903,7 @@
     </p:spTree>
     <p:extLst>
       <p:ext uri="{BB962C8B-B14F-4D97-AF65-F5344CB8AC3E}">
-        <p14:creationId xmlns:p14="http://schemas.microsoft.com/office/powerpoint/2010/main" val="1211721390"/>
+        <p14:creationId xmlns:p14="http://schemas.microsoft.com/office/powerpoint/2010/main" xmlns="" val="1211721390"/>
       </p:ext>
     </p:extLst>
   </p:cSld>
@@ -4160,7 +4160,7 @@
     </p:spTree>
     <p:extLst>
       <p:ext uri="{BB962C8B-B14F-4D97-AF65-F5344CB8AC3E}">
-        <p14:creationId xmlns:p14="http://schemas.microsoft.com/office/powerpoint/2010/main" val="2313778932"/>
+        <p14:creationId xmlns:p14="http://schemas.microsoft.com/office/powerpoint/2010/main" xmlns="" val="2313778932"/>
       </p:ext>
     </p:extLst>
   </p:cSld>
@@ -4418,7 +4418,7 @@
     </p:spTree>
     <p:extLst>
       <p:ext uri="{BB962C8B-B14F-4D97-AF65-F5344CB8AC3E}">
-        <p14:creationId xmlns:p14="http://schemas.microsoft.com/office/powerpoint/2010/main" val="3182335127"/>
+        <p14:creationId xmlns:p14="http://schemas.microsoft.com/office/powerpoint/2010/main" xmlns="" val="3182335127"/>
       </p:ext>
     </p:extLst>
   </p:cSld>
@@ -4584,7 +4584,7 @@
     </p:spTree>
     <p:extLst>
       <p:ext uri="{BB962C8B-B14F-4D97-AF65-F5344CB8AC3E}">
-        <p14:creationId xmlns:p14="http://schemas.microsoft.com/office/powerpoint/2010/main" val="86045054"/>
+        <p14:creationId xmlns:p14="http://schemas.microsoft.com/office/powerpoint/2010/main" xmlns="" val="86045054"/>
       </p:ext>
     </p:extLst>
   </p:cSld>
@@ -4674,7 +4674,7 @@
     </p:spTree>
     <p:extLst>
       <p:ext uri="{BB962C8B-B14F-4D97-AF65-F5344CB8AC3E}">
-        <p14:creationId xmlns:p14="http://schemas.microsoft.com/office/powerpoint/2010/main" val="3743373227"/>
+        <p14:creationId xmlns:p14="http://schemas.microsoft.com/office/powerpoint/2010/main" xmlns="" val="3743373227"/>
       </p:ext>
     </p:extLst>
   </p:cSld>
@@ -4749,7 +4749,7 @@
           <a:blip r:embed="rId2">
             <a:extLst>
               <a:ext uri="{28A0092B-C50C-407E-A947-70E740481C1C}">
-                <a14:useLocalDpi xmlns:a14="http://schemas.microsoft.com/office/drawing/2010/main" val="0"/>
+                <a14:useLocalDpi xmlns:a14="http://schemas.microsoft.com/office/drawing/2010/main" xmlns="" val="0"/>
               </a:ext>
             </a:extLst>
           </a:blip>
@@ -4772,14 +4772,14 @@
           </a:ln>
           <a:extLst>
             <a:ext uri="{909E8E84-426E-40DD-AFC4-6F175D3DCCD1}">
-              <a14:hiddenFill xmlns:a14="http://schemas.microsoft.com/office/drawing/2010/main">
+              <a14:hiddenFill xmlns:a14="http://schemas.microsoft.com/office/drawing/2010/main" xmlns="">
                 <a:solidFill>
                   <a:schemeClr val="accent1"/>
                 </a:solidFill>
               </a14:hiddenFill>
             </a:ext>
             <a:ext uri="{91240B29-F687-4F45-9708-019B960494DF}">
-              <a14:hiddenLine xmlns:a14="http://schemas.microsoft.com/office/drawing/2010/main" w="9525">
+              <a14:hiddenLine xmlns:a14="http://schemas.microsoft.com/office/drawing/2010/main" xmlns="" w="9525">
                 <a:solidFill>
                   <a:schemeClr val="tx1"/>
                 </a:solidFill>
@@ -4847,7 +4847,7 @@
     </p:spTree>
     <p:extLst>
       <p:ext uri="{BB962C8B-B14F-4D97-AF65-F5344CB8AC3E}">
-        <p14:creationId xmlns:p14="http://schemas.microsoft.com/office/powerpoint/2010/main" val="3242138827"/>
+        <p14:creationId xmlns:p14="http://schemas.microsoft.com/office/powerpoint/2010/main" xmlns="" val="3242138827"/>
       </p:ext>
     </p:extLst>
   </p:cSld>
@@ -5049,7 +5049,7 @@
     </p:spTree>
     <p:extLst>
       <p:ext uri="{BB962C8B-B14F-4D97-AF65-F5344CB8AC3E}">
-        <p14:creationId xmlns:p14="http://schemas.microsoft.com/office/powerpoint/2010/main" val="2176742786"/>
+        <p14:creationId xmlns:p14="http://schemas.microsoft.com/office/powerpoint/2010/main" xmlns="" val="2176742786"/>
       </p:ext>
     </p:extLst>
   </p:cSld>
@@ -5133,7 +5133,7 @@
     </p:spTree>
     <p:extLst>
       <p:ext uri="{BB962C8B-B14F-4D97-AF65-F5344CB8AC3E}">
-        <p14:creationId xmlns:p14="http://schemas.microsoft.com/office/powerpoint/2010/main" val="2431372774"/>
+        <p14:creationId xmlns:p14="http://schemas.microsoft.com/office/powerpoint/2010/main" xmlns="" val="2431372774"/>
       </p:ext>
     </p:extLst>
   </p:cSld>
@@ -5229,7 +5229,7 @@
     </p:spTree>
     <p:extLst>
       <p:ext uri="{BB962C8B-B14F-4D97-AF65-F5344CB8AC3E}">
-        <p14:creationId xmlns:p14="http://schemas.microsoft.com/office/powerpoint/2010/main" val="4185853894"/>
+        <p14:creationId xmlns:p14="http://schemas.microsoft.com/office/powerpoint/2010/main" xmlns="" val="4185853894"/>
       </p:ext>
     </p:extLst>
   </p:cSld>
@@ -5514,7 +5514,7 @@
     </p:spTree>
     <p:extLst>
       <p:ext uri="{BB962C8B-B14F-4D97-AF65-F5344CB8AC3E}">
-        <p14:creationId xmlns:p14="http://schemas.microsoft.com/office/powerpoint/2010/main" val="1731746636"/>
+        <p14:creationId xmlns:p14="http://schemas.microsoft.com/office/powerpoint/2010/main" xmlns="" val="1731746636"/>
       </p:ext>
     </p:extLst>
   </p:cSld>
@@ -5768,7 +5768,7 @@
     </p:spTree>
     <p:extLst>
       <p:ext uri="{BB962C8B-B14F-4D97-AF65-F5344CB8AC3E}">
-        <p14:creationId xmlns:p14="http://schemas.microsoft.com/office/powerpoint/2010/main" val="1710889091"/>
+        <p14:creationId xmlns:p14="http://schemas.microsoft.com/office/powerpoint/2010/main" xmlns="" val="1710889091"/>
       </p:ext>
     </p:extLst>
   </p:cSld>
@@ -5999,7 +5999,7 @@
     </p:spTree>
     <p:extLst>
       <p:ext uri="{BB962C8B-B14F-4D97-AF65-F5344CB8AC3E}">
-        <p14:creationId xmlns:p14="http://schemas.microsoft.com/office/powerpoint/2010/main" val="1775469902"/>
+        <p14:creationId xmlns:p14="http://schemas.microsoft.com/office/powerpoint/2010/main" xmlns="" val="1775469902"/>
       </p:ext>
     </p:extLst>
   </p:cSld>
@@ -6215,7 +6215,7 @@
     </p:spTree>
     <p:extLst>
       <p:ext uri="{BB962C8B-B14F-4D97-AF65-F5344CB8AC3E}">
-        <p14:creationId xmlns:p14="http://schemas.microsoft.com/office/powerpoint/2010/main" val="2647183970"/>
+        <p14:creationId xmlns:p14="http://schemas.microsoft.com/office/powerpoint/2010/main" xmlns="" val="2647183970"/>
       </p:ext>
     </p:extLst>
   </p:cSld>
@@ -7535,7 +7535,7 @@
     </p:spTree>
     <p:extLst>
       <p:ext uri="{BB962C8B-B14F-4D97-AF65-F5344CB8AC3E}">
-        <p14:creationId xmlns:p14="http://schemas.microsoft.com/office/powerpoint/2010/main" val="3056790306"/>
+        <p14:creationId xmlns:p14="http://schemas.microsoft.com/office/powerpoint/2010/main" xmlns="" val="3056790306"/>
       </p:ext>
     </p:extLst>
   </p:cSld>
@@ -7623,8 +7623,12 @@
               <a:t> </a:t>
             </a:r>
             <a:r>
+              <a:rPr lang="en-US" sz="2400" dirty="0" smtClean="0"/>
+              <a:t>large Ayurvedic </a:t>
+            </a:r>
+            <a:r>
               <a:rPr lang="en-US" sz="2400" dirty="0"/>
-              <a:t>Ayurvedic electronic databases operational since 2010</a:t>
+              <a:t>electronic databases operational since 2010</a:t>
             </a:r>
           </a:p>
           <a:p>
@@ -7717,7 +7721,7 @@
     </p:spTree>
     <p:extLst>
       <p:ext uri="{BB962C8B-B14F-4D97-AF65-F5344CB8AC3E}">
-        <p14:creationId xmlns:p14="http://schemas.microsoft.com/office/powerpoint/2010/main" val="1110719080"/>
+        <p14:creationId xmlns:p14="http://schemas.microsoft.com/office/powerpoint/2010/main" xmlns="" val="1110719080"/>
       </p:ext>
     </p:extLst>
   </p:cSld>
@@ -7829,7 +7833,7 @@
     </p:spTree>
     <p:extLst>
       <p:ext uri="{BB962C8B-B14F-4D97-AF65-F5344CB8AC3E}">
-        <p14:creationId xmlns:p14="http://schemas.microsoft.com/office/powerpoint/2010/main" val="1349982035"/>
+        <p14:creationId xmlns:p14="http://schemas.microsoft.com/office/powerpoint/2010/main" xmlns="" val="1349982035"/>
       </p:ext>
     </p:extLst>
   </p:cSld>
@@ -8325,7 +8329,7 @@
     </p:spTree>
     <p:extLst>
       <p:ext uri="{BB962C8B-B14F-4D97-AF65-F5344CB8AC3E}">
-        <p14:creationId xmlns:p14="http://schemas.microsoft.com/office/powerpoint/2010/main" val="485579295"/>
+        <p14:creationId xmlns:p14="http://schemas.microsoft.com/office/powerpoint/2010/main" xmlns="" val="485579295"/>
       </p:ext>
     </p:extLst>
   </p:cSld>
@@ -8525,7 +8529,7 @@
     </p:spTree>
     <p:extLst>
       <p:ext uri="{BB962C8B-B14F-4D97-AF65-F5344CB8AC3E}">
-        <p14:creationId xmlns:p14="http://schemas.microsoft.com/office/powerpoint/2010/main" val="55062268"/>
+        <p14:creationId xmlns:p14="http://schemas.microsoft.com/office/powerpoint/2010/main" xmlns="" val="55062268"/>
       </p:ext>
     </p:extLst>
   </p:cSld>
@@ -8872,7 +8876,7 @@
     </p:spTree>
     <p:extLst>
       <p:ext uri="{BB962C8B-B14F-4D97-AF65-F5344CB8AC3E}">
-        <p14:creationId xmlns:p14="http://schemas.microsoft.com/office/powerpoint/2010/main" val="147361184"/>
+        <p14:creationId xmlns:p14="http://schemas.microsoft.com/office/powerpoint/2010/main" xmlns="" val="147361184"/>
       </p:ext>
     </p:extLst>
   </p:cSld>
@@ -9037,7 +9041,7 @@
     </p:spTree>
     <p:extLst>
       <p:ext uri="{BB962C8B-B14F-4D97-AF65-F5344CB8AC3E}">
-        <p14:creationId xmlns:p14="http://schemas.microsoft.com/office/powerpoint/2010/main" val="621725748"/>
+        <p14:creationId xmlns:p14="http://schemas.microsoft.com/office/powerpoint/2010/main" xmlns="" val="621725748"/>
       </p:ext>
     </p:extLst>
   </p:cSld>
@@ -9179,7 +9183,7 @@
     </p:spTree>
     <p:extLst>
       <p:ext uri="{BB962C8B-B14F-4D97-AF65-F5344CB8AC3E}">
-        <p14:creationId xmlns:p14="http://schemas.microsoft.com/office/powerpoint/2010/main" val="2786075549"/>
+        <p14:creationId xmlns:p14="http://schemas.microsoft.com/office/powerpoint/2010/main" xmlns="" val="2786075549"/>
       </p:ext>
     </p:extLst>
   </p:cSld>
@@ -9444,7 +9448,7 @@
   <a:extraClrSchemeLst/>
   <a:extLst>
     <a:ext uri="{05A4C25C-085E-4340-85A3-A5531E510DB2}">
-      <thm15:themeFamily xmlns:thm15="http://schemas.microsoft.com/office/thememl/2012/main" name="Office Theme" id="{62F939B6-93AF-4DB8-9C6B-D6C7DFDC589F}" vid="{4A3C46E8-61CC-4603-A589-7422A47A8E4A}"/>
+      <thm15:themeFamily xmlns:thm15="http://schemas.microsoft.com/office/thememl/2012/main" xmlns="" name="Office Theme" id="{62F939B6-93AF-4DB8-9C6B-D6C7DFDC589F}" vid="{4A3C46E8-61CC-4603-A589-7422A47A8E4A}"/>
     </a:ext>
   </a:extLst>
 </a:theme>
@@ -9705,7 +9709,7 @@
   <a:extraClrSchemeLst/>
   <a:extLst>
     <a:ext uri="{05A4C25C-085E-4340-85A3-A5531E510DB2}">
-      <thm15:themeFamily xmlns:thm15="http://schemas.microsoft.com/office/thememl/2012/main" name="Office Theme" id="{62F939B6-93AF-4DB8-9C6B-D6C7DFDC589F}" vid="{4A3C46E8-61CC-4603-A589-7422A47A8E4A}"/>
+      <thm15:themeFamily xmlns:thm15="http://schemas.microsoft.com/office/thememl/2012/main" xmlns="" name="Office Theme" id="{62F939B6-93AF-4DB8-9C6B-D6C7DFDC589F}" vid="{4A3C46E8-61CC-4603-A589-7422A47A8E4A}"/>
     </a:ext>
   </a:extLst>
 </a:theme>
